--- a/Slides/PH223_Lecture_48.pptx
+++ b/Slides/PH223_Lecture_48.pptx
@@ -9,21 +9,25 @@
     <p:sldId id="257" r:id="rId3"/>
     <p:sldId id="258" r:id="rId4"/>
     <p:sldId id="259" r:id="rId5"/>
-    <p:sldId id="274" r:id="rId6"/>
-    <p:sldId id="260" r:id="rId7"/>
-    <p:sldId id="261" r:id="rId8"/>
-    <p:sldId id="262" r:id="rId9"/>
-    <p:sldId id="263" r:id="rId10"/>
-    <p:sldId id="264" r:id="rId11"/>
-    <p:sldId id="265" r:id="rId12"/>
-    <p:sldId id="266" r:id="rId13"/>
-    <p:sldId id="267" r:id="rId14"/>
-    <p:sldId id="268" r:id="rId15"/>
-    <p:sldId id="269" r:id="rId16"/>
-    <p:sldId id="270" r:id="rId17"/>
-    <p:sldId id="271" r:id="rId18"/>
-    <p:sldId id="272" r:id="rId19"/>
-    <p:sldId id="273" r:id="rId20"/>
+    <p:sldId id="1210" r:id="rId6"/>
+    <p:sldId id="274" r:id="rId7"/>
+    <p:sldId id="1207" r:id="rId8"/>
+    <p:sldId id="1208" r:id="rId9"/>
+    <p:sldId id="1209" r:id="rId10"/>
+    <p:sldId id="260" r:id="rId11"/>
+    <p:sldId id="261" r:id="rId12"/>
+    <p:sldId id="262" r:id="rId13"/>
+    <p:sldId id="263" r:id="rId14"/>
+    <p:sldId id="264" r:id="rId15"/>
+    <p:sldId id="265" r:id="rId16"/>
+    <p:sldId id="266" r:id="rId17"/>
+    <p:sldId id="267" r:id="rId18"/>
+    <p:sldId id="268" r:id="rId19"/>
+    <p:sldId id="269" r:id="rId20"/>
+    <p:sldId id="270" r:id="rId21"/>
+    <p:sldId id="271" r:id="rId22"/>
+    <p:sldId id="272" r:id="rId23"/>
+    <p:sldId id="273" r:id="rId24"/>
   </p:sldIdLst>
   <p:sldSz cx="9144000" cy="6858000" type="screen4x3"/>
   <p:notesSz cx="6858000" cy="9144000"/>
@@ -122,7 +126,191 @@
       </a:defRPr>
     </a:lvl9pPr>
   </p:defaultTextStyle>
+  <p:extLst>
+    <p:ext uri="{EFAFB233-063F-42B5-8137-9DF3F51BA10A}">
+      <p15:sldGuideLst xmlns:p15="http://schemas.microsoft.com/office/powerpoint/2012/main">
+        <p15:guide id="1" orient="horz" pos="2160">
+          <p15:clr>
+            <a:srgbClr val="A4A3A4"/>
+          </p15:clr>
+        </p15:guide>
+        <p15:guide id="2" pos="2880">
+          <p15:clr>
+            <a:srgbClr val="A4A3A4"/>
+          </p15:clr>
+        </p15:guide>
+      </p15:sldGuideLst>
+    </p:ext>
+  </p:extLst>
 </p:presentation>
+</file>
+
+<file path=ppt/revisionInfo.xml><?xml version="1.0" encoding="utf-8"?>
+<p1510:revInfo xmlns:a="http://schemas.openxmlformats.org/drawingml/2006/main" xmlns:r="http://schemas.openxmlformats.org/officeDocument/2006/relationships" xmlns:p1510="http://schemas.microsoft.com/office/powerpoint/2015/10/main">
+  <p1510:revLst>
+    <p1510:client id="{EF1EAB14-1FCF-4B8C-9841-3BB061C23849}" v="4" dt="2023-12-02T00:01:51.846"/>
+  </p1510:revLst>
+</p1510:revInfo>
+</file>
+
+<file path=ppt/changesInfos/changesInfo1.xml><?xml version="1.0" encoding="utf-8"?>
+<pc:chgInfo xmlns:a="http://schemas.openxmlformats.org/drawingml/2006/main" xmlns:r="http://schemas.openxmlformats.org/officeDocument/2006/relationships" xmlns:ac="http://schemas.microsoft.com/office/drawing/2013/main/command" xmlns:pc="http://schemas.microsoft.com/office/powerpoint/2013/main/command">
+  <pc:docChgLst>
+    <pc:chgData name="Lines, Todd" userId="afaf7c3a-e8aa-4568-882a-02ad8f9e19b0" providerId="ADAL" clId="{EF1EAB14-1FCF-4B8C-9841-3BB061C23849}"/>
+    <pc:docChg chg="custSel addSld delSld modSld sldOrd">
+      <pc:chgData name="Lines, Todd" userId="afaf7c3a-e8aa-4568-882a-02ad8f9e19b0" providerId="ADAL" clId="{EF1EAB14-1FCF-4B8C-9841-3BB061C23849}" dt="2023-12-02T00:03:40.861" v="208" actId="20577"/>
+      <pc:docMkLst>
+        <pc:docMk/>
+      </pc:docMkLst>
+      <pc:sldChg chg="add ord">
+        <pc:chgData name="Lines, Todd" userId="afaf7c3a-e8aa-4568-882a-02ad8f9e19b0" providerId="ADAL" clId="{EF1EAB14-1FCF-4B8C-9841-3BB061C23849}" dt="2023-12-01T23:07:55.631" v="4"/>
+        <pc:sldMkLst>
+          <pc:docMk/>
+          <pc:sldMk cId="0" sldId="1207"/>
+        </pc:sldMkLst>
+      </pc:sldChg>
+      <pc:sldChg chg="add ord">
+        <pc:chgData name="Lines, Todd" userId="afaf7c3a-e8aa-4568-882a-02ad8f9e19b0" providerId="ADAL" clId="{EF1EAB14-1FCF-4B8C-9841-3BB061C23849}" dt="2023-12-01T23:08:29.690" v="6"/>
+        <pc:sldMkLst>
+          <pc:docMk/>
+          <pc:sldMk cId="0" sldId="1208"/>
+        </pc:sldMkLst>
+      </pc:sldChg>
+      <pc:sldChg chg="add ord">
+        <pc:chgData name="Lines, Todd" userId="afaf7c3a-e8aa-4568-882a-02ad8f9e19b0" providerId="ADAL" clId="{EF1EAB14-1FCF-4B8C-9841-3BB061C23849}" dt="2023-12-01T23:08:29.690" v="6"/>
+        <pc:sldMkLst>
+          <pc:docMk/>
+          <pc:sldMk cId="0" sldId="1209"/>
+        </pc:sldMkLst>
+      </pc:sldChg>
+      <pc:sldChg chg="add del">
+        <pc:chgData name="Lines, Todd" userId="afaf7c3a-e8aa-4568-882a-02ad8f9e19b0" providerId="ADAL" clId="{EF1EAB14-1FCF-4B8C-9841-3BB061C23849}" dt="2023-12-02T00:01:45.531" v="8"/>
+        <pc:sldMkLst>
+          <pc:docMk/>
+          <pc:sldMk cId="212831154" sldId="1210"/>
+        </pc:sldMkLst>
+      </pc:sldChg>
+      <pc:sldChg chg="addSp modSp add mod chgLayout">
+        <pc:chgData name="Lines, Todd" userId="afaf7c3a-e8aa-4568-882a-02ad8f9e19b0" providerId="ADAL" clId="{EF1EAB14-1FCF-4B8C-9841-3BB061C23849}" dt="2023-12-02T00:03:40.861" v="208" actId="20577"/>
+        <pc:sldMkLst>
+          <pc:docMk/>
+          <pc:sldMk cId="662985452" sldId="1210"/>
+        </pc:sldMkLst>
+        <pc:spChg chg="mod ord">
+          <ac:chgData name="Lines, Todd" userId="afaf7c3a-e8aa-4568-882a-02ad8f9e19b0" providerId="ADAL" clId="{EF1EAB14-1FCF-4B8C-9841-3BB061C23849}" dt="2023-12-02T00:02:02.906" v="18" actId="700"/>
+          <ac:spMkLst>
+            <pc:docMk/>
+            <pc:sldMk cId="662985452" sldId="1210"/>
+            <ac:spMk id="2" creationId="{00000000-0000-0000-0000-000000000000}"/>
+          </ac:spMkLst>
+        </pc:spChg>
+        <pc:spChg chg="add mod ord">
+          <ac:chgData name="Lines, Todd" userId="afaf7c3a-e8aa-4568-882a-02ad8f9e19b0" providerId="ADAL" clId="{EF1EAB14-1FCF-4B8C-9841-3BB061C23849}" dt="2023-12-02T00:03:40.861" v="208" actId="20577"/>
+          <ac:spMkLst>
+            <pc:docMk/>
+            <pc:sldMk cId="662985452" sldId="1210"/>
+            <ac:spMk id="3" creationId="{AC77ED04-D755-6805-25BF-6A7CEC5D4AE9}"/>
+          </ac:spMkLst>
+        </pc:spChg>
+        <pc:spChg chg="mod">
+          <ac:chgData name="Lines, Todd" userId="afaf7c3a-e8aa-4568-882a-02ad8f9e19b0" providerId="ADAL" clId="{EF1EAB14-1FCF-4B8C-9841-3BB061C23849}" dt="2023-12-02T00:03:12.854" v="134" actId="1038"/>
+          <ac:spMkLst>
+            <pc:docMk/>
+            <pc:sldMk cId="662985452" sldId="1210"/>
+            <ac:spMk id="113668" creationId="{00000000-0000-0000-0000-000000000000}"/>
+          </ac:spMkLst>
+        </pc:spChg>
+        <pc:spChg chg="mod">
+          <ac:chgData name="Lines, Todd" userId="afaf7c3a-e8aa-4568-882a-02ad8f9e19b0" providerId="ADAL" clId="{EF1EAB14-1FCF-4B8C-9841-3BB061C23849}" dt="2023-12-02T00:03:12.854" v="134" actId="1038"/>
+          <ac:spMkLst>
+            <pc:docMk/>
+            <pc:sldMk cId="662985452" sldId="1210"/>
+            <ac:spMk id="113669" creationId="{00000000-0000-0000-0000-000000000000}"/>
+          </ac:spMkLst>
+        </pc:spChg>
+        <pc:spChg chg="mod">
+          <ac:chgData name="Lines, Todd" userId="afaf7c3a-e8aa-4568-882a-02ad8f9e19b0" providerId="ADAL" clId="{EF1EAB14-1FCF-4B8C-9841-3BB061C23849}" dt="2023-12-02T00:03:12.854" v="134" actId="1038"/>
+          <ac:spMkLst>
+            <pc:docMk/>
+            <pc:sldMk cId="662985452" sldId="1210"/>
+            <ac:spMk id="113670" creationId="{00000000-0000-0000-0000-000000000000}"/>
+          </ac:spMkLst>
+        </pc:spChg>
+        <pc:spChg chg="mod">
+          <ac:chgData name="Lines, Todd" userId="afaf7c3a-e8aa-4568-882a-02ad8f9e19b0" providerId="ADAL" clId="{EF1EAB14-1FCF-4B8C-9841-3BB061C23849}" dt="2023-12-02T00:03:12.854" v="134" actId="1038"/>
+          <ac:spMkLst>
+            <pc:docMk/>
+            <pc:sldMk cId="662985452" sldId="1210"/>
+            <ac:spMk id="113671" creationId="{00000000-0000-0000-0000-000000000000}"/>
+          </ac:spMkLst>
+        </pc:spChg>
+        <pc:spChg chg="mod">
+          <ac:chgData name="Lines, Todd" userId="afaf7c3a-e8aa-4568-882a-02ad8f9e19b0" providerId="ADAL" clId="{EF1EAB14-1FCF-4B8C-9841-3BB061C23849}" dt="2023-12-02T00:03:12.854" v="134" actId="1038"/>
+          <ac:spMkLst>
+            <pc:docMk/>
+            <pc:sldMk cId="662985452" sldId="1210"/>
+            <ac:spMk id="113672" creationId="{00000000-0000-0000-0000-000000000000}"/>
+          </ac:spMkLst>
+        </pc:spChg>
+        <pc:spChg chg="mod">
+          <ac:chgData name="Lines, Todd" userId="afaf7c3a-e8aa-4568-882a-02ad8f9e19b0" providerId="ADAL" clId="{EF1EAB14-1FCF-4B8C-9841-3BB061C23849}" dt="2023-12-02T00:03:12.854" v="134" actId="1038"/>
+          <ac:spMkLst>
+            <pc:docMk/>
+            <pc:sldMk cId="662985452" sldId="1210"/>
+            <ac:spMk id="113673" creationId="{00000000-0000-0000-0000-000000000000}"/>
+          </ac:spMkLst>
+        </pc:spChg>
+        <pc:spChg chg="mod">
+          <ac:chgData name="Lines, Todd" userId="afaf7c3a-e8aa-4568-882a-02ad8f9e19b0" providerId="ADAL" clId="{EF1EAB14-1FCF-4B8C-9841-3BB061C23849}" dt="2023-12-02T00:03:12.854" v="134" actId="1038"/>
+          <ac:spMkLst>
+            <pc:docMk/>
+            <pc:sldMk cId="662985452" sldId="1210"/>
+            <ac:spMk id="113674" creationId="{00000000-0000-0000-0000-000000000000}"/>
+          </ac:spMkLst>
+        </pc:spChg>
+        <pc:spChg chg="mod">
+          <ac:chgData name="Lines, Todd" userId="afaf7c3a-e8aa-4568-882a-02ad8f9e19b0" providerId="ADAL" clId="{EF1EAB14-1FCF-4B8C-9841-3BB061C23849}" dt="2023-12-02T00:03:12.854" v="134" actId="1038"/>
+          <ac:spMkLst>
+            <pc:docMk/>
+            <pc:sldMk cId="662985452" sldId="1210"/>
+            <ac:spMk id="113675" creationId="{00000000-0000-0000-0000-000000000000}"/>
+          </ac:spMkLst>
+        </pc:spChg>
+        <pc:spChg chg="mod">
+          <ac:chgData name="Lines, Todd" userId="afaf7c3a-e8aa-4568-882a-02ad8f9e19b0" providerId="ADAL" clId="{EF1EAB14-1FCF-4B8C-9841-3BB061C23849}" dt="2023-12-02T00:03:12.854" v="134" actId="1038"/>
+          <ac:spMkLst>
+            <pc:docMk/>
+            <pc:sldMk cId="662985452" sldId="1210"/>
+            <ac:spMk id="113676" creationId="{00000000-0000-0000-0000-000000000000}"/>
+          </ac:spMkLst>
+        </pc:spChg>
+        <pc:spChg chg="mod">
+          <ac:chgData name="Lines, Todd" userId="afaf7c3a-e8aa-4568-882a-02ad8f9e19b0" providerId="ADAL" clId="{EF1EAB14-1FCF-4B8C-9841-3BB061C23849}" dt="2023-12-02T00:03:12.854" v="134" actId="1038"/>
+          <ac:spMkLst>
+            <pc:docMk/>
+            <pc:sldMk cId="662985452" sldId="1210"/>
+            <ac:spMk id="113677" creationId="{00000000-0000-0000-0000-000000000000}"/>
+          </ac:spMkLst>
+        </pc:spChg>
+        <pc:spChg chg="mod">
+          <ac:chgData name="Lines, Todd" userId="afaf7c3a-e8aa-4568-882a-02ad8f9e19b0" providerId="ADAL" clId="{EF1EAB14-1FCF-4B8C-9841-3BB061C23849}" dt="2023-12-02T00:03:12.854" v="134" actId="1038"/>
+          <ac:spMkLst>
+            <pc:docMk/>
+            <pc:sldMk cId="662985452" sldId="1210"/>
+            <ac:spMk id="113678" creationId="{00000000-0000-0000-0000-000000000000}"/>
+          </ac:spMkLst>
+        </pc:spChg>
+      </pc:sldChg>
+      <pc:sldChg chg="add del">
+        <pc:chgData name="Lines, Todd" userId="afaf7c3a-e8aa-4568-882a-02ad8f9e19b0" providerId="ADAL" clId="{EF1EAB14-1FCF-4B8C-9841-3BB061C23849}" dt="2023-12-02T00:01:45.531" v="8"/>
+        <pc:sldMkLst>
+          <pc:docMk/>
+          <pc:sldMk cId="2718704599" sldId="1211"/>
+        </pc:sldMkLst>
+      </pc:sldChg>
+    </pc:docChg>
+  </pc:docChgLst>
+</pc:chgInfo>
 </file>
 
 <file path=ppt/slideLayouts/slideLayout1.xml><?xml version="1.0" encoding="utf-8"?>
@@ -163,10 +351,9 @@
           <a:lstStyle/>
           <a:p>
             <a:r>
-              <a:rPr lang="en-US" smtClean="0"/>
+              <a:rPr lang="en-US"/>
               <a:t>Click to edit Master title style</a:t>
             </a:r>
-            <a:endParaRPr lang="en-US"/>
           </a:p>
         </p:txBody>
       </p:sp>
@@ -282,10 +469,9 @@
           </a:lstStyle>
           <a:p>
             <a:r>
-              <a:rPr lang="en-US" smtClean="0"/>
+              <a:rPr lang="en-US"/>
               <a:t>Click to edit Master subtitle style</a:t>
             </a:r>
-            <a:endParaRPr lang="en-US"/>
           </a:p>
         </p:txBody>
       </p:sp>
@@ -307,7 +493,7 @@
             <a:fld id="{6C8FEEA4-EA5E-494A-BCE5-F0B89785D4DC}" type="datetimeFigureOut">
               <a:rPr lang="en-US" smtClean="0"/>
               <a:pPr/>
-              <a:t>4/2/2013</a:t>
+              <a:t>12/1/2023</a:t>
             </a:fld>
             <a:endParaRPr lang="en-US"/>
           </a:p>
@@ -397,10 +583,9 @@
           <a:lstStyle/>
           <a:p>
             <a:r>
-              <a:rPr lang="en-US" smtClean="0"/>
+              <a:rPr lang="en-US"/>
               <a:t>Click to edit Master title style</a:t>
             </a:r>
-            <a:endParaRPr lang="en-US"/>
           </a:p>
         </p:txBody>
       </p:sp>
@@ -421,38 +606,37 @@
           <a:p>
             <a:pPr lvl="0"/>
             <a:r>
-              <a:rPr lang="en-US" smtClean="0"/>
+              <a:rPr lang="en-US"/>
               <a:t>Click to edit Master text styles</a:t>
             </a:r>
           </a:p>
           <a:p>
             <a:pPr lvl="1"/>
             <a:r>
-              <a:rPr lang="en-US" smtClean="0"/>
+              <a:rPr lang="en-US"/>
               <a:t>Second level</a:t>
             </a:r>
           </a:p>
           <a:p>
             <a:pPr lvl="2"/>
             <a:r>
-              <a:rPr lang="en-US" smtClean="0"/>
+              <a:rPr lang="en-US"/>
               <a:t>Third level</a:t>
             </a:r>
           </a:p>
           <a:p>
             <a:pPr lvl="3"/>
             <a:r>
-              <a:rPr lang="en-US" smtClean="0"/>
+              <a:rPr lang="en-US"/>
               <a:t>Fourth level</a:t>
             </a:r>
           </a:p>
           <a:p>
             <a:pPr lvl="4"/>
             <a:r>
-              <a:rPr lang="en-US" smtClean="0"/>
+              <a:rPr lang="en-US"/>
               <a:t>Fifth level</a:t>
             </a:r>
-            <a:endParaRPr lang="en-US"/>
           </a:p>
         </p:txBody>
       </p:sp>
@@ -474,7 +658,7 @@
             <a:fld id="{6C8FEEA4-EA5E-494A-BCE5-F0B89785D4DC}" type="datetimeFigureOut">
               <a:rPr lang="en-US" smtClean="0"/>
               <a:pPr/>
-              <a:t>4/2/2013</a:t>
+              <a:t>12/1/2023</a:t>
             </a:fld>
             <a:endParaRPr lang="en-US"/>
           </a:p>
@@ -569,10 +753,9 @@
           <a:lstStyle/>
           <a:p>
             <a:r>
-              <a:rPr lang="en-US" smtClean="0"/>
+              <a:rPr lang="en-US"/>
               <a:t>Click to edit Master title style</a:t>
             </a:r>
-            <a:endParaRPr lang="en-US"/>
           </a:p>
         </p:txBody>
       </p:sp>
@@ -598,38 +781,37 @@
           <a:p>
             <a:pPr lvl="0"/>
             <a:r>
-              <a:rPr lang="en-US" smtClean="0"/>
+              <a:rPr lang="en-US"/>
               <a:t>Click to edit Master text styles</a:t>
             </a:r>
           </a:p>
           <a:p>
             <a:pPr lvl="1"/>
             <a:r>
-              <a:rPr lang="en-US" smtClean="0"/>
+              <a:rPr lang="en-US"/>
               <a:t>Second level</a:t>
             </a:r>
           </a:p>
           <a:p>
             <a:pPr lvl="2"/>
             <a:r>
-              <a:rPr lang="en-US" smtClean="0"/>
+              <a:rPr lang="en-US"/>
               <a:t>Third level</a:t>
             </a:r>
           </a:p>
           <a:p>
             <a:pPr lvl="3"/>
             <a:r>
-              <a:rPr lang="en-US" smtClean="0"/>
+              <a:rPr lang="en-US"/>
               <a:t>Fourth level</a:t>
             </a:r>
           </a:p>
           <a:p>
             <a:pPr lvl="4"/>
             <a:r>
-              <a:rPr lang="en-US" smtClean="0"/>
+              <a:rPr lang="en-US"/>
               <a:t>Fifth level</a:t>
             </a:r>
-            <a:endParaRPr lang="en-US"/>
           </a:p>
         </p:txBody>
       </p:sp>
@@ -651,7 +833,7 @@
             <a:fld id="{6C8FEEA4-EA5E-494A-BCE5-F0B89785D4DC}" type="datetimeFigureOut">
               <a:rPr lang="en-US" smtClean="0"/>
               <a:pPr/>
-              <a:t>4/2/2013</a:t>
+              <a:t>12/1/2023</a:t>
             </a:fld>
             <a:endParaRPr lang="en-US"/>
           </a:p>
@@ -741,10 +923,9 @@
           <a:lstStyle/>
           <a:p>
             <a:r>
-              <a:rPr lang="en-US" smtClean="0"/>
+              <a:rPr lang="en-US"/>
               <a:t>Click to edit Master title style</a:t>
             </a:r>
-            <a:endParaRPr lang="en-US"/>
           </a:p>
         </p:txBody>
       </p:sp>
@@ -765,38 +946,37 @@
           <a:p>
             <a:pPr lvl="0"/>
             <a:r>
-              <a:rPr lang="en-US" smtClean="0"/>
+              <a:rPr lang="en-US"/>
               <a:t>Click to edit Master text styles</a:t>
             </a:r>
           </a:p>
           <a:p>
             <a:pPr lvl="1"/>
             <a:r>
-              <a:rPr lang="en-US" smtClean="0"/>
+              <a:rPr lang="en-US"/>
               <a:t>Second level</a:t>
             </a:r>
           </a:p>
           <a:p>
             <a:pPr lvl="2"/>
             <a:r>
-              <a:rPr lang="en-US" smtClean="0"/>
+              <a:rPr lang="en-US"/>
               <a:t>Third level</a:t>
             </a:r>
           </a:p>
           <a:p>
             <a:pPr lvl="3"/>
             <a:r>
-              <a:rPr lang="en-US" smtClean="0"/>
+              <a:rPr lang="en-US"/>
               <a:t>Fourth level</a:t>
             </a:r>
           </a:p>
           <a:p>
             <a:pPr lvl="4"/>
             <a:r>
-              <a:rPr lang="en-US" smtClean="0"/>
+              <a:rPr lang="en-US"/>
               <a:t>Fifth level</a:t>
             </a:r>
-            <a:endParaRPr lang="en-US"/>
           </a:p>
         </p:txBody>
       </p:sp>
@@ -818,7 +998,7 @@
             <a:fld id="{6C8FEEA4-EA5E-494A-BCE5-F0B89785D4DC}" type="datetimeFigureOut">
               <a:rPr lang="en-US" smtClean="0"/>
               <a:pPr/>
-              <a:t>4/2/2013</a:t>
+              <a:t>12/1/2023</a:t>
             </a:fld>
             <a:endParaRPr lang="en-US"/>
           </a:p>
@@ -917,10 +1097,9 @@
           </a:lstStyle>
           <a:p>
             <a:r>
-              <a:rPr lang="en-US" smtClean="0"/>
+              <a:rPr lang="en-US"/>
               <a:t>Click to edit Master title style</a:t>
             </a:r>
-            <a:endParaRPr lang="en-US"/>
           </a:p>
         </p:txBody>
       </p:sp>
@@ -1037,7 +1216,7 @@
           <a:p>
             <a:pPr lvl="0"/>
             <a:r>
-              <a:rPr lang="en-US" smtClean="0"/>
+              <a:rPr lang="en-US"/>
               <a:t>Click to edit Master text styles</a:t>
             </a:r>
           </a:p>
@@ -1061,7 +1240,7 @@
             <a:fld id="{6C8FEEA4-EA5E-494A-BCE5-F0B89785D4DC}" type="datetimeFigureOut">
               <a:rPr lang="en-US" smtClean="0"/>
               <a:pPr/>
-              <a:t>4/2/2013</a:t>
+              <a:t>12/1/2023</a:t>
             </a:fld>
             <a:endParaRPr lang="en-US"/>
           </a:p>
@@ -1151,10 +1330,9 @@
           <a:lstStyle/>
           <a:p>
             <a:r>
-              <a:rPr lang="en-US" smtClean="0"/>
+              <a:rPr lang="en-US"/>
               <a:t>Click to edit Master title style</a:t>
             </a:r>
-            <a:endParaRPr lang="en-US"/>
           </a:p>
         </p:txBody>
       </p:sp>
@@ -1208,38 +1386,37 @@
           <a:p>
             <a:pPr lvl="0"/>
             <a:r>
-              <a:rPr lang="en-US" smtClean="0"/>
+              <a:rPr lang="en-US"/>
               <a:t>Click to edit Master text styles</a:t>
             </a:r>
           </a:p>
           <a:p>
             <a:pPr lvl="1"/>
             <a:r>
-              <a:rPr lang="en-US" smtClean="0"/>
+              <a:rPr lang="en-US"/>
               <a:t>Second level</a:t>
             </a:r>
           </a:p>
           <a:p>
             <a:pPr lvl="2"/>
             <a:r>
-              <a:rPr lang="en-US" smtClean="0"/>
+              <a:rPr lang="en-US"/>
               <a:t>Third level</a:t>
             </a:r>
           </a:p>
           <a:p>
             <a:pPr lvl="3"/>
             <a:r>
-              <a:rPr lang="en-US" smtClean="0"/>
+              <a:rPr lang="en-US"/>
               <a:t>Fourth level</a:t>
             </a:r>
           </a:p>
           <a:p>
             <a:pPr lvl="4"/>
             <a:r>
-              <a:rPr lang="en-US" smtClean="0"/>
+              <a:rPr lang="en-US"/>
               <a:t>Fifth level</a:t>
             </a:r>
-            <a:endParaRPr lang="en-US"/>
           </a:p>
         </p:txBody>
       </p:sp>
@@ -1293,38 +1470,37 @@
           <a:p>
             <a:pPr lvl="0"/>
             <a:r>
-              <a:rPr lang="en-US" smtClean="0"/>
+              <a:rPr lang="en-US"/>
               <a:t>Click to edit Master text styles</a:t>
             </a:r>
           </a:p>
           <a:p>
             <a:pPr lvl="1"/>
             <a:r>
-              <a:rPr lang="en-US" smtClean="0"/>
+              <a:rPr lang="en-US"/>
               <a:t>Second level</a:t>
             </a:r>
           </a:p>
           <a:p>
             <a:pPr lvl="2"/>
             <a:r>
-              <a:rPr lang="en-US" smtClean="0"/>
+              <a:rPr lang="en-US"/>
               <a:t>Third level</a:t>
             </a:r>
           </a:p>
           <a:p>
             <a:pPr lvl="3"/>
             <a:r>
-              <a:rPr lang="en-US" smtClean="0"/>
+              <a:rPr lang="en-US"/>
               <a:t>Fourth level</a:t>
             </a:r>
           </a:p>
           <a:p>
             <a:pPr lvl="4"/>
             <a:r>
-              <a:rPr lang="en-US" smtClean="0"/>
+              <a:rPr lang="en-US"/>
               <a:t>Fifth level</a:t>
             </a:r>
-            <a:endParaRPr lang="en-US"/>
           </a:p>
         </p:txBody>
       </p:sp>
@@ -1346,7 +1522,7 @@
             <a:fld id="{6C8FEEA4-EA5E-494A-BCE5-F0B89785D4DC}" type="datetimeFigureOut">
               <a:rPr lang="en-US" smtClean="0"/>
               <a:pPr/>
-              <a:t>4/2/2013</a:t>
+              <a:t>12/1/2023</a:t>
             </a:fld>
             <a:endParaRPr lang="en-US"/>
           </a:p>
@@ -1440,10 +1616,9 @@
           </a:lstStyle>
           <a:p>
             <a:r>
-              <a:rPr lang="en-US" smtClean="0"/>
+              <a:rPr lang="en-US"/>
               <a:t>Click to edit Master title style</a:t>
             </a:r>
-            <a:endParaRPr lang="en-US"/>
           </a:p>
         </p:txBody>
       </p:sp>
@@ -1506,7 +1681,7 @@
           <a:p>
             <a:pPr lvl="0"/>
             <a:r>
-              <a:rPr lang="en-US" smtClean="0"/>
+              <a:rPr lang="en-US"/>
               <a:t>Click to edit Master text styles</a:t>
             </a:r>
           </a:p>
@@ -1562,38 +1737,37 @@
           <a:p>
             <a:pPr lvl="0"/>
             <a:r>
-              <a:rPr lang="en-US" smtClean="0"/>
+              <a:rPr lang="en-US"/>
               <a:t>Click to edit Master text styles</a:t>
             </a:r>
           </a:p>
           <a:p>
             <a:pPr lvl="1"/>
             <a:r>
-              <a:rPr lang="en-US" smtClean="0"/>
+              <a:rPr lang="en-US"/>
               <a:t>Second level</a:t>
             </a:r>
           </a:p>
           <a:p>
             <a:pPr lvl="2"/>
             <a:r>
-              <a:rPr lang="en-US" smtClean="0"/>
+              <a:rPr lang="en-US"/>
               <a:t>Third level</a:t>
             </a:r>
           </a:p>
           <a:p>
             <a:pPr lvl="3"/>
             <a:r>
-              <a:rPr lang="en-US" smtClean="0"/>
+              <a:rPr lang="en-US"/>
               <a:t>Fourth level</a:t>
             </a:r>
           </a:p>
           <a:p>
             <a:pPr lvl="4"/>
             <a:r>
-              <a:rPr lang="en-US" smtClean="0"/>
+              <a:rPr lang="en-US"/>
               <a:t>Fifth level</a:t>
             </a:r>
-            <a:endParaRPr lang="en-US"/>
           </a:p>
         </p:txBody>
       </p:sp>
@@ -1656,7 +1830,7 @@
           <a:p>
             <a:pPr lvl="0"/>
             <a:r>
-              <a:rPr lang="en-US" smtClean="0"/>
+              <a:rPr lang="en-US"/>
               <a:t>Click to edit Master text styles</a:t>
             </a:r>
           </a:p>
@@ -1712,38 +1886,37 @@
           <a:p>
             <a:pPr lvl="0"/>
             <a:r>
-              <a:rPr lang="en-US" smtClean="0"/>
+              <a:rPr lang="en-US"/>
               <a:t>Click to edit Master text styles</a:t>
             </a:r>
           </a:p>
           <a:p>
             <a:pPr lvl="1"/>
             <a:r>
-              <a:rPr lang="en-US" smtClean="0"/>
+              <a:rPr lang="en-US"/>
               <a:t>Second level</a:t>
             </a:r>
           </a:p>
           <a:p>
             <a:pPr lvl="2"/>
             <a:r>
-              <a:rPr lang="en-US" smtClean="0"/>
+              <a:rPr lang="en-US"/>
               <a:t>Third level</a:t>
             </a:r>
           </a:p>
           <a:p>
             <a:pPr lvl="3"/>
             <a:r>
-              <a:rPr lang="en-US" smtClean="0"/>
+              <a:rPr lang="en-US"/>
               <a:t>Fourth level</a:t>
             </a:r>
           </a:p>
           <a:p>
             <a:pPr lvl="4"/>
             <a:r>
-              <a:rPr lang="en-US" smtClean="0"/>
+              <a:rPr lang="en-US"/>
               <a:t>Fifth level</a:t>
             </a:r>
-            <a:endParaRPr lang="en-US"/>
           </a:p>
         </p:txBody>
       </p:sp>
@@ -1765,7 +1938,7 @@
             <a:fld id="{6C8FEEA4-EA5E-494A-BCE5-F0B89785D4DC}" type="datetimeFigureOut">
               <a:rPr lang="en-US" smtClean="0"/>
               <a:pPr/>
-              <a:t>4/2/2013</a:t>
+              <a:t>12/1/2023</a:t>
             </a:fld>
             <a:endParaRPr lang="en-US"/>
           </a:p>
@@ -1855,10 +2028,9 @@
           <a:lstStyle/>
           <a:p>
             <a:r>
-              <a:rPr lang="en-US" smtClean="0"/>
+              <a:rPr lang="en-US"/>
               <a:t>Click to edit Master title style</a:t>
             </a:r>
-            <a:endParaRPr lang="en-US"/>
           </a:p>
         </p:txBody>
       </p:sp>
@@ -1880,7 +2052,7 @@
             <a:fld id="{6C8FEEA4-EA5E-494A-BCE5-F0B89785D4DC}" type="datetimeFigureOut">
               <a:rPr lang="en-US" smtClean="0"/>
               <a:pPr/>
-              <a:t>4/2/2013</a:t>
+              <a:t>12/1/2023</a:t>
             </a:fld>
             <a:endParaRPr lang="en-US"/>
           </a:p>
@@ -1972,7 +2144,7 @@
             <a:fld id="{6C8FEEA4-EA5E-494A-BCE5-F0B89785D4DC}" type="datetimeFigureOut">
               <a:rPr lang="en-US" smtClean="0"/>
               <a:pPr/>
-              <a:t>4/2/2013</a:t>
+              <a:t>12/1/2023</a:t>
             </a:fld>
             <a:endParaRPr lang="en-US"/>
           </a:p>
@@ -2071,10 +2243,9 @@
           </a:lstStyle>
           <a:p>
             <a:r>
-              <a:rPr lang="en-US" smtClean="0"/>
+              <a:rPr lang="en-US"/>
               <a:t>Click to edit Master title style</a:t>
             </a:r>
-            <a:endParaRPr lang="en-US"/>
           </a:p>
         </p:txBody>
       </p:sp>
@@ -2128,38 +2299,37 @@
           <a:p>
             <a:pPr lvl="0"/>
             <a:r>
-              <a:rPr lang="en-US" smtClean="0"/>
+              <a:rPr lang="en-US"/>
               <a:t>Click to edit Master text styles</a:t>
             </a:r>
           </a:p>
           <a:p>
             <a:pPr lvl="1"/>
             <a:r>
-              <a:rPr lang="en-US" smtClean="0"/>
+              <a:rPr lang="en-US"/>
               <a:t>Second level</a:t>
             </a:r>
           </a:p>
           <a:p>
             <a:pPr lvl="2"/>
             <a:r>
-              <a:rPr lang="en-US" smtClean="0"/>
+              <a:rPr lang="en-US"/>
               <a:t>Third level</a:t>
             </a:r>
           </a:p>
           <a:p>
             <a:pPr lvl="3"/>
             <a:r>
-              <a:rPr lang="en-US" smtClean="0"/>
+              <a:rPr lang="en-US"/>
               <a:t>Fourth level</a:t>
             </a:r>
           </a:p>
           <a:p>
             <a:pPr lvl="4"/>
             <a:r>
-              <a:rPr lang="en-US" smtClean="0"/>
+              <a:rPr lang="en-US"/>
               <a:t>Fifth level</a:t>
             </a:r>
-            <a:endParaRPr lang="en-US"/>
           </a:p>
         </p:txBody>
       </p:sp>
@@ -2222,7 +2392,7 @@
           <a:p>
             <a:pPr lvl="0"/>
             <a:r>
-              <a:rPr lang="en-US" smtClean="0"/>
+              <a:rPr lang="en-US"/>
               <a:t>Click to edit Master text styles</a:t>
             </a:r>
           </a:p>
@@ -2246,7 +2416,7 @@
             <a:fld id="{6C8FEEA4-EA5E-494A-BCE5-F0B89785D4DC}" type="datetimeFigureOut">
               <a:rPr lang="en-US" smtClean="0"/>
               <a:pPr/>
-              <a:t>4/2/2013</a:t>
+              <a:t>12/1/2023</a:t>
             </a:fld>
             <a:endParaRPr lang="en-US"/>
           </a:p>
@@ -2345,10 +2515,9 @@
           </a:lstStyle>
           <a:p>
             <a:r>
-              <a:rPr lang="en-US" smtClean="0"/>
+              <a:rPr lang="en-US"/>
               <a:t>Click to edit Master title style</a:t>
             </a:r>
-            <a:endParaRPr lang="en-US"/>
           </a:p>
         </p:txBody>
       </p:sp>
@@ -2472,7 +2641,7 @@
           <a:p>
             <a:pPr lvl="0"/>
             <a:r>
-              <a:rPr lang="en-US" smtClean="0"/>
+              <a:rPr lang="en-US"/>
               <a:t>Click to edit Master text styles</a:t>
             </a:r>
           </a:p>
@@ -2496,7 +2665,7 @@
             <a:fld id="{6C8FEEA4-EA5E-494A-BCE5-F0B89785D4DC}" type="datetimeFigureOut">
               <a:rPr lang="en-US" smtClean="0"/>
               <a:pPr/>
-              <a:t>4/2/2013</a:t>
+              <a:t>12/1/2023</a:t>
             </a:fld>
             <a:endParaRPr lang="en-US"/>
           </a:p>
@@ -2601,10 +2770,9 @@
           <a:lstStyle/>
           <a:p>
             <a:r>
-              <a:rPr lang="en-US" smtClean="0"/>
+              <a:rPr lang="en-US"/>
               <a:t>Click to edit Master title style</a:t>
             </a:r>
-            <a:endParaRPr lang="en-US"/>
           </a:p>
         </p:txBody>
       </p:sp>
@@ -2635,38 +2803,37 @@
           <a:p>
             <a:pPr lvl="0"/>
             <a:r>
-              <a:rPr lang="en-US" smtClean="0"/>
+              <a:rPr lang="en-US"/>
               <a:t>Click to edit Master text styles</a:t>
             </a:r>
           </a:p>
           <a:p>
             <a:pPr lvl="1"/>
             <a:r>
-              <a:rPr lang="en-US" smtClean="0"/>
+              <a:rPr lang="en-US"/>
               <a:t>Second level</a:t>
             </a:r>
           </a:p>
           <a:p>
             <a:pPr lvl="2"/>
             <a:r>
-              <a:rPr lang="en-US" smtClean="0"/>
+              <a:rPr lang="en-US"/>
               <a:t>Third level</a:t>
             </a:r>
           </a:p>
           <a:p>
             <a:pPr lvl="3"/>
             <a:r>
-              <a:rPr lang="en-US" smtClean="0"/>
+              <a:rPr lang="en-US"/>
               <a:t>Fourth level</a:t>
             </a:r>
           </a:p>
           <a:p>
             <a:pPr lvl="4"/>
             <a:r>
-              <a:rPr lang="en-US" smtClean="0"/>
+              <a:rPr lang="en-US"/>
               <a:t>Fifth level</a:t>
             </a:r>
-            <a:endParaRPr lang="en-US"/>
           </a:p>
         </p:txBody>
       </p:sp>
@@ -2706,7 +2873,7 @@
             <a:fld id="{6C8FEEA4-EA5E-494A-BCE5-F0B89785D4DC}" type="datetimeFigureOut">
               <a:rPr lang="en-US" smtClean="0"/>
               <a:pPr/>
-              <a:t>4/2/2013</a:t>
+              <a:t>12/1/2023</a:t>
             </a:fld>
             <a:endParaRPr lang="en-US"/>
           </a:p>
@@ -3142,7 +3309,7 @@
       </p:grpSpPr>
       <p:sp>
         <p:nvSpPr>
-          <p:cNvPr id="22" name="Date Placeholder 3"/>
+          <p:cNvPr id="16" name="Date Placeholder 3"/>
           <p:cNvSpPr>
             <a:spLocks noGrp="1"/>
           </p:cNvSpPr>
@@ -3164,7 +3331,7 @@
       </p:sp>
       <p:sp>
         <p:nvSpPr>
-          <p:cNvPr id="23" name="Footer Placeholder 4"/>
+          <p:cNvPr id="17" name="Footer Placeholder 4"/>
           <p:cNvSpPr>
             <a:spLocks noGrp="1"/>
           </p:cNvSpPr>
@@ -3186,7 +3353,7 @@
       </p:sp>
       <p:sp>
         <p:nvSpPr>
-          <p:cNvPr id="112642" name="Rectangle 2"/>
+          <p:cNvPr id="114690" name="Rectangle 2"/>
           <p:cNvSpPr>
             <a:spLocks noGrp="1" noChangeArrowheads="1"/>
           </p:cNvSpPr>
@@ -3208,7 +3375,7 @@
       </p:sp>
       <p:sp>
         <p:nvSpPr>
-          <p:cNvPr id="112644" name="Rectangle 4"/>
+          <p:cNvPr id="114692" name="Rectangle 4"/>
           <p:cNvSpPr>
             <a:spLocks noChangeArrowheads="1"/>
           </p:cNvSpPr>
@@ -3243,7 +3410,7 @@
       </p:sp>
       <p:sp>
         <p:nvSpPr>
-          <p:cNvPr id="112645" name="Rectangle 5"/>
+          <p:cNvPr id="114693" name="Rectangle 5"/>
           <p:cNvSpPr>
             <a:spLocks noChangeArrowheads="1"/>
           </p:cNvSpPr>
@@ -3278,7 +3445,7 @@
       </p:sp>
       <p:sp>
         <p:nvSpPr>
-          <p:cNvPr id="112646" name="Rectangle 6"/>
+          <p:cNvPr id="114694" name="Rectangle 6"/>
           <p:cNvSpPr>
             <a:spLocks noChangeArrowheads="1"/>
           </p:cNvSpPr>
@@ -3313,7 +3480,7 @@
       </p:sp>
       <p:sp>
         <p:nvSpPr>
-          <p:cNvPr id="112647" name="Rectangle 7"/>
+          <p:cNvPr id="114695" name="Rectangle 7"/>
           <p:cNvSpPr>
             <a:spLocks noChangeArrowheads="1"/>
           </p:cNvSpPr>
@@ -3348,7 +3515,7 @@
       </p:sp>
       <p:sp>
         <p:nvSpPr>
-          <p:cNvPr id="112648" name="Oval 8"/>
+          <p:cNvPr id="114696" name="Oval 8"/>
           <p:cNvSpPr>
             <a:spLocks noChangeArrowheads="1"/>
           </p:cNvSpPr>
@@ -3383,7 +3550,7 @@
       </p:sp>
       <p:sp>
         <p:nvSpPr>
-          <p:cNvPr id="112649" name="Text Box 9"/>
+          <p:cNvPr id="114697" name="Text Box 9"/>
           <p:cNvSpPr txBox="1">
             <a:spLocks noChangeArrowheads="1"/>
           </p:cNvSpPr>
@@ -3425,7 +3592,7 @@
       </p:sp>
       <p:sp>
         <p:nvSpPr>
-          <p:cNvPr id="112650" name="Oval 10"/>
+          <p:cNvPr id="114698" name="Oval 10"/>
           <p:cNvSpPr>
             <a:spLocks noChangeArrowheads="1"/>
           </p:cNvSpPr>
@@ -3460,7 +3627,7 @@
       </p:sp>
       <p:sp>
         <p:nvSpPr>
-          <p:cNvPr id="112651" name="Text Box 11"/>
+          <p:cNvPr id="114699" name="Text Box 11"/>
           <p:cNvSpPr txBox="1">
             <a:spLocks noChangeArrowheads="1"/>
           </p:cNvSpPr>
@@ -3502,7 +3669,7 @@
       </p:sp>
       <p:sp>
         <p:nvSpPr>
-          <p:cNvPr id="112652" name="Text Box 12"/>
+          <p:cNvPr id="114700" name="Text Box 12"/>
           <p:cNvSpPr txBox="1">
             <a:spLocks noChangeArrowheads="1"/>
           </p:cNvSpPr>
@@ -3510,7 +3677,7 @@
         </p:nvSpPr>
         <p:spPr bwMode="auto">
           <a:xfrm>
-            <a:off x="3705225" y="4557713"/>
+            <a:off x="3387725" y="4532313"/>
             <a:ext cx="252413" cy="336550"/>
           </a:xfrm>
           <a:prstGeom prst="rect">
@@ -3542,7 +3709,7 @@
       </p:sp>
       <p:sp>
         <p:nvSpPr>
-          <p:cNvPr id="112653" name="Line 13"/>
+          <p:cNvPr id="114701" name="Line 13"/>
           <p:cNvSpPr>
             <a:spLocks noChangeShapeType="1"/>
           </p:cNvSpPr>
@@ -3550,7 +3717,7 @@
         </p:nvSpPr>
         <p:spPr bwMode="auto">
           <a:xfrm>
-            <a:off x="3657600" y="4495800"/>
+            <a:off x="3289300" y="4495800"/>
             <a:ext cx="393700" cy="0"/>
           </a:xfrm>
           <a:prstGeom prst="line">
@@ -3577,302 +3744,15 @@
       </p:sp>
       <p:sp>
         <p:nvSpPr>
-          <p:cNvPr id="112654" name="Line 14"/>
-          <p:cNvSpPr>
-            <a:spLocks noChangeShapeType="1"/>
-          </p:cNvSpPr>
-          <p:nvPr/>
-        </p:nvSpPr>
-        <p:spPr bwMode="auto">
-          <a:xfrm>
-            <a:off x="4419600" y="3810000"/>
-            <a:ext cx="749300" cy="0"/>
-          </a:xfrm>
-          <a:prstGeom prst="line">
-            <a:avLst/>
-          </a:prstGeom>
-          <a:noFill/>
-          <a:ln w="9525">
-            <a:solidFill>
-              <a:srgbClr val="FF0000"/>
-            </a:solidFill>
-            <a:miter lim="800000"/>
-            <a:headEnd/>
-            <a:tailEnd type="triangle" w="med" len="med"/>
-          </a:ln>
-          <a:effectLst/>
-        </p:spPr>
-        <p:txBody>
-          <a:bodyPr wrap="none"/>
-          <a:lstStyle/>
-          <a:p>
-            <a:endParaRPr lang="en-US"/>
-          </a:p>
-        </p:txBody>
-      </p:sp>
-      <p:sp>
-        <p:nvSpPr>
-          <p:cNvPr id="112655" name="Line 15"/>
-          <p:cNvSpPr>
-            <a:spLocks noChangeShapeType="1"/>
-          </p:cNvSpPr>
-          <p:nvPr/>
-        </p:nvSpPr>
-        <p:spPr bwMode="auto">
-          <a:xfrm>
-            <a:off x="4419600" y="3962400"/>
-            <a:ext cx="749300" cy="0"/>
-          </a:xfrm>
-          <a:prstGeom prst="line">
-            <a:avLst/>
-          </a:prstGeom>
-          <a:noFill/>
-          <a:ln w="9525">
-            <a:solidFill>
-              <a:srgbClr val="FF0000"/>
-            </a:solidFill>
-            <a:miter lim="800000"/>
-            <a:headEnd/>
-            <a:tailEnd type="triangle" w="med" len="med"/>
-          </a:ln>
-          <a:effectLst/>
-        </p:spPr>
-        <p:txBody>
-          <a:bodyPr wrap="none"/>
-          <a:lstStyle/>
-          <a:p>
-            <a:endParaRPr lang="en-US"/>
-          </a:p>
-        </p:txBody>
-      </p:sp>
-      <p:sp>
-        <p:nvSpPr>
-          <p:cNvPr id="112656" name="Line 16"/>
-          <p:cNvSpPr>
-            <a:spLocks noChangeShapeType="1"/>
-          </p:cNvSpPr>
-          <p:nvPr/>
-        </p:nvSpPr>
-        <p:spPr bwMode="auto">
-          <a:xfrm>
-            <a:off x="4419600" y="4114800"/>
-            <a:ext cx="749300" cy="0"/>
-          </a:xfrm>
-          <a:prstGeom prst="line">
-            <a:avLst/>
-          </a:prstGeom>
-          <a:noFill/>
-          <a:ln w="9525">
-            <a:solidFill>
-              <a:srgbClr val="FF0000"/>
-            </a:solidFill>
-            <a:miter lim="800000"/>
-            <a:headEnd/>
-            <a:tailEnd type="triangle" w="med" len="med"/>
-          </a:ln>
-          <a:effectLst/>
-        </p:spPr>
-        <p:txBody>
-          <a:bodyPr wrap="none"/>
-          <a:lstStyle/>
-          <a:p>
-            <a:endParaRPr lang="en-US"/>
-          </a:p>
-        </p:txBody>
-      </p:sp>
-      <p:sp>
-        <p:nvSpPr>
-          <p:cNvPr id="112657" name="Line 17"/>
-          <p:cNvSpPr>
-            <a:spLocks noChangeShapeType="1"/>
-          </p:cNvSpPr>
-          <p:nvPr/>
-        </p:nvSpPr>
-        <p:spPr bwMode="auto">
-          <a:xfrm>
-            <a:off x="4419600" y="4267200"/>
-            <a:ext cx="749300" cy="0"/>
-          </a:xfrm>
-          <a:prstGeom prst="line">
-            <a:avLst/>
-          </a:prstGeom>
-          <a:noFill/>
-          <a:ln w="9525">
-            <a:solidFill>
-              <a:srgbClr val="FF0000"/>
-            </a:solidFill>
-            <a:miter lim="800000"/>
-            <a:headEnd/>
-            <a:tailEnd type="triangle" w="med" len="med"/>
-          </a:ln>
-          <a:effectLst/>
-        </p:spPr>
-        <p:txBody>
-          <a:bodyPr wrap="none"/>
-          <a:lstStyle/>
-          <a:p>
-            <a:endParaRPr lang="en-US"/>
-          </a:p>
-        </p:txBody>
-      </p:sp>
-      <p:sp>
-        <p:nvSpPr>
-          <p:cNvPr id="112658" name="Line 18"/>
-          <p:cNvSpPr>
-            <a:spLocks noChangeShapeType="1"/>
-          </p:cNvSpPr>
-          <p:nvPr/>
-        </p:nvSpPr>
-        <p:spPr bwMode="auto">
-          <a:xfrm>
-            <a:off x="4419600" y="4419600"/>
-            <a:ext cx="749300" cy="0"/>
-          </a:xfrm>
-          <a:prstGeom prst="line">
-            <a:avLst/>
-          </a:prstGeom>
-          <a:noFill/>
-          <a:ln w="9525">
-            <a:solidFill>
-              <a:srgbClr val="FF0000"/>
-            </a:solidFill>
-            <a:miter lim="800000"/>
-            <a:headEnd/>
-            <a:tailEnd type="triangle" w="med" len="med"/>
-          </a:ln>
-          <a:effectLst/>
-        </p:spPr>
-        <p:txBody>
-          <a:bodyPr wrap="none"/>
-          <a:lstStyle/>
-          <a:p>
-            <a:endParaRPr lang="en-US"/>
-          </a:p>
-        </p:txBody>
-      </p:sp>
-      <p:sp>
-        <p:nvSpPr>
-          <p:cNvPr id="112659" name="Line 19"/>
-          <p:cNvSpPr>
-            <a:spLocks noChangeShapeType="1"/>
-          </p:cNvSpPr>
-          <p:nvPr/>
-        </p:nvSpPr>
-        <p:spPr bwMode="auto">
-          <a:xfrm>
-            <a:off x="4419600" y="4572000"/>
-            <a:ext cx="749300" cy="0"/>
-          </a:xfrm>
-          <a:prstGeom prst="line">
-            <a:avLst/>
-          </a:prstGeom>
-          <a:noFill/>
-          <a:ln w="9525">
-            <a:solidFill>
-              <a:srgbClr val="FF0000"/>
-            </a:solidFill>
-            <a:miter lim="800000"/>
-            <a:headEnd/>
-            <a:tailEnd type="triangle" w="med" len="med"/>
-          </a:ln>
-          <a:effectLst/>
-        </p:spPr>
-        <p:txBody>
-          <a:bodyPr wrap="none"/>
-          <a:lstStyle/>
-          <a:p>
-            <a:endParaRPr lang="en-US"/>
-          </a:p>
-        </p:txBody>
-      </p:sp>
-      <p:sp>
-        <p:nvSpPr>
-          <p:cNvPr id="112660" name="Line 20"/>
-          <p:cNvSpPr>
-            <a:spLocks noChangeShapeType="1"/>
-          </p:cNvSpPr>
-          <p:nvPr/>
-        </p:nvSpPr>
-        <p:spPr bwMode="auto">
-          <a:xfrm>
-            <a:off x="4419600" y="4724400"/>
-            <a:ext cx="749300" cy="0"/>
-          </a:xfrm>
-          <a:prstGeom prst="line">
-            <a:avLst/>
-          </a:prstGeom>
-          <a:noFill/>
-          <a:ln w="9525">
-            <a:solidFill>
-              <a:srgbClr val="FF0000"/>
-            </a:solidFill>
-            <a:miter lim="800000"/>
-            <a:headEnd/>
-            <a:tailEnd type="triangle" w="med" len="med"/>
-          </a:ln>
-          <a:effectLst/>
-        </p:spPr>
-        <p:txBody>
-          <a:bodyPr wrap="none"/>
-          <a:lstStyle/>
-          <a:p>
-            <a:endParaRPr lang="en-US"/>
-          </a:p>
-        </p:txBody>
-      </p:sp>
-      <p:sp>
-        <p:nvSpPr>
-          <p:cNvPr id="112661" name="Text Box 21"/>
-          <p:cNvSpPr txBox="1">
+          <p:cNvPr id="114702" name="Oval 14"/>
+          <p:cNvSpPr>
             <a:spLocks noChangeArrowheads="1"/>
           </p:cNvSpPr>
           <p:nvPr/>
         </p:nvSpPr>
         <p:spPr bwMode="auto">
           <a:xfrm>
-            <a:off x="4886325" y="4962525"/>
-            <a:ext cx="319088" cy="336550"/>
-          </a:xfrm>
-          <a:prstGeom prst="rect">
-            <a:avLst/>
-          </a:prstGeom>
-          <a:noFill/>
-          <a:ln w="9525">
-            <a:noFill/>
-            <a:miter lim="800000"/>
-            <a:headEnd/>
-            <a:tailEnd/>
-          </a:ln>
-          <a:effectLst/>
-        </p:spPr>
-        <p:txBody>
-          <a:bodyPr wrap="none">
-            <a:spAutoFit/>
-          </a:bodyPr>
-          <a:lstStyle/>
-          <a:p>
-            <a:r>
-              <a:rPr lang="en-US">
-                <a:solidFill>
-                  <a:srgbClr val="FF0000"/>
-                </a:solidFill>
-              </a:rPr>
-              <a:t>E</a:t>
-            </a:r>
-          </a:p>
-        </p:txBody>
-      </p:sp>
-      <p:sp>
-        <p:nvSpPr>
-          <p:cNvPr id="112662" name="Oval 22"/>
-          <p:cNvSpPr>
-            <a:spLocks noChangeArrowheads="1"/>
-          </p:cNvSpPr>
-          <p:nvPr/>
-        </p:nvSpPr>
-        <p:spPr bwMode="auto">
-          <a:xfrm>
-            <a:off x="4622800" y="3225800"/>
+            <a:off x="4648200" y="3238500"/>
             <a:ext cx="203200" cy="2184400"/>
           </a:xfrm>
           <a:prstGeom prst="ellipse">
@@ -3892,6 +3772,140 @@
         </p:spPr>
         <p:txBody>
           <a:bodyPr wrap="none" anchor="ctr"/>
+          <a:lstStyle/>
+          <a:p>
+            <a:endParaRPr lang="en-US"/>
+          </a:p>
+        </p:txBody>
+      </p:sp>
+      <p:sp>
+        <p:nvSpPr>
+          <p:cNvPr id="114703" name="Freeform 15"/>
+          <p:cNvSpPr>
+            <a:spLocks/>
+          </p:cNvSpPr>
+          <p:nvPr/>
+        </p:nvSpPr>
+        <p:spPr bwMode="auto">
+          <a:xfrm>
+            <a:off x="3937000" y="4400550"/>
+            <a:ext cx="303213" cy="209550"/>
+          </a:xfrm>
+          <a:custGeom>
+            <a:avLst/>
+            <a:gdLst/>
+            <a:ahLst/>
+            <a:cxnLst>
+              <a:cxn ang="0">
+                <a:pos x="0" y="12"/>
+              </a:cxn>
+              <a:cxn ang="0">
+                <a:pos x="160" y="20"/>
+              </a:cxn>
+              <a:cxn ang="0">
+                <a:pos x="184" y="132"/>
+              </a:cxn>
+            </a:cxnLst>
+            <a:rect l="0" t="0" r="r" b="b"/>
+            <a:pathLst>
+              <a:path w="191" h="132">
+                <a:moveTo>
+                  <a:pt x="0" y="12"/>
+                </a:moveTo>
+                <a:cubicBezTo>
+                  <a:pt x="64" y="6"/>
+                  <a:pt x="129" y="0"/>
+                  <a:pt x="160" y="20"/>
+                </a:cubicBezTo>
+                <a:cubicBezTo>
+                  <a:pt x="191" y="40"/>
+                  <a:pt x="175" y="112"/>
+                  <a:pt x="184" y="132"/>
+                </a:cubicBezTo>
+              </a:path>
+            </a:pathLst>
+          </a:custGeom>
+          <a:noFill/>
+          <a:ln w="9525" cap="flat" cmpd="sng">
+            <a:solidFill>
+              <a:schemeClr val="tx1"/>
+            </a:solidFill>
+            <a:prstDash val="solid"/>
+            <a:miter lim="800000"/>
+            <a:headEnd type="none" w="med" len="med"/>
+            <a:tailEnd type="triangle" w="med" len="med"/>
+          </a:ln>
+          <a:effectLst/>
+        </p:spPr>
+        <p:txBody>
+          <a:bodyPr wrap="none"/>
+          <a:lstStyle/>
+          <a:p>
+            <a:endParaRPr lang="en-US"/>
+          </a:p>
+        </p:txBody>
+      </p:sp>
+      <p:sp>
+        <p:nvSpPr>
+          <p:cNvPr id="114704" name="Freeform 16"/>
+          <p:cNvSpPr>
+            <a:spLocks/>
+          </p:cNvSpPr>
+          <p:nvPr/>
+        </p:nvSpPr>
+        <p:spPr bwMode="auto">
+          <a:xfrm flipV="1">
+            <a:off x="3949700" y="3930650"/>
+            <a:ext cx="303213" cy="209550"/>
+          </a:xfrm>
+          <a:custGeom>
+            <a:avLst/>
+            <a:gdLst/>
+            <a:ahLst/>
+            <a:cxnLst>
+              <a:cxn ang="0">
+                <a:pos x="0" y="12"/>
+              </a:cxn>
+              <a:cxn ang="0">
+                <a:pos x="160" y="20"/>
+              </a:cxn>
+              <a:cxn ang="0">
+                <a:pos x="184" y="132"/>
+              </a:cxn>
+            </a:cxnLst>
+            <a:rect l="0" t="0" r="r" b="b"/>
+            <a:pathLst>
+              <a:path w="191" h="132">
+                <a:moveTo>
+                  <a:pt x="0" y="12"/>
+                </a:moveTo>
+                <a:cubicBezTo>
+                  <a:pt x="64" y="6"/>
+                  <a:pt x="129" y="0"/>
+                  <a:pt x="160" y="20"/>
+                </a:cubicBezTo>
+                <a:cubicBezTo>
+                  <a:pt x="191" y="40"/>
+                  <a:pt x="175" y="112"/>
+                  <a:pt x="184" y="132"/>
+                </a:cubicBezTo>
+              </a:path>
+            </a:pathLst>
+          </a:custGeom>
+          <a:noFill/>
+          <a:ln w="9525" cap="flat" cmpd="sng">
+            <a:solidFill>
+              <a:schemeClr val="tx1"/>
+            </a:solidFill>
+            <a:prstDash val="solid"/>
+            <a:miter lim="800000"/>
+            <a:headEnd type="none" w="med" len="med"/>
+            <a:tailEnd type="triangle" w="med" len="med"/>
+          </a:ln>
+          <a:effectLst/>
+        </p:spPr>
+        <p:txBody>
+          <a:bodyPr wrap="none"/>
           <a:lstStyle/>
           <a:p>
             <a:endParaRPr lang="en-US"/>
@@ -3907,6 +3921,3133 @@
 </file>
 
 <file path=ppt/slides/slide11.xml><?xml version="1.0" encoding="utf-8"?>
+<p:sld xmlns:a="http://schemas.openxmlformats.org/drawingml/2006/main" xmlns:r="http://schemas.openxmlformats.org/officeDocument/2006/relationships" xmlns:p="http://schemas.openxmlformats.org/presentationml/2006/main">
+  <p:cSld>
+    <p:spTree>
+      <p:nvGrpSpPr>
+        <p:cNvPr id="1" name=""/>
+        <p:cNvGrpSpPr/>
+        <p:nvPr/>
+      </p:nvGrpSpPr>
+      <p:grpSpPr>
+        <a:xfrm>
+          <a:off x="0" y="0"/>
+          <a:ext cx="0" cy="0"/>
+          <a:chOff x="0" y="0"/>
+          <a:chExt cx="0" cy="0"/>
+        </a:xfrm>
+      </p:grpSpPr>
+      <p:sp>
+        <p:nvSpPr>
+          <p:cNvPr id="24" name="Date Placeholder 3"/>
+          <p:cNvSpPr>
+            <a:spLocks noGrp="1"/>
+          </p:cNvSpPr>
+          <p:nvPr>
+            <p:ph type="dt" sz="half" idx="10"/>
+          </p:nvPr>
+        </p:nvSpPr>
+        <p:spPr/>
+        <p:txBody>
+          <a:bodyPr/>
+          <a:lstStyle/>
+          <a:p>
+            <a:r>
+              <a:rPr lang="en-US"/>
+              <a:t>Winter 2008</a:t>
+            </a:r>
+          </a:p>
+        </p:txBody>
+      </p:sp>
+      <p:sp>
+        <p:nvSpPr>
+          <p:cNvPr id="25" name="Footer Placeholder 4"/>
+          <p:cNvSpPr>
+            <a:spLocks noGrp="1"/>
+          </p:cNvSpPr>
+          <p:nvPr>
+            <p:ph type="ftr" sz="quarter" idx="11"/>
+          </p:nvPr>
+        </p:nvSpPr>
+        <p:spPr/>
+        <p:txBody>
+          <a:bodyPr/>
+          <a:lstStyle/>
+          <a:p>
+            <a:r>
+              <a:rPr lang="en-US"/>
+              <a:t>R. Todd Lines</a:t>
+            </a:r>
+          </a:p>
+        </p:txBody>
+      </p:sp>
+      <p:sp>
+        <p:nvSpPr>
+          <p:cNvPr id="115714" name="Rectangle 2"/>
+          <p:cNvSpPr>
+            <a:spLocks noGrp="1" noChangeArrowheads="1"/>
+          </p:cNvSpPr>
+          <p:nvPr>
+            <p:ph type="title"/>
+          </p:nvPr>
+        </p:nvSpPr>
+        <p:spPr/>
+        <p:txBody>
+          <a:bodyPr/>
+          <a:lstStyle/>
+          <a:p>
+            <a:r>
+              <a:rPr lang="en-US"/>
+              <a:t>Displacement Current</a:t>
+            </a:r>
+          </a:p>
+        </p:txBody>
+      </p:sp>
+      <p:grpSp>
+        <p:nvGrpSpPr>
+          <p:cNvPr id="2" name="Group 26"/>
+          <p:cNvGrpSpPr>
+            <a:grpSpLocks/>
+          </p:cNvGrpSpPr>
+          <p:nvPr/>
+        </p:nvGrpSpPr>
+        <p:grpSpPr bwMode="auto">
+          <a:xfrm>
+            <a:off x="2168525" y="2790825"/>
+            <a:ext cx="4391025" cy="2632075"/>
+            <a:chOff x="1366" y="1758"/>
+            <a:chExt cx="2766" cy="1658"/>
+          </a:xfrm>
+        </p:grpSpPr>
+        <p:sp>
+          <p:nvSpPr>
+            <p:cNvPr id="115729" name="Arc 17"/>
+            <p:cNvSpPr>
+              <a:spLocks/>
+            </p:cNvSpPr>
+            <p:nvPr/>
+          </p:nvSpPr>
+          <p:spPr bwMode="auto">
+            <a:xfrm>
+              <a:off x="2048" y="2032"/>
+              <a:ext cx="1024" cy="1376"/>
+            </a:xfrm>
+            <a:custGeom>
+              <a:avLst/>
+              <a:gdLst>
+                <a:gd name="G0" fmla="+- 0 0 0"/>
+                <a:gd name="G1" fmla="+- 21600 0 0"/>
+                <a:gd name="G2" fmla="+- 21600 0 0"/>
+                <a:gd name="T0" fmla="*/ 0 w 21600"/>
+                <a:gd name="T1" fmla="*/ 0 h 43200"/>
+                <a:gd name="T2" fmla="*/ 0 w 21600"/>
+                <a:gd name="T3" fmla="*/ 43200 h 43200"/>
+                <a:gd name="T4" fmla="*/ 0 w 21600"/>
+                <a:gd name="T5" fmla="*/ 21600 h 43200"/>
+              </a:gdLst>
+              <a:ahLst/>
+              <a:cxnLst>
+                <a:cxn ang="0">
+                  <a:pos x="T0" y="T1"/>
+                </a:cxn>
+                <a:cxn ang="0">
+                  <a:pos x="T2" y="T3"/>
+                </a:cxn>
+                <a:cxn ang="0">
+                  <a:pos x="T4" y="T5"/>
+                </a:cxn>
+              </a:cxnLst>
+              <a:rect l="0" t="0" r="r" b="b"/>
+              <a:pathLst>
+                <a:path w="21600" h="43200" fill="none" extrusionOk="0">
+                  <a:moveTo>
+                    <a:pt x="-1" y="0"/>
+                  </a:moveTo>
+                  <a:cubicBezTo>
+                    <a:pt x="11929" y="0"/>
+                    <a:pt x="21600" y="9670"/>
+                    <a:pt x="21600" y="21600"/>
+                  </a:cubicBezTo>
+                  <a:cubicBezTo>
+                    <a:pt x="21600" y="33529"/>
+                    <a:pt x="11929" y="43199"/>
+                    <a:pt x="0" y="43200"/>
+                  </a:cubicBezTo>
+                </a:path>
+                <a:path w="21600" h="43200" stroke="0" extrusionOk="0">
+                  <a:moveTo>
+                    <a:pt x="-1" y="0"/>
+                  </a:moveTo>
+                  <a:cubicBezTo>
+                    <a:pt x="11929" y="0"/>
+                    <a:pt x="21600" y="9670"/>
+                    <a:pt x="21600" y="21600"/>
+                  </a:cubicBezTo>
+                  <a:cubicBezTo>
+                    <a:pt x="21600" y="33529"/>
+                    <a:pt x="11929" y="43199"/>
+                    <a:pt x="0" y="43200"/>
+                  </a:cubicBezTo>
+                  <a:lnTo>
+                    <a:pt x="0" y="21600"/>
+                  </a:lnTo>
+                  <a:close/>
+                </a:path>
+              </a:pathLst>
+            </a:custGeom>
+            <a:solidFill>
+              <a:srgbClr val="FFFF99"/>
+            </a:solidFill>
+            <a:ln w="9525">
+              <a:solidFill>
+                <a:schemeClr val="tx1"/>
+              </a:solidFill>
+              <a:miter lim="800000"/>
+              <a:headEnd/>
+              <a:tailEnd/>
+            </a:ln>
+            <a:effectLst/>
+          </p:spPr>
+          <p:txBody>
+            <a:bodyPr wrap="none" anchor="ctr"/>
+            <a:lstStyle/>
+            <a:p>
+              <a:endParaRPr lang="en-US"/>
+            </a:p>
+          </p:txBody>
+        </p:sp>
+        <p:sp>
+          <p:nvSpPr>
+            <p:cNvPr id="115716" name="Rectangle 4"/>
+            <p:cNvSpPr>
+              <a:spLocks noChangeArrowheads="1"/>
+            </p:cNvSpPr>
+            <p:nvPr/>
+          </p:nvSpPr>
+          <p:spPr bwMode="auto">
+            <a:xfrm>
+              <a:off x="2728" y="2308"/>
+              <a:ext cx="56" cy="752"/>
+            </a:xfrm>
+            <a:prstGeom prst="rect">
+              <a:avLst/>
+            </a:prstGeom>
+            <a:solidFill>
+              <a:schemeClr val="tx1"/>
+            </a:solidFill>
+            <a:ln w="9525">
+              <a:noFill/>
+              <a:miter lim="800000"/>
+              <a:headEnd/>
+              <a:tailEnd/>
+            </a:ln>
+            <a:effectLst/>
+          </p:spPr>
+          <p:txBody>
+            <a:bodyPr wrap="none" anchor="ctr"/>
+            <a:lstStyle/>
+            <a:p>
+              <a:endParaRPr lang="en-US"/>
+            </a:p>
+          </p:txBody>
+        </p:sp>
+        <p:sp>
+          <p:nvSpPr>
+            <p:cNvPr id="115717" name="Rectangle 5"/>
+            <p:cNvSpPr>
+              <a:spLocks noChangeArrowheads="1"/>
+            </p:cNvSpPr>
+            <p:nvPr/>
+          </p:nvSpPr>
+          <p:spPr bwMode="auto">
+            <a:xfrm>
+              <a:off x="3272" y="2308"/>
+              <a:ext cx="56" cy="752"/>
+            </a:xfrm>
+            <a:prstGeom prst="rect">
+              <a:avLst/>
+            </a:prstGeom>
+            <a:solidFill>
+              <a:schemeClr val="tx1"/>
+            </a:solidFill>
+            <a:ln w="9525">
+              <a:noFill/>
+              <a:miter lim="800000"/>
+              <a:headEnd/>
+              <a:tailEnd/>
+            </a:ln>
+            <a:effectLst/>
+          </p:spPr>
+          <p:txBody>
+            <a:bodyPr wrap="none" anchor="ctr"/>
+            <a:lstStyle/>
+            <a:p>
+              <a:endParaRPr lang="en-US"/>
+            </a:p>
+          </p:txBody>
+        </p:sp>
+        <p:sp>
+          <p:nvSpPr>
+            <p:cNvPr id="115718" name="Rectangle 6"/>
+            <p:cNvSpPr>
+              <a:spLocks noChangeArrowheads="1"/>
+            </p:cNvSpPr>
+            <p:nvPr/>
+          </p:nvSpPr>
+          <p:spPr bwMode="auto">
+            <a:xfrm rot="-5400000">
+              <a:off x="3696" y="2276"/>
+              <a:ext cx="56" cy="816"/>
+            </a:xfrm>
+            <a:prstGeom prst="rect">
+              <a:avLst/>
+            </a:prstGeom>
+            <a:solidFill>
+              <a:schemeClr val="tx1"/>
+            </a:solidFill>
+            <a:ln w="9525">
+              <a:noFill/>
+              <a:miter lim="800000"/>
+              <a:headEnd/>
+              <a:tailEnd/>
+            </a:ln>
+            <a:effectLst/>
+          </p:spPr>
+          <p:txBody>
+            <a:bodyPr wrap="none" anchor="ctr"/>
+            <a:lstStyle/>
+            <a:p>
+              <a:endParaRPr lang="en-US"/>
+            </a:p>
+          </p:txBody>
+        </p:sp>
+        <p:sp>
+          <p:nvSpPr>
+            <p:cNvPr id="115719" name="Rectangle 7"/>
+            <p:cNvSpPr>
+              <a:spLocks noChangeArrowheads="1"/>
+            </p:cNvSpPr>
+            <p:nvPr/>
+          </p:nvSpPr>
+          <p:spPr bwMode="auto">
+            <a:xfrm rot="-5400000">
+              <a:off x="2260" y="2224"/>
+              <a:ext cx="56" cy="920"/>
+            </a:xfrm>
+            <a:prstGeom prst="rect">
+              <a:avLst/>
+            </a:prstGeom>
+            <a:solidFill>
+              <a:schemeClr val="tx1"/>
+            </a:solidFill>
+            <a:ln w="9525">
+              <a:noFill/>
+              <a:miter lim="800000"/>
+              <a:headEnd/>
+              <a:tailEnd/>
+            </a:ln>
+            <a:effectLst/>
+          </p:spPr>
+          <p:txBody>
+            <a:bodyPr wrap="none" anchor="ctr"/>
+            <a:lstStyle/>
+            <a:p>
+              <a:endParaRPr lang="en-US"/>
+            </a:p>
+          </p:txBody>
+        </p:sp>
+        <p:sp>
+          <p:nvSpPr>
+            <p:cNvPr id="115720" name="Oval 8"/>
+            <p:cNvSpPr>
+              <a:spLocks noChangeArrowheads="1"/>
+            </p:cNvSpPr>
+            <p:nvPr/>
+          </p:nvSpPr>
+          <p:spPr bwMode="auto">
+            <a:xfrm>
+              <a:off x="2008" y="2020"/>
+              <a:ext cx="56" cy="56"/>
+            </a:xfrm>
+            <a:prstGeom prst="ellipse">
+              <a:avLst/>
+            </a:prstGeom>
+            <a:solidFill>
+              <a:schemeClr val="tx1"/>
+            </a:solidFill>
+            <a:ln w="9525">
+              <a:noFill/>
+              <a:miter lim="800000"/>
+              <a:headEnd/>
+              <a:tailEnd/>
+            </a:ln>
+            <a:effectLst/>
+          </p:spPr>
+          <p:txBody>
+            <a:bodyPr wrap="none" anchor="ctr"/>
+            <a:lstStyle/>
+            <a:p>
+              <a:endParaRPr lang="en-US"/>
+            </a:p>
+          </p:txBody>
+        </p:sp>
+        <p:sp>
+          <p:nvSpPr>
+            <p:cNvPr id="115721" name="Text Box 9"/>
+            <p:cNvSpPr txBox="1">
+              <a:spLocks noChangeArrowheads="1"/>
+            </p:cNvSpPr>
+            <p:nvPr/>
+          </p:nvSpPr>
+          <p:spPr bwMode="auto">
+            <a:xfrm>
+              <a:off x="1966" y="1822"/>
+              <a:ext cx="250" cy="212"/>
+            </a:xfrm>
+            <a:prstGeom prst="rect">
+              <a:avLst/>
+            </a:prstGeom>
+            <a:noFill/>
+            <a:ln w="9525">
+              <a:noFill/>
+              <a:miter lim="800000"/>
+              <a:headEnd/>
+              <a:tailEnd/>
+            </a:ln>
+            <a:effectLst/>
+          </p:spPr>
+          <p:txBody>
+            <a:bodyPr>
+              <a:spAutoFit/>
+            </a:bodyPr>
+            <a:lstStyle/>
+            <a:p>
+              <a:r>
+                <a:rPr lang="en-US"/>
+                <a:t>P</a:t>
+              </a:r>
+              <a:r>
+                <a:rPr lang="en-US" baseline="-25000"/>
+                <a:t>1</a:t>
+              </a:r>
+            </a:p>
+          </p:txBody>
+        </p:sp>
+        <p:sp>
+          <p:nvSpPr>
+            <p:cNvPr id="115722" name="Oval 10"/>
+            <p:cNvSpPr>
+              <a:spLocks noChangeArrowheads="1"/>
+            </p:cNvSpPr>
+            <p:nvPr/>
+          </p:nvSpPr>
+          <p:spPr bwMode="auto">
+            <a:xfrm>
+              <a:off x="2960" y="2020"/>
+              <a:ext cx="56" cy="56"/>
+            </a:xfrm>
+            <a:prstGeom prst="ellipse">
+              <a:avLst/>
+            </a:prstGeom>
+            <a:solidFill>
+              <a:schemeClr val="tx1"/>
+            </a:solidFill>
+            <a:ln w="9525">
+              <a:noFill/>
+              <a:miter lim="800000"/>
+              <a:headEnd/>
+              <a:tailEnd/>
+            </a:ln>
+            <a:effectLst/>
+          </p:spPr>
+          <p:txBody>
+            <a:bodyPr wrap="none" anchor="ctr"/>
+            <a:lstStyle/>
+            <a:p>
+              <a:endParaRPr lang="en-US"/>
+            </a:p>
+          </p:txBody>
+        </p:sp>
+        <p:sp>
+          <p:nvSpPr>
+            <p:cNvPr id="115723" name="Text Box 11"/>
+            <p:cNvSpPr txBox="1">
+              <a:spLocks noChangeArrowheads="1"/>
+            </p:cNvSpPr>
+            <p:nvPr/>
+          </p:nvSpPr>
+          <p:spPr bwMode="auto">
+            <a:xfrm>
+              <a:off x="3030" y="1942"/>
+              <a:ext cx="250" cy="212"/>
+            </a:xfrm>
+            <a:prstGeom prst="rect">
+              <a:avLst/>
+            </a:prstGeom>
+            <a:noFill/>
+            <a:ln w="9525">
+              <a:noFill/>
+              <a:miter lim="800000"/>
+              <a:headEnd/>
+              <a:tailEnd/>
+            </a:ln>
+            <a:effectLst/>
+          </p:spPr>
+          <p:txBody>
+            <a:bodyPr>
+              <a:spAutoFit/>
+            </a:bodyPr>
+            <a:lstStyle/>
+            <a:p>
+              <a:r>
+                <a:rPr lang="en-US"/>
+                <a:t>P</a:t>
+              </a:r>
+              <a:r>
+                <a:rPr lang="en-US" baseline="-25000"/>
+                <a:t>2</a:t>
+              </a:r>
+            </a:p>
+          </p:txBody>
+        </p:sp>
+        <p:sp>
+          <p:nvSpPr>
+            <p:cNvPr id="115724" name="Text Box 12"/>
+            <p:cNvSpPr txBox="1">
+              <a:spLocks noChangeArrowheads="1"/>
+            </p:cNvSpPr>
+            <p:nvPr/>
+          </p:nvSpPr>
+          <p:spPr bwMode="auto">
+            <a:xfrm>
+              <a:off x="2134" y="2855"/>
+              <a:ext cx="159" cy="212"/>
+            </a:xfrm>
+            <a:prstGeom prst="rect">
+              <a:avLst/>
+            </a:prstGeom>
+            <a:noFill/>
+            <a:ln w="9525">
+              <a:noFill/>
+              <a:miter lim="800000"/>
+              <a:headEnd/>
+              <a:tailEnd/>
+            </a:ln>
+            <a:effectLst/>
+          </p:spPr>
+          <p:txBody>
+            <a:bodyPr wrap="none">
+              <a:spAutoFit/>
+            </a:bodyPr>
+            <a:lstStyle/>
+            <a:p>
+              <a:r>
+                <a:rPr lang="en-US">
+                  <a:latin typeface="Times New Roman" pitchFamily="18" charset="0"/>
+                </a:rPr>
+                <a:t>I</a:t>
+              </a:r>
+            </a:p>
+          </p:txBody>
+        </p:sp>
+        <p:sp>
+          <p:nvSpPr>
+            <p:cNvPr id="115725" name="Line 13"/>
+            <p:cNvSpPr>
+              <a:spLocks noChangeShapeType="1"/>
+            </p:cNvSpPr>
+            <p:nvPr/>
+          </p:nvSpPr>
+          <p:spPr bwMode="auto">
+            <a:xfrm>
+              <a:off x="2072" y="2832"/>
+              <a:ext cx="248" cy="0"/>
+            </a:xfrm>
+            <a:prstGeom prst="line">
+              <a:avLst/>
+            </a:prstGeom>
+            <a:noFill/>
+            <a:ln w="9525">
+              <a:solidFill>
+                <a:schemeClr val="tx1"/>
+              </a:solidFill>
+              <a:miter lim="800000"/>
+              <a:headEnd/>
+              <a:tailEnd type="triangle" w="med" len="med"/>
+            </a:ln>
+            <a:effectLst/>
+          </p:spPr>
+          <p:txBody>
+            <a:bodyPr wrap="none"/>
+            <a:lstStyle/>
+            <a:p>
+              <a:endParaRPr lang="en-US"/>
+            </a:p>
+          </p:txBody>
+        </p:sp>
+        <p:sp>
+          <p:nvSpPr>
+            <p:cNvPr id="115726" name="Oval 14"/>
+            <p:cNvSpPr>
+              <a:spLocks noChangeArrowheads="1"/>
+            </p:cNvSpPr>
+            <p:nvPr/>
+          </p:nvSpPr>
+          <p:spPr bwMode="auto">
+            <a:xfrm>
+              <a:off x="1968" y="2040"/>
+              <a:ext cx="128" cy="1376"/>
+            </a:xfrm>
+            <a:prstGeom prst="ellipse">
+              <a:avLst/>
+            </a:prstGeom>
+            <a:solidFill>
+              <a:srgbClr val="FFCC99"/>
+            </a:solidFill>
+            <a:ln w="9525">
+              <a:solidFill>
+                <a:schemeClr val="tx1"/>
+              </a:solidFill>
+              <a:prstDash val="dash"/>
+              <a:miter lim="800000"/>
+              <a:headEnd/>
+              <a:tailEnd/>
+            </a:ln>
+            <a:effectLst/>
+          </p:spPr>
+          <p:txBody>
+            <a:bodyPr wrap="none" anchor="ctr"/>
+            <a:lstStyle/>
+            <a:p>
+              <a:endParaRPr lang="en-US"/>
+            </a:p>
+          </p:txBody>
+        </p:sp>
+        <p:sp>
+          <p:nvSpPr>
+            <p:cNvPr id="115727" name="Freeform 15"/>
+            <p:cNvSpPr>
+              <a:spLocks/>
+            </p:cNvSpPr>
+            <p:nvPr/>
+          </p:nvSpPr>
+          <p:spPr bwMode="auto">
+            <a:xfrm>
+              <a:off x="2480" y="2772"/>
+              <a:ext cx="191" cy="132"/>
+            </a:xfrm>
+            <a:custGeom>
+              <a:avLst/>
+              <a:gdLst/>
+              <a:ahLst/>
+              <a:cxnLst>
+                <a:cxn ang="0">
+                  <a:pos x="0" y="12"/>
+                </a:cxn>
+                <a:cxn ang="0">
+                  <a:pos x="160" y="20"/>
+                </a:cxn>
+                <a:cxn ang="0">
+                  <a:pos x="184" y="132"/>
+                </a:cxn>
+              </a:cxnLst>
+              <a:rect l="0" t="0" r="r" b="b"/>
+              <a:pathLst>
+                <a:path w="191" h="132">
+                  <a:moveTo>
+                    <a:pt x="0" y="12"/>
+                  </a:moveTo>
+                  <a:cubicBezTo>
+                    <a:pt x="64" y="6"/>
+                    <a:pt x="129" y="0"/>
+                    <a:pt x="160" y="20"/>
+                  </a:cubicBezTo>
+                  <a:cubicBezTo>
+                    <a:pt x="191" y="40"/>
+                    <a:pt x="175" y="112"/>
+                    <a:pt x="184" y="132"/>
+                  </a:cubicBezTo>
+                </a:path>
+              </a:pathLst>
+            </a:custGeom>
+            <a:noFill/>
+            <a:ln w="9525" cap="flat" cmpd="sng">
+              <a:solidFill>
+                <a:schemeClr val="tx1"/>
+              </a:solidFill>
+              <a:prstDash val="solid"/>
+              <a:miter lim="800000"/>
+              <a:headEnd type="none" w="med" len="med"/>
+              <a:tailEnd type="triangle" w="med" len="med"/>
+            </a:ln>
+            <a:effectLst/>
+          </p:spPr>
+          <p:txBody>
+            <a:bodyPr wrap="none"/>
+            <a:lstStyle/>
+            <a:p>
+              <a:endParaRPr lang="en-US"/>
+            </a:p>
+          </p:txBody>
+        </p:sp>
+        <p:sp>
+          <p:nvSpPr>
+            <p:cNvPr id="115728" name="Freeform 16"/>
+            <p:cNvSpPr>
+              <a:spLocks/>
+            </p:cNvSpPr>
+            <p:nvPr/>
+          </p:nvSpPr>
+          <p:spPr bwMode="auto">
+            <a:xfrm flipV="1">
+              <a:off x="2488" y="2476"/>
+              <a:ext cx="191" cy="132"/>
+            </a:xfrm>
+            <a:custGeom>
+              <a:avLst/>
+              <a:gdLst/>
+              <a:ahLst/>
+              <a:cxnLst>
+                <a:cxn ang="0">
+                  <a:pos x="0" y="12"/>
+                </a:cxn>
+                <a:cxn ang="0">
+                  <a:pos x="160" y="20"/>
+                </a:cxn>
+                <a:cxn ang="0">
+                  <a:pos x="184" y="132"/>
+                </a:cxn>
+              </a:cxnLst>
+              <a:rect l="0" t="0" r="r" b="b"/>
+              <a:pathLst>
+                <a:path w="191" h="132">
+                  <a:moveTo>
+                    <a:pt x="0" y="12"/>
+                  </a:moveTo>
+                  <a:cubicBezTo>
+                    <a:pt x="64" y="6"/>
+                    <a:pt x="129" y="0"/>
+                    <a:pt x="160" y="20"/>
+                  </a:cubicBezTo>
+                  <a:cubicBezTo>
+                    <a:pt x="191" y="40"/>
+                    <a:pt x="175" y="112"/>
+                    <a:pt x="184" y="132"/>
+                  </a:cubicBezTo>
+                </a:path>
+              </a:pathLst>
+            </a:custGeom>
+            <a:noFill/>
+            <a:ln w="9525" cap="flat" cmpd="sng">
+              <a:solidFill>
+                <a:schemeClr val="tx1"/>
+              </a:solidFill>
+              <a:prstDash val="solid"/>
+              <a:miter lim="800000"/>
+              <a:headEnd type="none" w="med" len="med"/>
+              <a:tailEnd type="triangle" w="med" len="med"/>
+            </a:ln>
+            <a:effectLst/>
+          </p:spPr>
+          <p:txBody>
+            <a:bodyPr wrap="none"/>
+            <a:lstStyle/>
+            <a:p>
+              <a:endParaRPr lang="en-US"/>
+            </a:p>
+          </p:txBody>
+        </p:sp>
+        <p:sp>
+          <p:nvSpPr>
+            <p:cNvPr id="115730" name="Rectangle 18"/>
+            <p:cNvSpPr>
+              <a:spLocks noChangeArrowheads="1"/>
+            </p:cNvSpPr>
+            <p:nvPr/>
+          </p:nvSpPr>
+          <p:spPr bwMode="auto">
+            <a:xfrm rot="-5400000">
+              <a:off x="1804" y="2496"/>
+              <a:ext cx="56" cy="376"/>
+            </a:xfrm>
+            <a:prstGeom prst="rect">
+              <a:avLst/>
+            </a:prstGeom>
+            <a:solidFill>
+              <a:schemeClr val="tx1"/>
+            </a:solidFill>
+            <a:ln w="9525">
+              <a:noFill/>
+              <a:miter lim="800000"/>
+              <a:headEnd/>
+              <a:tailEnd/>
+            </a:ln>
+            <a:effectLst/>
+          </p:spPr>
+          <p:txBody>
+            <a:bodyPr wrap="none" anchor="ctr"/>
+            <a:lstStyle/>
+            <a:p>
+              <a:endParaRPr lang="en-US"/>
+            </a:p>
+          </p:txBody>
+        </p:sp>
+        <p:sp>
+          <p:nvSpPr>
+            <p:cNvPr id="115731" name="Freeform 19"/>
+            <p:cNvSpPr>
+              <a:spLocks/>
+            </p:cNvSpPr>
+            <p:nvPr/>
+          </p:nvSpPr>
+          <p:spPr bwMode="auto">
+            <a:xfrm>
+              <a:off x="2171" y="3108"/>
+              <a:ext cx="518" cy="200"/>
+            </a:xfrm>
+            <a:custGeom>
+              <a:avLst/>
+              <a:gdLst/>
+              <a:ahLst/>
+              <a:cxnLst>
+                <a:cxn ang="0">
+                  <a:pos x="21" y="180"/>
+                </a:cxn>
+                <a:cxn ang="0">
+                  <a:pos x="301" y="92"/>
+                </a:cxn>
+                <a:cxn ang="0">
+                  <a:pos x="493" y="4"/>
+                </a:cxn>
+                <a:cxn ang="0">
+                  <a:pos x="453" y="68"/>
+                </a:cxn>
+                <a:cxn ang="0">
+                  <a:pos x="173" y="180"/>
+                </a:cxn>
+                <a:cxn ang="0">
+                  <a:pos x="21" y="180"/>
+                </a:cxn>
+              </a:cxnLst>
+              <a:rect l="0" t="0" r="r" b="b"/>
+              <a:pathLst>
+                <a:path w="518" h="200">
+                  <a:moveTo>
+                    <a:pt x="21" y="180"/>
+                  </a:moveTo>
+                  <a:cubicBezTo>
+                    <a:pt x="42" y="165"/>
+                    <a:pt x="222" y="121"/>
+                    <a:pt x="301" y="92"/>
+                  </a:cubicBezTo>
+                  <a:cubicBezTo>
+                    <a:pt x="380" y="63"/>
+                    <a:pt x="468" y="8"/>
+                    <a:pt x="493" y="4"/>
+                  </a:cubicBezTo>
+                  <a:cubicBezTo>
+                    <a:pt x="518" y="0"/>
+                    <a:pt x="506" y="39"/>
+                    <a:pt x="453" y="68"/>
+                  </a:cubicBezTo>
+                  <a:cubicBezTo>
+                    <a:pt x="400" y="97"/>
+                    <a:pt x="244" y="160"/>
+                    <a:pt x="173" y="180"/>
+                  </a:cubicBezTo>
+                  <a:cubicBezTo>
+                    <a:pt x="102" y="200"/>
+                    <a:pt x="0" y="195"/>
+                    <a:pt x="21" y="180"/>
+                  </a:cubicBezTo>
+                  <a:close/>
+                </a:path>
+              </a:pathLst>
+            </a:custGeom>
+            <a:solidFill>
+              <a:schemeClr val="bg1"/>
+            </a:solidFill>
+            <a:ln w="9525" cap="flat" cmpd="sng">
+              <a:noFill/>
+              <a:prstDash val="solid"/>
+              <a:miter lim="800000"/>
+              <a:headEnd type="none" w="med" len="med"/>
+              <a:tailEnd type="none" w="med" len="med"/>
+            </a:ln>
+            <a:effectLst/>
+          </p:spPr>
+          <p:txBody>
+            <a:bodyPr wrap="none"/>
+            <a:lstStyle/>
+            <a:p>
+              <a:endParaRPr lang="en-US"/>
+            </a:p>
+          </p:txBody>
+        </p:sp>
+        <p:sp>
+          <p:nvSpPr>
+            <p:cNvPr id="115732" name="Line 20"/>
+            <p:cNvSpPr>
+              <a:spLocks noChangeShapeType="1"/>
+            </p:cNvSpPr>
+            <p:nvPr/>
+          </p:nvSpPr>
+          <p:spPr bwMode="auto">
+            <a:xfrm flipH="1" flipV="1">
+              <a:off x="1600" y="2232"/>
+              <a:ext cx="456" cy="232"/>
+            </a:xfrm>
+            <a:prstGeom prst="line">
+              <a:avLst/>
+            </a:prstGeom>
+            <a:noFill/>
+            <a:ln w="9525">
+              <a:solidFill>
+                <a:schemeClr val="tx1"/>
+              </a:solidFill>
+              <a:miter lim="800000"/>
+              <a:headEnd type="triangle" w="med" len="med"/>
+              <a:tailEnd/>
+            </a:ln>
+            <a:effectLst/>
+          </p:spPr>
+          <p:txBody>
+            <a:bodyPr wrap="none"/>
+            <a:lstStyle/>
+            <a:p>
+              <a:endParaRPr lang="en-US"/>
+            </a:p>
+          </p:txBody>
+        </p:sp>
+        <p:sp>
+          <p:nvSpPr>
+            <p:cNvPr id="115735" name="Text Box 23"/>
+            <p:cNvSpPr txBox="1">
+              <a:spLocks noChangeArrowheads="1"/>
+            </p:cNvSpPr>
+            <p:nvPr/>
+          </p:nvSpPr>
+          <p:spPr bwMode="auto">
+            <a:xfrm>
+              <a:off x="1366" y="2078"/>
+              <a:ext cx="250" cy="212"/>
+            </a:xfrm>
+            <a:prstGeom prst="rect">
+              <a:avLst/>
+            </a:prstGeom>
+            <a:noFill/>
+            <a:ln w="9525">
+              <a:noFill/>
+              <a:miter lim="800000"/>
+              <a:headEnd/>
+              <a:tailEnd/>
+            </a:ln>
+            <a:effectLst/>
+          </p:spPr>
+          <p:txBody>
+            <a:bodyPr>
+              <a:spAutoFit/>
+            </a:bodyPr>
+            <a:lstStyle/>
+            <a:p>
+              <a:r>
+                <a:rPr lang="en-US"/>
+                <a:t>S</a:t>
+              </a:r>
+              <a:r>
+                <a:rPr lang="en-US" baseline="-25000"/>
+                <a:t>1</a:t>
+              </a:r>
+            </a:p>
+          </p:txBody>
+        </p:sp>
+        <p:sp>
+          <p:nvSpPr>
+            <p:cNvPr id="115736" name="Text Box 24"/>
+            <p:cNvSpPr txBox="1">
+              <a:spLocks noChangeArrowheads="1"/>
+            </p:cNvSpPr>
+            <p:nvPr/>
+          </p:nvSpPr>
+          <p:spPr bwMode="auto">
+            <a:xfrm>
+              <a:off x="2558" y="1758"/>
+              <a:ext cx="250" cy="212"/>
+            </a:xfrm>
+            <a:prstGeom prst="rect">
+              <a:avLst/>
+            </a:prstGeom>
+            <a:noFill/>
+            <a:ln w="9525">
+              <a:noFill/>
+              <a:miter lim="800000"/>
+              <a:headEnd/>
+              <a:tailEnd/>
+            </a:ln>
+            <a:effectLst/>
+          </p:spPr>
+          <p:txBody>
+            <a:bodyPr>
+              <a:spAutoFit/>
+            </a:bodyPr>
+            <a:lstStyle/>
+            <a:p>
+              <a:r>
+                <a:rPr lang="en-US"/>
+                <a:t>S</a:t>
+              </a:r>
+              <a:r>
+                <a:rPr lang="en-US" baseline="-25000"/>
+                <a:t>2</a:t>
+              </a:r>
+            </a:p>
+          </p:txBody>
+        </p:sp>
+        <p:sp>
+          <p:nvSpPr>
+            <p:cNvPr id="115737" name="Line 25"/>
+            <p:cNvSpPr>
+              <a:spLocks noChangeShapeType="1"/>
+            </p:cNvSpPr>
+            <p:nvPr/>
+          </p:nvSpPr>
+          <p:spPr bwMode="auto">
+            <a:xfrm flipH="1">
+              <a:off x="2488" y="1936"/>
+              <a:ext cx="160" cy="272"/>
+            </a:xfrm>
+            <a:prstGeom prst="line">
+              <a:avLst/>
+            </a:prstGeom>
+            <a:noFill/>
+            <a:ln w="9525">
+              <a:solidFill>
+                <a:schemeClr val="tx1"/>
+              </a:solidFill>
+              <a:miter lim="800000"/>
+              <a:headEnd/>
+              <a:tailEnd type="triangle" w="med" len="med"/>
+            </a:ln>
+            <a:effectLst/>
+          </p:spPr>
+          <p:txBody>
+            <a:bodyPr wrap="none"/>
+            <a:lstStyle/>
+            <a:p>
+              <a:endParaRPr lang="en-US"/>
+            </a:p>
+          </p:txBody>
+        </p:sp>
+      </p:grpSp>
+    </p:spTree>
+  </p:cSld>
+  <p:clrMapOvr>
+    <a:masterClrMapping/>
+  </p:clrMapOvr>
+</p:sld>
+</file>
+
+<file path=ppt/slides/slide12.xml><?xml version="1.0" encoding="utf-8"?>
+<p:sld xmlns:a="http://schemas.openxmlformats.org/drawingml/2006/main" xmlns:r="http://schemas.openxmlformats.org/officeDocument/2006/relationships" xmlns:p="http://schemas.openxmlformats.org/presentationml/2006/main">
+  <p:cSld>
+    <p:spTree>
+      <p:nvGrpSpPr>
+        <p:cNvPr id="1" name=""/>
+        <p:cNvGrpSpPr/>
+        <p:nvPr/>
+      </p:nvGrpSpPr>
+      <p:grpSpPr>
+        <a:xfrm>
+          <a:off x="0" y="0"/>
+          <a:ext cx="0" cy="0"/>
+          <a:chOff x="0" y="0"/>
+          <a:chExt cx="0" cy="0"/>
+        </a:xfrm>
+      </p:grpSpPr>
+      <p:sp>
+        <p:nvSpPr>
+          <p:cNvPr id="23" name="Date Placeholder 3"/>
+          <p:cNvSpPr>
+            <a:spLocks noGrp="1"/>
+          </p:cNvSpPr>
+          <p:nvPr>
+            <p:ph type="dt" sz="half" idx="10"/>
+          </p:nvPr>
+        </p:nvSpPr>
+        <p:spPr/>
+        <p:txBody>
+          <a:bodyPr/>
+          <a:lstStyle/>
+          <a:p>
+            <a:r>
+              <a:rPr lang="en-US"/>
+              <a:t>Winter 2008</a:t>
+            </a:r>
+          </a:p>
+        </p:txBody>
+      </p:sp>
+      <p:sp>
+        <p:nvSpPr>
+          <p:cNvPr id="24" name="Footer Placeholder 4"/>
+          <p:cNvSpPr>
+            <a:spLocks noGrp="1"/>
+          </p:cNvSpPr>
+          <p:nvPr>
+            <p:ph type="ftr" sz="quarter" idx="11"/>
+          </p:nvPr>
+        </p:nvSpPr>
+        <p:spPr/>
+        <p:txBody>
+          <a:bodyPr/>
+          <a:lstStyle/>
+          <a:p>
+            <a:r>
+              <a:rPr lang="en-US"/>
+              <a:t>R. Todd Lines</a:t>
+            </a:r>
+          </a:p>
+        </p:txBody>
+      </p:sp>
+      <p:sp>
+        <p:nvSpPr>
+          <p:cNvPr id="110594" name="Rectangle 2"/>
+          <p:cNvSpPr>
+            <a:spLocks noGrp="1" noChangeArrowheads="1"/>
+          </p:cNvSpPr>
+          <p:nvPr>
+            <p:ph type="title"/>
+          </p:nvPr>
+        </p:nvSpPr>
+        <p:spPr/>
+        <p:txBody>
+          <a:bodyPr/>
+          <a:lstStyle/>
+          <a:p>
+            <a:r>
+              <a:rPr lang="en-US"/>
+              <a:t>Displacement Current</a:t>
+            </a:r>
+          </a:p>
+        </p:txBody>
+      </p:sp>
+      <p:sp>
+        <p:nvSpPr>
+          <p:cNvPr id="110596" name="Rectangle 4"/>
+          <p:cNvSpPr>
+            <a:spLocks noChangeArrowheads="1"/>
+          </p:cNvSpPr>
+          <p:nvPr/>
+        </p:nvSpPr>
+        <p:spPr bwMode="auto">
+          <a:xfrm>
+            <a:off x="4330700" y="3663950"/>
+            <a:ext cx="88900" cy="1193800"/>
+          </a:xfrm>
+          <a:prstGeom prst="rect">
+            <a:avLst/>
+          </a:prstGeom>
+          <a:solidFill>
+            <a:schemeClr val="tx1"/>
+          </a:solidFill>
+          <a:ln w="9525">
+            <a:noFill/>
+            <a:miter lim="800000"/>
+            <a:headEnd/>
+            <a:tailEnd/>
+          </a:ln>
+          <a:effectLst/>
+        </p:spPr>
+        <p:txBody>
+          <a:bodyPr wrap="none" anchor="ctr"/>
+          <a:lstStyle/>
+          <a:p>
+            <a:endParaRPr lang="en-US"/>
+          </a:p>
+        </p:txBody>
+      </p:sp>
+      <p:sp>
+        <p:nvSpPr>
+          <p:cNvPr id="110597" name="Rectangle 5"/>
+          <p:cNvSpPr>
+            <a:spLocks noChangeArrowheads="1"/>
+          </p:cNvSpPr>
+          <p:nvPr/>
+        </p:nvSpPr>
+        <p:spPr bwMode="auto">
+          <a:xfrm>
+            <a:off x="5194300" y="3663950"/>
+            <a:ext cx="88900" cy="1193800"/>
+          </a:xfrm>
+          <a:prstGeom prst="rect">
+            <a:avLst/>
+          </a:prstGeom>
+          <a:solidFill>
+            <a:schemeClr val="tx1"/>
+          </a:solidFill>
+          <a:ln w="9525">
+            <a:noFill/>
+            <a:miter lim="800000"/>
+            <a:headEnd/>
+            <a:tailEnd/>
+          </a:ln>
+          <a:effectLst/>
+        </p:spPr>
+        <p:txBody>
+          <a:bodyPr wrap="none" anchor="ctr"/>
+          <a:lstStyle/>
+          <a:p>
+            <a:endParaRPr lang="en-US"/>
+          </a:p>
+        </p:txBody>
+      </p:sp>
+      <p:sp>
+        <p:nvSpPr>
+          <p:cNvPr id="110598" name="Rectangle 6"/>
+          <p:cNvSpPr>
+            <a:spLocks noChangeArrowheads="1"/>
+          </p:cNvSpPr>
+          <p:nvPr/>
+        </p:nvSpPr>
+        <p:spPr bwMode="auto">
+          <a:xfrm rot="-5400000">
+            <a:off x="5867400" y="3613150"/>
+            <a:ext cx="88900" cy="1295400"/>
+          </a:xfrm>
+          <a:prstGeom prst="rect">
+            <a:avLst/>
+          </a:prstGeom>
+          <a:solidFill>
+            <a:schemeClr val="tx1"/>
+          </a:solidFill>
+          <a:ln w="9525">
+            <a:noFill/>
+            <a:miter lim="800000"/>
+            <a:headEnd/>
+            <a:tailEnd/>
+          </a:ln>
+          <a:effectLst/>
+        </p:spPr>
+        <p:txBody>
+          <a:bodyPr wrap="none" anchor="ctr"/>
+          <a:lstStyle/>
+          <a:p>
+            <a:endParaRPr lang="en-US"/>
+          </a:p>
+        </p:txBody>
+      </p:sp>
+      <p:sp>
+        <p:nvSpPr>
+          <p:cNvPr id="110599" name="Rectangle 7"/>
+          <p:cNvSpPr>
+            <a:spLocks noChangeArrowheads="1"/>
+          </p:cNvSpPr>
+          <p:nvPr/>
+        </p:nvSpPr>
+        <p:spPr bwMode="auto">
+          <a:xfrm rot="-5400000">
+            <a:off x="3670300" y="3613150"/>
+            <a:ext cx="88900" cy="1295400"/>
+          </a:xfrm>
+          <a:prstGeom prst="rect">
+            <a:avLst/>
+          </a:prstGeom>
+          <a:solidFill>
+            <a:schemeClr val="tx1"/>
+          </a:solidFill>
+          <a:ln w="9525">
+            <a:noFill/>
+            <a:miter lim="800000"/>
+            <a:headEnd/>
+            <a:tailEnd/>
+          </a:ln>
+          <a:effectLst/>
+        </p:spPr>
+        <p:txBody>
+          <a:bodyPr wrap="none" anchor="ctr"/>
+          <a:lstStyle/>
+          <a:p>
+            <a:endParaRPr lang="en-US"/>
+          </a:p>
+        </p:txBody>
+      </p:sp>
+      <p:sp>
+        <p:nvSpPr>
+          <p:cNvPr id="110600" name="Oval 8"/>
+          <p:cNvSpPr>
+            <a:spLocks noChangeArrowheads="1"/>
+          </p:cNvSpPr>
+          <p:nvPr/>
+        </p:nvSpPr>
+        <p:spPr bwMode="auto">
+          <a:xfrm>
+            <a:off x="3187700" y="3206750"/>
+            <a:ext cx="88900" cy="88900"/>
+          </a:xfrm>
+          <a:prstGeom prst="ellipse">
+            <a:avLst/>
+          </a:prstGeom>
+          <a:solidFill>
+            <a:schemeClr val="tx1"/>
+          </a:solidFill>
+          <a:ln w="9525">
+            <a:noFill/>
+            <a:miter lim="800000"/>
+            <a:headEnd/>
+            <a:tailEnd/>
+          </a:ln>
+          <a:effectLst/>
+        </p:spPr>
+        <p:txBody>
+          <a:bodyPr wrap="none" anchor="ctr"/>
+          <a:lstStyle/>
+          <a:p>
+            <a:endParaRPr lang="en-US"/>
+          </a:p>
+        </p:txBody>
+      </p:sp>
+      <p:sp>
+        <p:nvSpPr>
+          <p:cNvPr id="110601" name="Text Box 9"/>
+          <p:cNvSpPr txBox="1">
+            <a:spLocks noChangeArrowheads="1"/>
+          </p:cNvSpPr>
+          <p:nvPr/>
+        </p:nvSpPr>
+        <p:spPr bwMode="auto">
+          <a:xfrm>
+            <a:off x="3298825" y="3082925"/>
+            <a:ext cx="396875" cy="336550"/>
+          </a:xfrm>
+          <a:prstGeom prst="rect">
+            <a:avLst/>
+          </a:prstGeom>
+          <a:noFill/>
+          <a:ln w="9525">
+            <a:noFill/>
+            <a:miter lim="800000"/>
+            <a:headEnd/>
+            <a:tailEnd/>
+          </a:ln>
+          <a:effectLst/>
+        </p:spPr>
+        <p:txBody>
+          <a:bodyPr>
+            <a:spAutoFit/>
+          </a:bodyPr>
+          <a:lstStyle/>
+          <a:p>
+            <a:r>
+              <a:rPr lang="en-US"/>
+              <a:t>P</a:t>
+            </a:r>
+            <a:r>
+              <a:rPr lang="en-US" baseline="-25000"/>
+              <a:t>1</a:t>
+            </a:r>
+          </a:p>
+        </p:txBody>
+      </p:sp>
+      <p:sp>
+        <p:nvSpPr>
+          <p:cNvPr id="110602" name="Oval 10"/>
+          <p:cNvSpPr>
+            <a:spLocks noChangeArrowheads="1"/>
+          </p:cNvSpPr>
+          <p:nvPr/>
+        </p:nvSpPr>
+        <p:spPr bwMode="auto">
+          <a:xfrm>
+            <a:off x="4699000" y="3206750"/>
+            <a:ext cx="88900" cy="88900"/>
+          </a:xfrm>
+          <a:prstGeom prst="ellipse">
+            <a:avLst/>
+          </a:prstGeom>
+          <a:solidFill>
+            <a:schemeClr val="tx1"/>
+          </a:solidFill>
+          <a:ln w="9525">
+            <a:noFill/>
+            <a:miter lim="800000"/>
+            <a:headEnd/>
+            <a:tailEnd/>
+          </a:ln>
+          <a:effectLst/>
+        </p:spPr>
+        <p:txBody>
+          <a:bodyPr wrap="none" anchor="ctr"/>
+          <a:lstStyle/>
+          <a:p>
+            <a:endParaRPr lang="en-US"/>
+          </a:p>
+        </p:txBody>
+      </p:sp>
+      <p:sp>
+        <p:nvSpPr>
+          <p:cNvPr id="110603" name="Text Box 11"/>
+          <p:cNvSpPr txBox="1">
+            <a:spLocks noChangeArrowheads="1"/>
+          </p:cNvSpPr>
+          <p:nvPr/>
+        </p:nvSpPr>
+        <p:spPr bwMode="auto">
+          <a:xfrm>
+            <a:off x="4810125" y="3082925"/>
+            <a:ext cx="396875" cy="336550"/>
+          </a:xfrm>
+          <a:prstGeom prst="rect">
+            <a:avLst/>
+          </a:prstGeom>
+          <a:noFill/>
+          <a:ln w="9525">
+            <a:noFill/>
+            <a:miter lim="800000"/>
+            <a:headEnd/>
+            <a:tailEnd/>
+          </a:ln>
+          <a:effectLst/>
+        </p:spPr>
+        <p:txBody>
+          <a:bodyPr>
+            <a:spAutoFit/>
+          </a:bodyPr>
+          <a:lstStyle/>
+          <a:p>
+            <a:r>
+              <a:rPr lang="en-US"/>
+              <a:t>P</a:t>
+            </a:r>
+            <a:r>
+              <a:rPr lang="en-US" baseline="-25000"/>
+              <a:t>2</a:t>
+            </a:r>
+          </a:p>
+        </p:txBody>
+      </p:sp>
+      <p:sp>
+        <p:nvSpPr>
+          <p:cNvPr id="110604" name="Text Box 12"/>
+          <p:cNvSpPr txBox="1">
+            <a:spLocks noChangeArrowheads="1"/>
+          </p:cNvSpPr>
+          <p:nvPr/>
+        </p:nvSpPr>
+        <p:spPr bwMode="auto">
+          <a:xfrm>
+            <a:off x="3286125" y="4557713"/>
+            <a:ext cx="252413" cy="336550"/>
+          </a:xfrm>
+          <a:prstGeom prst="rect">
+            <a:avLst/>
+          </a:prstGeom>
+          <a:noFill/>
+          <a:ln w="9525">
+            <a:noFill/>
+            <a:miter lim="800000"/>
+            <a:headEnd/>
+            <a:tailEnd/>
+          </a:ln>
+          <a:effectLst/>
+        </p:spPr>
+        <p:txBody>
+          <a:bodyPr wrap="none">
+            <a:spAutoFit/>
+          </a:bodyPr>
+          <a:lstStyle/>
+          <a:p>
+            <a:r>
+              <a:rPr lang="en-US">
+                <a:latin typeface="Times New Roman" pitchFamily="18" charset="0"/>
+              </a:rPr>
+              <a:t>I</a:t>
+            </a:r>
+          </a:p>
+        </p:txBody>
+      </p:sp>
+      <p:sp>
+        <p:nvSpPr>
+          <p:cNvPr id="110605" name="Line 13"/>
+          <p:cNvSpPr>
+            <a:spLocks noChangeShapeType="1"/>
+          </p:cNvSpPr>
+          <p:nvPr/>
+        </p:nvSpPr>
+        <p:spPr bwMode="auto">
+          <a:xfrm>
+            <a:off x="3238500" y="4495800"/>
+            <a:ext cx="393700" cy="0"/>
+          </a:xfrm>
+          <a:prstGeom prst="line">
+            <a:avLst/>
+          </a:prstGeom>
+          <a:noFill/>
+          <a:ln w="9525">
+            <a:solidFill>
+              <a:schemeClr val="tx1"/>
+            </a:solidFill>
+            <a:miter lim="800000"/>
+            <a:headEnd/>
+            <a:tailEnd type="triangle" w="med" len="med"/>
+          </a:ln>
+          <a:effectLst/>
+        </p:spPr>
+        <p:txBody>
+          <a:bodyPr wrap="none"/>
+          <a:lstStyle/>
+          <a:p>
+            <a:endParaRPr lang="en-US"/>
+          </a:p>
+        </p:txBody>
+      </p:sp>
+      <p:sp>
+        <p:nvSpPr>
+          <p:cNvPr id="110606" name="Line 14"/>
+          <p:cNvSpPr>
+            <a:spLocks noChangeShapeType="1"/>
+          </p:cNvSpPr>
+          <p:nvPr/>
+        </p:nvSpPr>
+        <p:spPr bwMode="auto">
+          <a:xfrm>
+            <a:off x="4419600" y="3810000"/>
+            <a:ext cx="749300" cy="0"/>
+          </a:xfrm>
+          <a:prstGeom prst="line">
+            <a:avLst/>
+          </a:prstGeom>
+          <a:noFill/>
+          <a:ln w="9525">
+            <a:solidFill>
+              <a:srgbClr val="FF0000"/>
+            </a:solidFill>
+            <a:miter lim="800000"/>
+            <a:headEnd/>
+            <a:tailEnd type="triangle" w="med" len="med"/>
+          </a:ln>
+          <a:effectLst/>
+        </p:spPr>
+        <p:txBody>
+          <a:bodyPr wrap="none"/>
+          <a:lstStyle/>
+          <a:p>
+            <a:endParaRPr lang="en-US"/>
+          </a:p>
+        </p:txBody>
+      </p:sp>
+      <p:sp>
+        <p:nvSpPr>
+          <p:cNvPr id="110607" name="Line 15"/>
+          <p:cNvSpPr>
+            <a:spLocks noChangeShapeType="1"/>
+          </p:cNvSpPr>
+          <p:nvPr/>
+        </p:nvSpPr>
+        <p:spPr bwMode="auto">
+          <a:xfrm>
+            <a:off x="4419600" y="3962400"/>
+            <a:ext cx="749300" cy="0"/>
+          </a:xfrm>
+          <a:prstGeom prst="line">
+            <a:avLst/>
+          </a:prstGeom>
+          <a:noFill/>
+          <a:ln w="9525">
+            <a:solidFill>
+              <a:srgbClr val="FF0000"/>
+            </a:solidFill>
+            <a:miter lim="800000"/>
+            <a:headEnd/>
+            <a:tailEnd type="triangle" w="med" len="med"/>
+          </a:ln>
+          <a:effectLst/>
+        </p:spPr>
+        <p:txBody>
+          <a:bodyPr wrap="none"/>
+          <a:lstStyle/>
+          <a:p>
+            <a:endParaRPr lang="en-US"/>
+          </a:p>
+        </p:txBody>
+      </p:sp>
+      <p:sp>
+        <p:nvSpPr>
+          <p:cNvPr id="110608" name="Line 16"/>
+          <p:cNvSpPr>
+            <a:spLocks noChangeShapeType="1"/>
+          </p:cNvSpPr>
+          <p:nvPr/>
+        </p:nvSpPr>
+        <p:spPr bwMode="auto">
+          <a:xfrm>
+            <a:off x="4419600" y="4114800"/>
+            <a:ext cx="749300" cy="0"/>
+          </a:xfrm>
+          <a:prstGeom prst="line">
+            <a:avLst/>
+          </a:prstGeom>
+          <a:noFill/>
+          <a:ln w="9525">
+            <a:solidFill>
+              <a:srgbClr val="FF0000"/>
+            </a:solidFill>
+            <a:miter lim="800000"/>
+            <a:headEnd/>
+            <a:tailEnd type="triangle" w="med" len="med"/>
+          </a:ln>
+          <a:effectLst/>
+        </p:spPr>
+        <p:txBody>
+          <a:bodyPr wrap="none"/>
+          <a:lstStyle/>
+          <a:p>
+            <a:endParaRPr lang="en-US"/>
+          </a:p>
+        </p:txBody>
+      </p:sp>
+      <p:sp>
+        <p:nvSpPr>
+          <p:cNvPr id="110609" name="Line 17"/>
+          <p:cNvSpPr>
+            <a:spLocks noChangeShapeType="1"/>
+          </p:cNvSpPr>
+          <p:nvPr/>
+        </p:nvSpPr>
+        <p:spPr bwMode="auto">
+          <a:xfrm>
+            <a:off x="4419600" y="4267200"/>
+            <a:ext cx="749300" cy="0"/>
+          </a:xfrm>
+          <a:prstGeom prst="line">
+            <a:avLst/>
+          </a:prstGeom>
+          <a:noFill/>
+          <a:ln w="9525">
+            <a:solidFill>
+              <a:srgbClr val="FF0000"/>
+            </a:solidFill>
+            <a:miter lim="800000"/>
+            <a:headEnd/>
+            <a:tailEnd type="triangle" w="med" len="med"/>
+          </a:ln>
+          <a:effectLst/>
+        </p:spPr>
+        <p:txBody>
+          <a:bodyPr wrap="none"/>
+          <a:lstStyle/>
+          <a:p>
+            <a:endParaRPr lang="en-US"/>
+          </a:p>
+        </p:txBody>
+      </p:sp>
+      <p:sp>
+        <p:nvSpPr>
+          <p:cNvPr id="110610" name="Line 18"/>
+          <p:cNvSpPr>
+            <a:spLocks noChangeShapeType="1"/>
+          </p:cNvSpPr>
+          <p:nvPr/>
+        </p:nvSpPr>
+        <p:spPr bwMode="auto">
+          <a:xfrm>
+            <a:off x="4419600" y="4419600"/>
+            <a:ext cx="749300" cy="0"/>
+          </a:xfrm>
+          <a:prstGeom prst="line">
+            <a:avLst/>
+          </a:prstGeom>
+          <a:noFill/>
+          <a:ln w="9525">
+            <a:solidFill>
+              <a:srgbClr val="FF0000"/>
+            </a:solidFill>
+            <a:miter lim="800000"/>
+            <a:headEnd/>
+            <a:tailEnd type="triangle" w="med" len="med"/>
+          </a:ln>
+          <a:effectLst/>
+        </p:spPr>
+        <p:txBody>
+          <a:bodyPr wrap="none"/>
+          <a:lstStyle/>
+          <a:p>
+            <a:endParaRPr lang="en-US"/>
+          </a:p>
+        </p:txBody>
+      </p:sp>
+      <p:sp>
+        <p:nvSpPr>
+          <p:cNvPr id="110611" name="Line 19"/>
+          <p:cNvSpPr>
+            <a:spLocks noChangeShapeType="1"/>
+          </p:cNvSpPr>
+          <p:nvPr/>
+        </p:nvSpPr>
+        <p:spPr bwMode="auto">
+          <a:xfrm>
+            <a:off x="4419600" y="4572000"/>
+            <a:ext cx="749300" cy="0"/>
+          </a:xfrm>
+          <a:prstGeom prst="line">
+            <a:avLst/>
+          </a:prstGeom>
+          <a:noFill/>
+          <a:ln w="9525">
+            <a:solidFill>
+              <a:srgbClr val="FF0000"/>
+            </a:solidFill>
+            <a:miter lim="800000"/>
+            <a:headEnd/>
+            <a:tailEnd type="triangle" w="med" len="med"/>
+          </a:ln>
+          <a:effectLst/>
+        </p:spPr>
+        <p:txBody>
+          <a:bodyPr wrap="none"/>
+          <a:lstStyle/>
+          <a:p>
+            <a:endParaRPr lang="en-US"/>
+          </a:p>
+        </p:txBody>
+      </p:sp>
+      <p:sp>
+        <p:nvSpPr>
+          <p:cNvPr id="110612" name="Line 20"/>
+          <p:cNvSpPr>
+            <a:spLocks noChangeShapeType="1"/>
+          </p:cNvSpPr>
+          <p:nvPr/>
+        </p:nvSpPr>
+        <p:spPr bwMode="auto">
+          <a:xfrm>
+            <a:off x="4419600" y="4724400"/>
+            <a:ext cx="749300" cy="0"/>
+          </a:xfrm>
+          <a:prstGeom prst="line">
+            <a:avLst/>
+          </a:prstGeom>
+          <a:noFill/>
+          <a:ln w="9525">
+            <a:solidFill>
+              <a:srgbClr val="FF0000"/>
+            </a:solidFill>
+            <a:miter lim="800000"/>
+            <a:headEnd/>
+            <a:tailEnd type="triangle" w="med" len="med"/>
+          </a:ln>
+          <a:effectLst/>
+        </p:spPr>
+        <p:txBody>
+          <a:bodyPr wrap="none"/>
+          <a:lstStyle/>
+          <a:p>
+            <a:endParaRPr lang="en-US"/>
+          </a:p>
+        </p:txBody>
+      </p:sp>
+      <p:sp>
+        <p:nvSpPr>
+          <p:cNvPr id="110613" name="Text Box 21"/>
+          <p:cNvSpPr txBox="1">
+            <a:spLocks noChangeArrowheads="1"/>
+          </p:cNvSpPr>
+          <p:nvPr/>
+        </p:nvSpPr>
+        <p:spPr bwMode="auto">
+          <a:xfrm>
+            <a:off x="4556125" y="4962525"/>
+            <a:ext cx="319088" cy="336550"/>
+          </a:xfrm>
+          <a:prstGeom prst="rect">
+            <a:avLst/>
+          </a:prstGeom>
+          <a:noFill/>
+          <a:ln w="9525">
+            <a:noFill/>
+            <a:miter lim="800000"/>
+            <a:headEnd/>
+            <a:tailEnd/>
+          </a:ln>
+          <a:effectLst/>
+        </p:spPr>
+        <p:txBody>
+          <a:bodyPr wrap="none">
+            <a:spAutoFit/>
+          </a:bodyPr>
+          <a:lstStyle/>
+          <a:p>
+            <a:r>
+              <a:rPr lang="en-US">
+                <a:solidFill>
+                  <a:srgbClr val="FF0000"/>
+                </a:solidFill>
+              </a:rPr>
+              <a:t>E</a:t>
+            </a:r>
+          </a:p>
+        </p:txBody>
+      </p:sp>
+      <p:sp>
+        <p:nvSpPr>
+          <p:cNvPr id="110614" name="Line 22"/>
+          <p:cNvSpPr>
+            <a:spLocks noChangeShapeType="1"/>
+          </p:cNvSpPr>
+          <p:nvPr/>
+        </p:nvSpPr>
+        <p:spPr bwMode="auto">
+          <a:xfrm flipH="1" flipV="1">
+            <a:off x="5473700" y="3695700"/>
+            <a:ext cx="12700" cy="558800"/>
+          </a:xfrm>
+          <a:prstGeom prst="line">
+            <a:avLst/>
+          </a:prstGeom>
+          <a:noFill/>
+          <a:ln w="9525">
+            <a:solidFill>
+              <a:schemeClr val="tx1"/>
+            </a:solidFill>
+            <a:prstDash val="dash"/>
+            <a:miter lim="800000"/>
+            <a:headEnd/>
+            <a:tailEnd type="triangle" w="med" len="med"/>
+          </a:ln>
+          <a:effectLst/>
+        </p:spPr>
+        <p:txBody>
+          <a:bodyPr wrap="none"/>
+          <a:lstStyle/>
+          <a:p>
+            <a:endParaRPr lang="en-US"/>
+          </a:p>
+        </p:txBody>
+      </p:sp>
+      <p:sp>
+        <p:nvSpPr>
+          <p:cNvPr id="110615" name="Text Box 23"/>
+          <p:cNvSpPr txBox="1">
+            <a:spLocks noChangeArrowheads="1"/>
+          </p:cNvSpPr>
+          <p:nvPr/>
+        </p:nvSpPr>
+        <p:spPr bwMode="auto">
+          <a:xfrm>
+            <a:off x="5559425" y="3705225"/>
+            <a:ext cx="330200" cy="336550"/>
+          </a:xfrm>
+          <a:prstGeom prst="rect">
+            <a:avLst/>
+          </a:prstGeom>
+          <a:noFill/>
+          <a:ln w="9525">
+            <a:noFill/>
+            <a:miter lim="800000"/>
+            <a:headEnd/>
+            <a:tailEnd/>
+          </a:ln>
+          <a:effectLst/>
+        </p:spPr>
+        <p:txBody>
+          <a:bodyPr wrap="none">
+            <a:spAutoFit/>
+          </a:bodyPr>
+          <a:lstStyle/>
+          <a:p>
+            <a:r>
+              <a:rPr lang="en-US"/>
+              <a:t>R</a:t>
+            </a:r>
+          </a:p>
+        </p:txBody>
+      </p:sp>
+    </p:spTree>
+  </p:cSld>
+  <p:clrMapOvr>
+    <a:masterClrMapping/>
+  </p:clrMapOvr>
+</p:sld>
+</file>
+
+<file path=ppt/slides/slide13.xml><?xml version="1.0" encoding="utf-8"?>
+<p:sld xmlns:a="http://schemas.openxmlformats.org/drawingml/2006/main" xmlns:r="http://schemas.openxmlformats.org/officeDocument/2006/relationships" xmlns:p="http://schemas.openxmlformats.org/presentationml/2006/main">
+  <p:cSld>
+    <p:spTree>
+      <p:nvGrpSpPr>
+        <p:cNvPr id="1" name=""/>
+        <p:cNvGrpSpPr/>
+        <p:nvPr/>
+      </p:nvGrpSpPr>
+      <p:grpSpPr>
+        <a:xfrm>
+          <a:off x="0" y="0"/>
+          <a:ext cx="0" cy="0"/>
+          <a:chOff x="0" y="0"/>
+          <a:chExt cx="0" cy="0"/>
+        </a:xfrm>
+      </p:grpSpPr>
+      <p:sp>
+        <p:nvSpPr>
+          <p:cNvPr id="14" name="Date Placeholder 3"/>
+          <p:cNvSpPr>
+            <a:spLocks noGrp="1"/>
+          </p:cNvSpPr>
+          <p:nvPr>
+            <p:ph type="dt" sz="half" idx="10"/>
+          </p:nvPr>
+        </p:nvSpPr>
+        <p:spPr/>
+        <p:txBody>
+          <a:bodyPr/>
+          <a:lstStyle/>
+          <a:p>
+            <a:r>
+              <a:rPr lang="en-US"/>
+              <a:t>Winter 2008</a:t>
+            </a:r>
+          </a:p>
+        </p:txBody>
+      </p:sp>
+      <p:sp>
+        <p:nvSpPr>
+          <p:cNvPr id="15" name="Footer Placeholder 4"/>
+          <p:cNvSpPr>
+            <a:spLocks noGrp="1"/>
+          </p:cNvSpPr>
+          <p:nvPr>
+            <p:ph type="ftr" sz="quarter" idx="11"/>
+          </p:nvPr>
+        </p:nvSpPr>
+        <p:spPr/>
+        <p:txBody>
+          <a:bodyPr/>
+          <a:lstStyle/>
+          <a:p>
+            <a:r>
+              <a:rPr lang="en-US"/>
+              <a:t>R. Todd Lines</a:t>
+            </a:r>
+          </a:p>
+        </p:txBody>
+      </p:sp>
+      <p:sp>
+        <p:nvSpPr>
+          <p:cNvPr id="111618" name="Rectangle 2"/>
+          <p:cNvSpPr>
+            <a:spLocks noGrp="1" noChangeArrowheads="1"/>
+          </p:cNvSpPr>
+          <p:nvPr>
+            <p:ph type="title"/>
+          </p:nvPr>
+        </p:nvSpPr>
+        <p:spPr/>
+        <p:txBody>
+          <a:bodyPr/>
+          <a:lstStyle/>
+          <a:p>
+            <a:r>
+              <a:rPr lang="en-US"/>
+              <a:t>Displacement Current</a:t>
+            </a:r>
+          </a:p>
+        </p:txBody>
+      </p:sp>
+      <p:sp>
+        <p:nvSpPr>
+          <p:cNvPr id="111620" name="Rectangle 4"/>
+          <p:cNvSpPr>
+            <a:spLocks noChangeArrowheads="1"/>
+          </p:cNvSpPr>
+          <p:nvPr/>
+        </p:nvSpPr>
+        <p:spPr bwMode="auto">
+          <a:xfrm>
+            <a:off x="4330700" y="3663950"/>
+            <a:ext cx="88900" cy="1193800"/>
+          </a:xfrm>
+          <a:prstGeom prst="rect">
+            <a:avLst/>
+          </a:prstGeom>
+          <a:solidFill>
+            <a:schemeClr val="tx1"/>
+          </a:solidFill>
+          <a:ln w="9525">
+            <a:noFill/>
+            <a:miter lim="800000"/>
+            <a:headEnd/>
+            <a:tailEnd/>
+          </a:ln>
+          <a:effectLst/>
+        </p:spPr>
+        <p:txBody>
+          <a:bodyPr wrap="none" anchor="ctr"/>
+          <a:lstStyle/>
+          <a:p>
+            <a:endParaRPr lang="en-US"/>
+          </a:p>
+        </p:txBody>
+      </p:sp>
+      <p:sp>
+        <p:nvSpPr>
+          <p:cNvPr id="111621" name="Rectangle 5"/>
+          <p:cNvSpPr>
+            <a:spLocks noChangeArrowheads="1"/>
+          </p:cNvSpPr>
+          <p:nvPr/>
+        </p:nvSpPr>
+        <p:spPr bwMode="auto">
+          <a:xfrm>
+            <a:off x="5194300" y="3663950"/>
+            <a:ext cx="88900" cy="1193800"/>
+          </a:xfrm>
+          <a:prstGeom prst="rect">
+            <a:avLst/>
+          </a:prstGeom>
+          <a:solidFill>
+            <a:schemeClr val="tx1"/>
+          </a:solidFill>
+          <a:ln w="9525">
+            <a:noFill/>
+            <a:miter lim="800000"/>
+            <a:headEnd/>
+            <a:tailEnd/>
+          </a:ln>
+          <a:effectLst/>
+        </p:spPr>
+        <p:txBody>
+          <a:bodyPr wrap="none" anchor="ctr"/>
+          <a:lstStyle/>
+          <a:p>
+            <a:endParaRPr lang="en-US"/>
+          </a:p>
+        </p:txBody>
+      </p:sp>
+      <p:sp>
+        <p:nvSpPr>
+          <p:cNvPr id="111622" name="Rectangle 6"/>
+          <p:cNvSpPr>
+            <a:spLocks noChangeArrowheads="1"/>
+          </p:cNvSpPr>
+          <p:nvPr/>
+        </p:nvSpPr>
+        <p:spPr bwMode="auto">
+          <a:xfrm rot="-5400000">
+            <a:off x="5867400" y="3613150"/>
+            <a:ext cx="88900" cy="1295400"/>
+          </a:xfrm>
+          <a:prstGeom prst="rect">
+            <a:avLst/>
+          </a:prstGeom>
+          <a:solidFill>
+            <a:schemeClr val="tx1"/>
+          </a:solidFill>
+          <a:ln w="9525">
+            <a:noFill/>
+            <a:miter lim="800000"/>
+            <a:headEnd/>
+            <a:tailEnd/>
+          </a:ln>
+          <a:effectLst/>
+        </p:spPr>
+        <p:txBody>
+          <a:bodyPr wrap="none" anchor="ctr"/>
+          <a:lstStyle/>
+          <a:p>
+            <a:endParaRPr lang="en-US"/>
+          </a:p>
+        </p:txBody>
+      </p:sp>
+      <p:sp>
+        <p:nvSpPr>
+          <p:cNvPr id="111623" name="Rectangle 7"/>
+          <p:cNvSpPr>
+            <a:spLocks noChangeArrowheads="1"/>
+          </p:cNvSpPr>
+          <p:nvPr/>
+        </p:nvSpPr>
+        <p:spPr bwMode="auto">
+          <a:xfrm rot="-5400000">
+            <a:off x="3587750" y="3530600"/>
+            <a:ext cx="88900" cy="1460500"/>
+          </a:xfrm>
+          <a:prstGeom prst="rect">
+            <a:avLst/>
+          </a:prstGeom>
+          <a:solidFill>
+            <a:schemeClr val="tx1"/>
+          </a:solidFill>
+          <a:ln w="9525">
+            <a:noFill/>
+            <a:miter lim="800000"/>
+            <a:headEnd/>
+            <a:tailEnd/>
+          </a:ln>
+          <a:effectLst/>
+        </p:spPr>
+        <p:txBody>
+          <a:bodyPr wrap="none" anchor="ctr"/>
+          <a:lstStyle/>
+          <a:p>
+            <a:endParaRPr lang="en-US"/>
+          </a:p>
+        </p:txBody>
+      </p:sp>
+      <p:sp>
+        <p:nvSpPr>
+          <p:cNvPr id="111624" name="Oval 8"/>
+          <p:cNvSpPr>
+            <a:spLocks noChangeArrowheads="1"/>
+          </p:cNvSpPr>
+          <p:nvPr/>
+        </p:nvSpPr>
+        <p:spPr bwMode="auto">
+          <a:xfrm>
+            <a:off x="3187700" y="3206750"/>
+            <a:ext cx="88900" cy="88900"/>
+          </a:xfrm>
+          <a:prstGeom prst="ellipse">
+            <a:avLst/>
+          </a:prstGeom>
+          <a:solidFill>
+            <a:schemeClr val="tx1"/>
+          </a:solidFill>
+          <a:ln w="9525">
+            <a:noFill/>
+            <a:miter lim="800000"/>
+            <a:headEnd/>
+            <a:tailEnd/>
+          </a:ln>
+          <a:effectLst/>
+        </p:spPr>
+        <p:txBody>
+          <a:bodyPr wrap="none" anchor="ctr"/>
+          <a:lstStyle/>
+          <a:p>
+            <a:endParaRPr lang="en-US"/>
+          </a:p>
+        </p:txBody>
+      </p:sp>
+      <p:sp>
+        <p:nvSpPr>
+          <p:cNvPr id="111625" name="Text Box 9"/>
+          <p:cNvSpPr txBox="1">
+            <a:spLocks noChangeArrowheads="1"/>
+          </p:cNvSpPr>
+          <p:nvPr/>
+        </p:nvSpPr>
+        <p:spPr bwMode="auto">
+          <a:xfrm>
+            <a:off x="3298825" y="3082925"/>
+            <a:ext cx="396875" cy="336550"/>
+          </a:xfrm>
+          <a:prstGeom prst="rect">
+            <a:avLst/>
+          </a:prstGeom>
+          <a:noFill/>
+          <a:ln w="9525">
+            <a:noFill/>
+            <a:miter lim="800000"/>
+            <a:headEnd/>
+            <a:tailEnd/>
+          </a:ln>
+          <a:effectLst/>
+        </p:spPr>
+        <p:txBody>
+          <a:bodyPr>
+            <a:spAutoFit/>
+          </a:bodyPr>
+          <a:lstStyle/>
+          <a:p>
+            <a:r>
+              <a:rPr lang="en-US"/>
+              <a:t>P</a:t>
+            </a:r>
+            <a:r>
+              <a:rPr lang="en-US" baseline="-25000"/>
+              <a:t>1</a:t>
+            </a:r>
+          </a:p>
+        </p:txBody>
+      </p:sp>
+      <p:sp>
+        <p:nvSpPr>
+          <p:cNvPr id="111626" name="Oval 10"/>
+          <p:cNvSpPr>
+            <a:spLocks noChangeArrowheads="1"/>
+          </p:cNvSpPr>
+          <p:nvPr/>
+        </p:nvSpPr>
+        <p:spPr bwMode="auto">
+          <a:xfrm>
+            <a:off x="4699000" y="3206750"/>
+            <a:ext cx="88900" cy="88900"/>
+          </a:xfrm>
+          <a:prstGeom prst="ellipse">
+            <a:avLst/>
+          </a:prstGeom>
+          <a:solidFill>
+            <a:schemeClr val="tx1"/>
+          </a:solidFill>
+          <a:ln w="9525">
+            <a:noFill/>
+            <a:miter lim="800000"/>
+            <a:headEnd/>
+            <a:tailEnd/>
+          </a:ln>
+          <a:effectLst/>
+        </p:spPr>
+        <p:txBody>
+          <a:bodyPr wrap="none" anchor="ctr"/>
+          <a:lstStyle/>
+          <a:p>
+            <a:endParaRPr lang="en-US"/>
+          </a:p>
+        </p:txBody>
+      </p:sp>
+      <p:sp>
+        <p:nvSpPr>
+          <p:cNvPr id="111627" name="Text Box 11"/>
+          <p:cNvSpPr txBox="1">
+            <a:spLocks noChangeArrowheads="1"/>
+          </p:cNvSpPr>
+          <p:nvPr/>
+        </p:nvSpPr>
+        <p:spPr bwMode="auto">
+          <a:xfrm>
+            <a:off x="4810125" y="3082925"/>
+            <a:ext cx="396875" cy="336550"/>
+          </a:xfrm>
+          <a:prstGeom prst="rect">
+            <a:avLst/>
+          </a:prstGeom>
+          <a:noFill/>
+          <a:ln w="9525">
+            <a:noFill/>
+            <a:miter lim="800000"/>
+            <a:headEnd/>
+            <a:tailEnd/>
+          </a:ln>
+          <a:effectLst/>
+        </p:spPr>
+        <p:txBody>
+          <a:bodyPr>
+            <a:spAutoFit/>
+          </a:bodyPr>
+          <a:lstStyle/>
+          <a:p>
+            <a:r>
+              <a:rPr lang="en-US"/>
+              <a:t>P</a:t>
+            </a:r>
+            <a:r>
+              <a:rPr lang="en-US" baseline="-25000"/>
+              <a:t>2</a:t>
+            </a:r>
+          </a:p>
+        </p:txBody>
+      </p:sp>
+      <p:sp>
+        <p:nvSpPr>
+          <p:cNvPr id="111628" name="Text Box 12"/>
+          <p:cNvSpPr txBox="1">
+            <a:spLocks noChangeArrowheads="1"/>
+          </p:cNvSpPr>
+          <p:nvPr/>
+        </p:nvSpPr>
+        <p:spPr bwMode="auto">
+          <a:xfrm>
+            <a:off x="3705225" y="4557713"/>
+            <a:ext cx="252413" cy="336550"/>
+          </a:xfrm>
+          <a:prstGeom prst="rect">
+            <a:avLst/>
+          </a:prstGeom>
+          <a:noFill/>
+          <a:ln w="9525">
+            <a:noFill/>
+            <a:miter lim="800000"/>
+            <a:headEnd/>
+            <a:tailEnd/>
+          </a:ln>
+          <a:effectLst/>
+        </p:spPr>
+        <p:txBody>
+          <a:bodyPr wrap="none">
+            <a:spAutoFit/>
+          </a:bodyPr>
+          <a:lstStyle/>
+          <a:p>
+            <a:r>
+              <a:rPr lang="en-US">
+                <a:latin typeface="Times New Roman" pitchFamily="18" charset="0"/>
+              </a:rPr>
+              <a:t>I</a:t>
+            </a:r>
+          </a:p>
+        </p:txBody>
+      </p:sp>
+      <p:sp>
+        <p:nvSpPr>
+          <p:cNvPr id="111629" name="Line 13"/>
+          <p:cNvSpPr>
+            <a:spLocks noChangeShapeType="1"/>
+          </p:cNvSpPr>
+          <p:nvPr/>
+        </p:nvSpPr>
+        <p:spPr bwMode="auto">
+          <a:xfrm>
+            <a:off x="3657600" y="4495800"/>
+            <a:ext cx="393700" cy="0"/>
+          </a:xfrm>
+          <a:prstGeom prst="line">
+            <a:avLst/>
+          </a:prstGeom>
+          <a:noFill/>
+          <a:ln w="9525">
+            <a:solidFill>
+              <a:schemeClr val="tx1"/>
+            </a:solidFill>
+            <a:miter lim="800000"/>
+            <a:headEnd/>
+            <a:tailEnd type="triangle" w="med" len="med"/>
+          </a:ln>
+          <a:effectLst/>
+        </p:spPr>
+        <p:txBody>
+          <a:bodyPr wrap="none"/>
+          <a:lstStyle/>
+          <a:p>
+            <a:endParaRPr lang="en-US"/>
+          </a:p>
+        </p:txBody>
+      </p:sp>
+      <p:sp>
+        <p:nvSpPr>
+          <p:cNvPr id="111638" name="Oval 22"/>
+          <p:cNvSpPr>
+            <a:spLocks noChangeArrowheads="1"/>
+          </p:cNvSpPr>
+          <p:nvPr/>
+        </p:nvSpPr>
+        <p:spPr bwMode="auto">
+          <a:xfrm>
+            <a:off x="3111500" y="3187700"/>
+            <a:ext cx="203200" cy="2184400"/>
+          </a:xfrm>
+          <a:prstGeom prst="ellipse">
+            <a:avLst/>
+          </a:prstGeom>
+          <a:noFill/>
+          <a:ln w="9525">
+            <a:solidFill>
+              <a:schemeClr val="tx1"/>
+            </a:solidFill>
+            <a:prstDash val="dash"/>
+            <a:miter lim="800000"/>
+            <a:headEnd/>
+            <a:tailEnd/>
+          </a:ln>
+          <a:effectLst/>
+        </p:spPr>
+        <p:txBody>
+          <a:bodyPr wrap="none" anchor="ctr"/>
+          <a:lstStyle/>
+          <a:p>
+            <a:endParaRPr lang="en-US"/>
+          </a:p>
+        </p:txBody>
+      </p:sp>
+    </p:spTree>
+  </p:cSld>
+  <p:clrMapOvr>
+    <a:masterClrMapping/>
+  </p:clrMapOvr>
+</p:sld>
+</file>
+
+<file path=ppt/slides/slide14.xml><?xml version="1.0" encoding="utf-8"?>
+<p:sld xmlns:a="http://schemas.openxmlformats.org/drawingml/2006/main" xmlns:r="http://schemas.openxmlformats.org/officeDocument/2006/relationships" xmlns:p="http://schemas.openxmlformats.org/presentationml/2006/main">
+  <p:cSld>
+    <p:spTree>
+      <p:nvGrpSpPr>
+        <p:cNvPr id="1" name=""/>
+        <p:cNvGrpSpPr/>
+        <p:nvPr/>
+      </p:nvGrpSpPr>
+      <p:grpSpPr>
+        <a:xfrm>
+          <a:off x="0" y="0"/>
+          <a:ext cx="0" cy="0"/>
+          <a:chOff x="0" y="0"/>
+          <a:chExt cx="0" cy="0"/>
+        </a:xfrm>
+      </p:grpSpPr>
+      <p:sp>
+        <p:nvSpPr>
+          <p:cNvPr id="22" name="Date Placeholder 3"/>
+          <p:cNvSpPr>
+            <a:spLocks noGrp="1"/>
+          </p:cNvSpPr>
+          <p:nvPr>
+            <p:ph type="dt" sz="half" idx="10"/>
+          </p:nvPr>
+        </p:nvSpPr>
+        <p:spPr/>
+        <p:txBody>
+          <a:bodyPr/>
+          <a:lstStyle/>
+          <a:p>
+            <a:r>
+              <a:rPr lang="en-US"/>
+              <a:t>Winter 2008</a:t>
+            </a:r>
+          </a:p>
+        </p:txBody>
+      </p:sp>
+      <p:sp>
+        <p:nvSpPr>
+          <p:cNvPr id="23" name="Footer Placeholder 4"/>
+          <p:cNvSpPr>
+            <a:spLocks noGrp="1"/>
+          </p:cNvSpPr>
+          <p:nvPr>
+            <p:ph type="ftr" sz="quarter" idx="11"/>
+          </p:nvPr>
+        </p:nvSpPr>
+        <p:spPr/>
+        <p:txBody>
+          <a:bodyPr/>
+          <a:lstStyle/>
+          <a:p>
+            <a:r>
+              <a:rPr lang="en-US"/>
+              <a:t>R. Todd Lines</a:t>
+            </a:r>
+          </a:p>
+        </p:txBody>
+      </p:sp>
+      <p:sp>
+        <p:nvSpPr>
+          <p:cNvPr id="112642" name="Rectangle 2"/>
+          <p:cNvSpPr>
+            <a:spLocks noGrp="1" noChangeArrowheads="1"/>
+          </p:cNvSpPr>
+          <p:nvPr>
+            <p:ph type="title"/>
+          </p:nvPr>
+        </p:nvSpPr>
+        <p:spPr/>
+        <p:txBody>
+          <a:bodyPr/>
+          <a:lstStyle/>
+          <a:p>
+            <a:r>
+              <a:rPr lang="en-US"/>
+              <a:t>Displacement Current</a:t>
+            </a:r>
+          </a:p>
+        </p:txBody>
+      </p:sp>
+      <p:sp>
+        <p:nvSpPr>
+          <p:cNvPr id="112644" name="Rectangle 4"/>
+          <p:cNvSpPr>
+            <a:spLocks noChangeArrowheads="1"/>
+          </p:cNvSpPr>
+          <p:nvPr/>
+        </p:nvSpPr>
+        <p:spPr bwMode="auto">
+          <a:xfrm>
+            <a:off x="4330700" y="3663950"/>
+            <a:ext cx="88900" cy="1193800"/>
+          </a:xfrm>
+          <a:prstGeom prst="rect">
+            <a:avLst/>
+          </a:prstGeom>
+          <a:solidFill>
+            <a:schemeClr val="tx1"/>
+          </a:solidFill>
+          <a:ln w="9525">
+            <a:noFill/>
+            <a:miter lim="800000"/>
+            <a:headEnd/>
+            <a:tailEnd/>
+          </a:ln>
+          <a:effectLst/>
+        </p:spPr>
+        <p:txBody>
+          <a:bodyPr wrap="none" anchor="ctr"/>
+          <a:lstStyle/>
+          <a:p>
+            <a:endParaRPr lang="en-US"/>
+          </a:p>
+        </p:txBody>
+      </p:sp>
+      <p:sp>
+        <p:nvSpPr>
+          <p:cNvPr id="112645" name="Rectangle 5"/>
+          <p:cNvSpPr>
+            <a:spLocks noChangeArrowheads="1"/>
+          </p:cNvSpPr>
+          <p:nvPr/>
+        </p:nvSpPr>
+        <p:spPr bwMode="auto">
+          <a:xfrm>
+            <a:off x="5194300" y="3663950"/>
+            <a:ext cx="88900" cy="1193800"/>
+          </a:xfrm>
+          <a:prstGeom prst="rect">
+            <a:avLst/>
+          </a:prstGeom>
+          <a:solidFill>
+            <a:schemeClr val="tx1"/>
+          </a:solidFill>
+          <a:ln w="9525">
+            <a:noFill/>
+            <a:miter lim="800000"/>
+            <a:headEnd/>
+            <a:tailEnd/>
+          </a:ln>
+          <a:effectLst/>
+        </p:spPr>
+        <p:txBody>
+          <a:bodyPr wrap="none" anchor="ctr"/>
+          <a:lstStyle/>
+          <a:p>
+            <a:endParaRPr lang="en-US"/>
+          </a:p>
+        </p:txBody>
+      </p:sp>
+      <p:sp>
+        <p:nvSpPr>
+          <p:cNvPr id="112646" name="Rectangle 6"/>
+          <p:cNvSpPr>
+            <a:spLocks noChangeArrowheads="1"/>
+          </p:cNvSpPr>
+          <p:nvPr/>
+        </p:nvSpPr>
+        <p:spPr bwMode="auto">
+          <a:xfrm rot="-5400000">
+            <a:off x="5867400" y="3613150"/>
+            <a:ext cx="88900" cy="1295400"/>
+          </a:xfrm>
+          <a:prstGeom prst="rect">
+            <a:avLst/>
+          </a:prstGeom>
+          <a:solidFill>
+            <a:schemeClr val="tx1"/>
+          </a:solidFill>
+          <a:ln w="9525">
+            <a:noFill/>
+            <a:miter lim="800000"/>
+            <a:headEnd/>
+            <a:tailEnd/>
+          </a:ln>
+          <a:effectLst/>
+        </p:spPr>
+        <p:txBody>
+          <a:bodyPr wrap="none" anchor="ctr"/>
+          <a:lstStyle/>
+          <a:p>
+            <a:endParaRPr lang="en-US"/>
+          </a:p>
+        </p:txBody>
+      </p:sp>
+      <p:sp>
+        <p:nvSpPr>
+          <p:cNvPr id="112647" name="Rectangle 7"/>
+          <p:cNvSpPr>
+            <a:spLocks noChangeArrowheads="1"/>
+          </p:cNvSpPr>
+          <p:nvPr/>
+        </p:nvSpPr>
+        <p:spPr bwMode="auto">
+          <a:xfrm rot="-5400000">
+            <a:off x="3587750" y="3530600"/>
+            <a:ext cx="88900" cy="1460500"/>
+          </a:xfrm>
+          <a:prstGeom prst="rect">
+            <a:avLst/>
+          </a:prstGeom>
+          <a:solidFill>
+            <a:schemeClr val="tx1"/>
+          </a:solidFill>
+          <a:ln w="9525">
+            <a:noFill/>
+            <a:miter lim="800000"/>
+            <a:headEnd/>
+            <a:tailEnd/>
+          </a:ln>
+          <a:effectLst/>
+        </p:spPr>
+        <p:txBody>
+          <a:bodyPr wrap="none" anchor="ctr"/>
+          <a:lstStyle/>
+          <a:p>
+            <a:endParaRPr lang="en-US"/>
+          </a:p>
+        </p:txBody>
+      </p:sp>
+      <p:sp>
+        <p:nvSpPr>
+          <p:cNvPr id="112648" name="Oval 8"/>
+          <p:cNvSpPr>
+            <a:spLocks noChangeArrowheads="1"/>
+          </p:cNvSpPr>
+          <p:nvPr/>
+        </p:nvSpPr>
+        <p:spPr bwMode="auto">
+          <a:xfrm>
+            <a:off x="3187700" y="3206750"/>
+            <a:ext cx="88900" cy="88900"/>
+          </a:xfrm>
+          <a:prstGeom prst="ellipse">
+            <a:avLst/>
+          </a:prstGeom>
+          <a:solidFill>
+            <a:schemeClr val="tx1"/>
+          </a:solidFill>
+          <a:ln w="9525">
+            <a:noFill/>
+            <a:miter lim="800000"/>
+            <a:headEnd/>
+            <a:tailEnd/>
+          </a:ln>
+          <a:effectLst/>
+        </p:spPr>
+        <p:txBody>
+          <a:bodyPr wrap="none" anchor="ctr"/>
+          <a:lstStyle/>
+          <a:p>
+            <a:endParaRPr lang="en-US"/>
+          </a:p>
+        </p:txBody>
+      </p:sp>
+      <p:sp>
+        <p:nvSpPr>
+          <p:cNvPr id="112649" name="Text Box 9"/>
+          <p:cNvSpPr txBox="1">
+            <a:spLocks noChangeArrowheads="1"/>
+          </p:cNvSpPr>
+          <p:nvPr/>
+        </p:nvSpPr>
+        <p:spPr bwMode="auto">
+          <a:xfrm>
+            <a:off x="3298825" y="3082925"/>
+            <a:ext cx="396875" cy="336550"/>
+          </a:xfrm>
+          <a:prstGeom prst="rect">
+            <a:avLst/>
+          </a:prstGeom>
+          <a:noFill/>
+          <a:ln w="9525">
+            <a:noFill/>
+            <a:miter lim="800000"/>
+            <a:headEnd/>
+            <a:tailEnd/>
+          </a:ln>
+          <a:effectLst/>
+        </p:spPr>
+        <p:txBody>
+          <a:bodyPr>
+            <a:spAutoFit/>
+          </a:bodyPr>
+          <a:lstStyle/>
+          <a:p>
+            <a:r>
+              <a:rPr lang="en-US"/>
+              <a:t>P</a:t>
+            </a:r>
+            <a:r>
+              <a:rPr lang="en-US" baseline="-25000"/>
+              <a:t>1</a:t>
+            </a:r>
+          </a:p>
+        </p:txBody>
+      </p:sp>
+      <p:sp>
+        <p:nvSpPr>
+          <p:cNvPr id="112650" name="Oval 10"/>
+          <p:cNvSpPr>
+            <a:spLocks noChangeArrowheads="1"/>
+          </p:cNvSpPr>
+          <p:nvPr/>
+        </p:nvSpPr>
+        <p:spPr bwMode="auto">
+          <a:xfrm>
+            <a:off x="4699000" y="3206750"/>
+            <a:ext cx="88900" cy="88900"/>
+          </a:xfrm>
+          <a:prstGeom prst="ellipse">
+            <a:avLst/>
+          </a:prstGeom>
+          <a:solidFill>
+            <a:schemeClr val="tx1"/>
+          </a:solidFill>
+          <a:ln w="9525">
+            <a:noFill/>
+            <a:miter lim="800000"/>
+            <a:headEnd/>
+            <a:tailEnd/>
+          </a:ln>
+          <a:effectLst/>
+        </p:spPr>
+        <p:txBody>
+          <a:bodyPr wrap="none" anchor="ctr"/>
+          <a:lstStyle/>
+          <a:p>
+            <a:endParaRPr lang="en-US"/>
+          </a:p>
+        </p:txBody>
+      </p:sp>
+      <p:sp>
+        <p:nvSpPr>
+          <p:cNvPr id="112651" name="Text Box 11"/>
+          <p:cNvSpPr txBox="1">
+            <a:spLocks noChangeArrowheads="1"/>
+          </p:cNvSpPr>
+          <p:nvPr/>
+        </p:nvSpPr>
+        <p:spPr bwMode="auto">
+          <a:xfrm>
+            <a:off x="4810125" y="3082925"/>
+            <a:ext cx="396875" cy="336550"/>
+          </a:xfrm>
+          <a:prstGeom prst="rect">
+            <a:avLst/>
+          </a:prstGeom>
+          <a:noFill/>
+          <a:ln w="9525">
+            <a:noFill/>
+            <a:miter lim="800000"/>
+            <a:headEnd/>
+            <a:tailEnd/>
+          </a:ln>
+          <a:effectLst/>
+        </p:spPr>
+        <p:txBody>
+          <a:bodyPr>
+            <a:spAutoFit/>
+          </a:bodyPr>
+          <a:lstStyle/>
+          <a:p>
+            <a:r>
+              <a:rPr lang="en-US"/>
+              <a:t>P</a:t>
+            </a:r>
+            <a:r>
+              <a:rPr lang="en-US" baseline="-25000"/>
+              <a:t>2</a:t>
+            </a:r>
+          </a:p>
+        </p:txBody>
+      </p:sp>
+      <p:sp>
+        <p:nvSpPr>
+          <p:cNvPr id="112652" name="Text Box 12"/>
+          <p:cNvSpPr txBox="1">
+            <a:spLocks noChangeArrowheads="1"/>
+          </p:cNvSpPr>
+          <p:nvPr/>
+        </p:nvSpPr>
+        <p:spPr bwMode="auto">
+          <a:xfrm>
+            <a:off x="3705225" y="4557713"/>
+            <a:ext cx="252413" cy="336550"/>
+          </a:xfrm>
+          <a:prstGeom prst="rect">
+            <a:avLst/>
+          </a:prstGeom>
+          <a:noFill/>
+          <a:ln w="9525">
+            <a:noFill/>
+            <a:miter lim="800000"/>
+            <a:headEnd/>
+            <a:tailEnd/>
+          </a:ln>
+          <a:effectLst/>
+        </p:spPr>
+        <p:txBody>
+          <a:bodyPr wrap="none">
+            <a:spAutoFit/>
+          </a:bodyPr>
+          <a:lstStyle/>
+          <a:p>
+            <a:r>
+              <a:rPr lang="en-US">
+                <a:latin typeface="Times New Roman" pitchFamily="18" charset="0"/>
+              </a:rPr>
+              <a:t>I</a:t>
+            </a:r>
+          </a:p>
+        </p:txBody>
+      </p:sp>
+      <p:sp>
+        <p:nvSpPr>
+          <p:cNvPr id="112653" name="Line 13"/>
+          <p:cNvSpPr>
+            <a:spLocks noChangeShapeType="1"/>
+          </p:cNvSpPr>
+          <p:nvPr/>
+        </p:nvSpPr>
+        <p:spPr bwMode="auto">
+          <a:xfrm>
+            <a:off x="3657600" y="4495800"/>
+            <a:ext cx="393700" cy="0"/>
+          </a:xfrm>
+          <a:prstGeom prst="line">
+            <a:avLst/>
+          </a:prstGeom>
+          <a:noFill/>
+          <a:ln w="9525">
+            <a:solidFill>
+              <a:schemeClr val="tx1"/>
+            </a:solidFill>
+            <a:miter lim="800000"/>
+            <a:headEnd/>
+            <a:tailEnd type="triangle" w="med" len="med"/>
+          </a:ln>
+          <a:effectLst/>
+        </p:spPr>
+        <p:txBody>
+          <a:bodyPr wrap="none"/>
+          <a:lstStyle/>
+          <a:p>
+            <a:endParaRPr lang="en-US"/>
+          </a:p>
+        </p:txBody>
+      </p:sp>
+      <p:sp>
+        <p:nvSpPr>
+          <p:cNvPr id="112654" name="Line 14"/>
+          <p:cNvSpPr>
+            <a:spLocks noChangeShapeType="1"/>
+          </p:cNvSpPr>
+          <p:nvPr/>
+        </p:nvSpPr>
+        <p:spPr bwMode="auto">
+          <a:xfrm>
+            <a:off x="4419600" y="3810000"/>
+            <a:ext cx="749300" cy="0"/>
+          </a:xfrm>
+          <a:prstGeom prst="line">
+            <a:avLst/>
+          </a:prstGeom>
+          <a:noFill/>
+          <a:ln w="9525">
+            <a:solidFill>
+              <a:srgbClr val="FF0000"/>
+            </a:solidFill>
+            <a:miter lim="800000"/>
+            <a:headEnd/>
+            <a:tailEnd type="triangle" w="med" len="med"/>
+          </a:ln>
+          <a:effectLst/>
+        </p:spPr>
+        <p:txBody>
+          <a:bodyPr wrap="none"/>
+          <a:lstStyle/>
+          <a:p>
+            <a:endParaRPr lang="en-US"/>
+          </a:p>
+        </p:txBody>
+      </p:sp>
+      <p:sp>
+        <p:nvSpPr>
+          <p:cNvPr id="112655" name="Line 15"/>
+          <p:cNvSpPr>
+            <a:spLocks noChangeShapeType="1"/>
+          </p:cNvSpPr>
+          <p:nvPr/>
+        </p:nvSpPr>
+        <p:spPr bwMode="auto">
+          <a:xfrm>
+            <a:off x="4419600" y="3962400"/>
+            <a:ext cx="749300" cy="0"/>
+          </a:xfrm>
+          <a:prstGeom prst="line">
+            <a:avLst/>
+          </a:prstGeom>
+          <a:noFill/>
+          <a:ln w="9525">
+            <a:solidFill>
+              <a:srgbClr val="FF0000"/>
+            </a:solidFill>
+            <a:miter lim="800000"/>
+            <a:headEnd/>
+            <a:tailEnd type="triangle" w="med" len="med"/>
+          </a:ln>
+          <a:effectLst/>
+        </p:spPr>
+        <p:txBody>
+          <a:bodyPr wrap="none"/>
+          <a:lstStyle/>
+          <a:p>
+            <a:endParaRPr lang="en-US"/>
+          </a:p>
+        </p:txBody>
+      </p:sp>
+      <p:sp>
+        <p:nvSpPr>
+          <p:cNvPr id="112656" name="Line 16"/>
+          <p:cNvSpPr>
+            <a:spLocks noChangeShapeType="1"/>
+          </p:cNvSpPr>
+          <p:nvPr/>
+        </p:nvSpPr>
+        <p:spPr bwMode="auto">
+          <a:xfrm>
+            <a:off x="4419600" y="4114800"/>
+            <a:ext cx="749300" cy="0"/>
+          </a:xfrm>
+          <a:prstGeom prst="line">
+            <a:avLst/>
+          </a:prstGeom>
+          <a:noFill/>
+          <a:ln w="9525">
+            <a:solidFill>
+              <a:srgbClr val="FF0000"/>
+            </a:solidFill>
+            <a:miter lim="800000"/>
+            <a:headEnd/>
+            <a:tailEnd type="triangle" w="med" len="med"/>
+          </a:ln>
+          <a:effectLst/>
+        </p:spPr>
+        <p:txBody>
+          <a:bodyPr wrap="none"/>
+          <a:lstStyle/>
+          <a:p>
+            <a:endParaRPr lang="en-US"/>
+          </a:p>
+        </p:txBody>
+      </p:sp>
+      <p:sp>
+        <p:nvSpPr>
+          <p:cNvPr id="112657" name="Line 17"/>
+          <p:cNvSpPr>
+            <a:spLocks noChangeShapeType="1"/>
+          </p:cNvSpPr>
+          <p:nvPr/>
+        </p:nvSpPr>
+        <p:spPr bwMode="auto">
+          <a:xfrm>
+            <a:off x="4419600" y="4267200"/>
+            <a:ext cx="749300" cy="0"/>
+          </a:xfrm>
+          <a:prstGeom prst="line">
+            <a:avLst/>
+          </a:prstGeom>
+          <a:noFill/>
+          <a:ln w="9525">
+            <a:solidFill>
+              <a:srgbClr val="FF0000"/>
+            </a:solidFill>
+            <a:miter lim="800000"/>
+            <a:headEnd/>
+            <a:tailEnd type="triangle" w="med" len="med"/>
+          </a:ln>
+          <a:effectLst/>
+        </p:spPr>
+        <p:txBody>
+          <a:bodyPr wrap="none"/>
+          <a:lstStyle/>
+          <a:p>
+            <a:endParaRPr lang="en-US"/>
+          </a:p>
+        </p:txBody>
+      </p:sp>
+      <p:sp>
+        <p:nvSpPr>
+          <p:cNvPr id="112658" name="Line 18"/>
+          <p:cNvSpPr>
+            <a:spLocks noChangeShapeType="1"/>
+          </p:cNvSpPr>
+          <p:nvPr/>
+        </p:nvSpPr>
+        <p:spPr bwMode="auto">
+          <a:xfrm>
+            <a:off x="4419600" y="4419600"/>
+            <a:ext cx="749300" cy="0"/>
+          </a:xfrm>
+          <a:prstGeom prst="line">
+            <a:avLst/>
+          </a:prstGeom>
+          <a:noFill/>
+          <a:ln w="9525">
+            <a:solidFill>
+              <a:srgbClr val="FF0000"/>
+            </a:solidFill>
+            <a:miter lim="800000"/>
+            <a:headEnd/>
+            <a:tailEnd type="triangle" w="med" len="med"/>
+          </a:ln>
+          <a:effectLst/>
+        </p:spPr>
+        <p:txBody>
+          <a:bodyPr wrap="none"/>
+          <a:lstStyle/>
+          <a:p>
+            <a:endParaRPr lang="en-US"/>
+          </a:p>
+        </p:txBody>
+      </p:sp>
+      <p:sp>
+        <p:nvSpPr>
+          <p:cNvPr id="112659" name="Line 19"/>
+          <p:cNvSpPr>
+            <a:spLocks noChangeShapeType="1"/>
+          </p:cNvSpPr>
+          <p:nvPr/>
+        </p:nvSpPr>
+        <p:spPr bwMode="auto">
+          <a:xfrm>
+            <a:off x="4419600" y="4572000"/>
+            <a:ext cx="749300" cy="0"/>
+          </a:xfrm>
+          <a:prstGeom prst="line">
+            <a:avLst/>
+          </a:prstGeom>
+          <a:noFill/>
+          <a:ln w="9525">
+            <a:solidFill>
+              <a:srgbClr val="FF0000"/>
+            </a:solidFill>
+            <a:miter lim="800000"/>
+            <a:headEnd/>
+            <a:tailEnd type="triangle" w="med" len="med"/>
+          </a:ln>
+          <a:effectLst/>
+        </p:spPr>
+        <p:txBody>
+          <a:bodyPr wrap="none"/>
+          <a:lstStyle/>
+          <a:p>
+            <a:endParaRPr lang="en-US"/>
+          </a:p>
+        </p:txBody>
+      </p:sp>
+      <p:sp>
+        <p:nvSpPr>
+          <p:cNvPr id="112660" name="Line 20"/>
+          <p:cNvSpPr>
+            <a:spLocks noChangeShapeType="1"/>
+          </p:cNvSpPr>
+          <p:nvPr/>
+        </p:nvSpPr>
+        <p:spPr bwMode="auto">
+          <a:xfrm>
+            <a:off x="4419600" y="4724400"/>
+            <a:ext cx="749300" cy="0"/>
+          </a:xfrm>
+          <a:prstGeom prst="line">
+            <a:avLst/>
+          </a:prstGeom>
+          <a:noFill/>
+          <a:ln w="9525">
+            <a:solidFill>
+              <a:srgbClr val="FF0000"/>
+            </a:solidFill>
+            <a:miter lim="800000"/>
+            <a:headEnd/>
+            <a:tailEnd type="triangle" w="med" len="med"/>
+          </a:ln>
+          <a:effectLst/>
+        </p:spPr>
+        <p:txBody>
+          <a:bodyPr wrap="none"/>
+          <a:lstStyle/>
+          <a:p>
+            <a:endParaRPr lang="en-US"/>
+          </a:p>
+        </p:txBody>
+      </p:sp>
+      <p:sp>
+        <p:nvSpPr>
+          <p:cNvPr id="112661" name="Text Box 21"/>
+          <p:cNvSpPr txBox="1">
+            <a:spLocks noChangeArrowheads="1"/>
+          </p:cNvSpPr>
+          <p:nvPr/>
+        </p:nvSpPr>
+        <p:spPr bwMode="auto">
+          <a:xfrm>
+            <a:off x="4886325" y="4962525"/>
+            <a:ext cx="319088" cy="336550"/>
+          </a:xfrm>
+          <a:prstGeom prst="rect">
+            <a:avLst/>
+          </a:prstGeom>
+          <a:noFill/>
+          <a:ln w="9525">
+            <a:noFill/>
+            <a:miter lim="800000"/>
+            <a:headEnd/>
+            <a:tailEnd/>
+          </a:ln>
+          <a:effectLst/>
+        </p:spPr>
+        <p:txBody>
+          <a:bodyPr wrap="none">
+            <a:spAutoFit/>
+          </a:bodyPr>
+          <a:lstStyle/>
+          <a:p>
+            <a:r>
+              <a:rPr lang="en-US">
+                <a:solidFill>
+                  <a:srgbClr val="FF0000"/>
+                </a:solidFill>
+              </a:rPr>
+              <a:t>E</a:t>
+            </a:r>
+          </a:p>
+        </p:txBody>
+      </p:sp>
+      <p:sp>
+        <p:nvSpPr>
+          <p:cNvPr id="112662" name="Oval 22"/>
+          <p:cNvSpPr>
+            <a:spLocks noChangeArrowheads="1"/>
+          </p:cNvSpPr>
+          <p:nvPr/>
+        </p:nvSpPr>
+        <p:spPr bwMode="auto">
+          <a:xfrm>
+            <a:off x="4622800" y="3225800"/>
+            <a:ext cx="203200" cy="2184400"/>
+          </a:xfrm>
+          <a:prstGeom prst="ellipse">
+            <a:avLst/>
+          </a:prstGeom>
+          <a:noFill/>
+          <a:ln w="9525">
+            <a:solidFill>
+              <a:schemeClr val="tx1"/>
+            </a:solidFill>
+            <a:prstDash val="dash"/>
+            <a:miter lim="800000"/>
+            <a:headEnd/>
+            <a:tailEnd/>
+          </a:ln>
+          <a:effectLst/>
+        </p:spPr>
+        <p:txBody>
+          <a:bodyPr wrap="none" anchor="ctr"/>
+          <a:lstStyle/>
+          <a:p>
+            <a:endParaRPr lang="en-US"/>
+          </a:p>
+        </p:txBody>
+      </p:sp>
+    </p:spTree>
+  </p:cSld>
+  <p:clrMapOvr>
+    <a:masterClrMapping/>
+  </p:clrMapOvr>
+</p:sld>
+</file>
+
+<file path=ppt/slides/slide15.xml><?xml version="1.0" encoding="utf-8"?>
 <p:sld xmlns:a="http://schemas.openxmlformats.org/drawingml/2006/main" xmlns:r="http://schemas.openxmlformats.org/officeDocument/2006/relationships" xmlns:p="http://schemas.openxmlformats.org/presentationml/2006/main">
   <p:cSld>
     <p:spTree>
@@ -5220,7 +8361,7 @@
 </p:sld>
 </file>
 
-<file path=ppt/slides/slide12.xml><?xml version="1.0" encoding="utf-8"?>
+<file path=ppt/slides/slide16.xml><?xml version="1.0" encoding="utf-8"?>
 <p:sld xmlns:a="http://schemas.openxmlformats.org/drawingml/2006/main" xmlns:r="http://schemas.openxmlformats.org/officeDocument/2006/relationships" xmlns:p="http://schemas.openxmlformats.org/presentationml/2006/main">
   <p:cSld>
     <p:spTree>
@@ -5291,23 +8432,23 @@
           <a:graphicData uri="http://schemas.openxmlformats.org/presentationml/2006/ole">
             <mc:AlternateContent xmlns:mc="http://schemas.openxmlformats.org/markup-compatibility/2006">
               <mc:Choice xmlns:v="urn:schemas-microsoft-com:vml" Requires="v">
-                <p:oleObj spid="_x0000_s1031" name="Equation" r:id="rId3" imgW="3543300" imgH="1041400" progId="Equation.3">
+                <p:oleObj name="Equation" r:id="rId2" imgW="3543300" imgH="1041400" progId="Equation.3">
                   <p:embed/>
                 </p:oleObj>
               </mc:Choice>
               <mc:Fallback>
-                <p:oleObj name="Equation" r:id="rId3" imgW="3543300" imgH="1041400" progId="Equation.3">
+                <p:oleObj name="Equation" r:id="rId2" imgW="3543300" imgH="1041400" progId="Equation.3">
                   <p:embed/>
                   <p:pic>
                     <p:nvPicPr>
-                      <p:cNvPr id="0" name="Picture 1"/>
+                      <p:cNvPr id="1025" name="Object 1"/>
                       <p:cNvPicPr>
                         <a:picLocks noChangeAspect="1" noChangeArrowheads="1"/>
                       </p:cNvPicPr>
                       <p:nvPr/>
                     </p:nvPicPr>
                     <p:blipFill>
-                      <a:blip r:embed="rId4">
+                      <a:blip r:embed="rId3">
                         <a:extLst>
                           <a:ext uri="{28A0092B-C50C-407E-A947-70E740481C1C}">
                             <a14:useLocalDpi xmlns:a14="http://schemas.microsoft.com/office/drawing/2010/main" val="0"/>
@@ -5353,7 +8494,7 @@
 </p:sld>
 </file>
 
-<file path=ppt/slides/slide13.xml><?xml version="1.0" encoding="utf-8"?>
+<file path=ppt/slides/slide17.xml><?xml version="1.0" encoding="utf-8"?>
 <p:sld xmlns:a="http://schemas.openxmlformats.org/drawingml/2006/main" xmlns:r="http://schemas.openxmlformats.org/officeDocument/2006/relationships" xmlns:p="http://schemas.openxmlformats.org/presentationml/2006/main">
   <p:cSld>
     <p:spTree>
@@ -5424,23 +8565,23 @@
           <a:graphicData uri="http://schemas.openxmlformats.org/presentationml/2006/ole">
             <mc:AlternateContent xmlns:mc="http://schemas.openxmlformats.org/markup-compatibility/2006">
               <mc:Choice xmlns:v="urn:schemas-microsoft-com:vml" Requires="v">
-                <p:oleObj spid="_x0000_s24583" name="Equation" r:id="rId3" imgW="3683000" imgH="1041400" progId="Equation.3">
+                <p:oleObj name="Equation" r:id="rId2" imgW="3683000" imgH="1041400" progId="Equation.3">
                   <p:embed/>
                 </p:oleObj>
               </mc:Choice>
               <mc:Fallback>
-                <p:oleObj name="Equation" r:id="rId3" imgW="3683000" imgH="1041400" progId="Equation.3">
+                <p:oleObj name="Equation" r:id="rId2" imgW="3683000" imgH="1041400" progId="Equation.3">
                   <p:embed/>
                   <p:pic>
                     <p:nvPicPr>
-                      <p:cNvPr id="0" name="Picture 1"/>
+                      <p:cNvPr id="24577" name="Object 1"/>
                       <p:cNvPicPr>
                         <a:picLocks noChangeAspect="1" noChangeArrowheads="1"/>
                       </p:cNvPicPr>
                       <p:nvPr/>
                     </p:nvPicPr>
                     <p:blipFill>
-                      <a:blip r:embed="rId4">
+                      <a:blip r:embed="rId3">
                         <a:extLst>
                           <a:ext uri="{28A0092B-C50C-407E-A947-70E740481C1C}">
                             <a14:useLocalDpi xmlns:a14="http://schemas.microsoft.com/office/drawing/2010/main" val="0"/>
@@ -5486,7 +8627,7 @@
 </p:sld>
 </file>
 
-<file path=ppt/slides/slide14.xml><?xml version="1.0" encoding="utf-8"?>
+<file path=ppt/slides/slide18.xml><?xml version="1.0" encoding="utf-8"?>
 <p:sld xmlns:a="http://schemas.openxmlformats.org/drawingml/2006/main" xmlns:r="http://schemas.openxmlformats.org/officeDocument/2006/relationships" xmlns:p="http://schemas.openxmlformats.org/presentationml/2006/main">
   <p:cSld>
     <p:spTree>
@@ -5557,23 +8698,23 @@
           <a:graphicData uri="http://schemas.openxmlformats.org/presentationml/2006/ole">
             <mc:AlternateContent xmlns:mc="http://schemas.openxmlformats.org/markup-compatibility/2006">
               <mc:Choice xmlns:v="urn:schemas-microsoft-com:vml" Requires="v">
-                <p:oleObj spid="_x0000_s25607" name="Equation" r:id="rId3" imgW="3073320" imgH="965160" progId="Equation.3">
+                <p:oleObj name="Equation" r:id="rId2" imgW="3073320" imgH="965160" progId="Equation.3">
                   <p:embed/>
                 </p:oleObj>
               </mc:Choice>
               <mc:Fallback>
-                <p:oleObj name="Equation" r:id="rId3" imgW="3073320" imgH="965160" progId="Equation.3">
+                <p:oleObj name="Equation" r:id="rId2" imgW="3073320" imgH="965160" progId="Equation.3">
                   <p:embed/>
                   <p:pic>
                     <p:nvPicPr>
-                      <p:cNvPr id="0" name="Picture 1"/>
+                      <p:cNvPr id="25601" name="Object 1"/>
                       <p:cNvPicPr>
                         <a:picLocks noChangeAspect="1" noChangeArrowheads="1"/>
                       </p:cNvPicPr>
                       <p:nvPr/>
                     </p:nvPicPr>
                     <p:blipFill>
-                      <a:blip r:embed="rId4">
+                      <a:blip r:embed="rId3">
                         <a:extLst>
                           <a:ext uri="{28A0092B-C50C-407E-A947-70E740481C1C}">
                             <a14:useLocalDpi xmlns:a14="http://schemas.microsoft.com/office/drawing/2010/main" val="0"/>
@@ -5619,7 +8760,7 @@
 </p:sld>
 </file>
 
-<file path=ppt/slides/slide15.xml><?xml version="1.0" encoding="utf-8"?>
+<file path=ppt/slides/slide19.xml><?xml version="1.0" encoding="utf-8"?>
 <p:sld xmlns:a="http://schemas.openxmlformats.org/drawingml/2006/main" xmlns:r="http://schemas.openxmlformats.org/officeDocument/2006/relationships" xmlns:p="http://schemas.openxmlformats.org/presentationml/2006/main">
   <p:cSld>
     <p:spTree>
@@ -5696,10 +8837,9 @@
           <a:lstStyle/>
           <a:p>
             <a:r>
-              <a:rPr lang="en-US" dirty="0" smtClean="0"/>
+              <a:rPr lang="en-US" dirty="0"/>
               <a:t>For lecture problems</a:t>
             </a:r>
-            <a:endParaRPr lang="en-US" dirty="0"/>
           </a:p>
         </p:txBody>
       </p:sp>
@@ -6535,14 +9675,13 @@
           <a:lstStyle/>
           <a:p>
             <a:r>
-              <a:rPr lang="en-US" dirty="0" smtClean="0"/>
+              <a:rPr lang="en-US" dirty="0"/>
               <a:t>S</a:t>
             </a:r>
             <a:r>
-              <a:rPr lang="en-US" baseline="-25000" dirty="0" smtClean="0"/>
+              <a:rPr lang="en-US" baseline="-25000" dirty="0"/>
               <a:t>2</a:t>
             </a:r>
-            <a:endParaRPr lang="en-US" baseline="-25000" dirty="0"/>
           </a:p>
         </p:txBody>
       </p:sp>
@@ -6559,7 +9698,470 @@
 </p:sld>
 </file>
 
-<file path=ppt/slides/slide16.xml><?xml version="1.0" encoding="utf-8"?>
+<file path=ppt/slides/slide2.xml><?xml version="1.0" encoding="utf-8"?>
+<p:sld xmlns:a="http://schemas.openxmlformats.org/drawingml/2006/main" xmlns:r="http://schemas.openxmlformats.org/officeDocument/2006/relationships" xmlns:p="http://schemas.openxmlformats.org/presentationml/2006/main">
+  <p:cSld>
+    <p:spTree>
+      <p:nvGrpSpPr>
+        <p:cNvPr id="1" name=""/>
+        <p:cNvGrpSpPr/>
+        <p:nvPr/>
+      </p:nvGrpSpPr>
+      <p:grpSpPr>
+        <a:xfrm>
+          <a:off x="0" y="0"/>
+          <a:ext cx="0" cy="0"/>
+          <a:chOff x="0" y="0"/>
+          <a:chExt cx="0" cy="0"/>
+        </a:xfrm>
+      </p:grpSpPr>
+      <p:sp>
+        <p:nvSpPr>
+          <p:cNvPr id="4" name="Rectangle 3"/>
+          <p:cNvSpPr/>
+          <p:nvPr/>
+        </p:nvSpPr>
+        <p:spPr>
+          <a:xfrm>
+            <a:off x="2087880" y="3322320"/>
+            <a:ext cx="1021080" cy="76200"/>
+          </a:xfrm>
+          <a:prstGeom prst="rect">
+            <a:avLst/>
+          </a:prstGeom>
+          <a:solidFill>
+            <a:schemeClr val="tx1"/>
+          </a:solidFill>
+          <a:ln>
+            <a:noFill/>
+          </a:ln>
+        </p:spPr>
+        <p:style>
+          <a:lnRef idx="2">
+            <a:schemeClr val="accent1">
+              <a:shade val="50000"/>
+            </a:schemeClr>
+          </a:lnRef>
+          <a:fillRef idx="1">
+            <a:schemeClr val="accent1"/>
+          </a:fillRef>
+          <a:effectRef idx="0">
+            <a:schemeClr val="accent1"/>
+          </a:effectRef>
+          <a:fontRef idx="minor">
+            <a:schemeClr val="lt1"/>
+          </a:fontRef>
+        </p:style>
+        <p:txBody>
+          <a:bodyPr rtlCol="0" anchor="ctr"/>
+          <a:lstStyle/>
+          <a:p>
+            <a:pPr algn="ctr"/>
+            <a:endParaRPr lang="en-US"/>
+          </a:p>
+        </p:txBody>
+      </p:sp>
+      <p:sp>
+        <p:nvSpPr>
+          <p:cNvPr id="5" name="Rectangle 4"/>
+          <p:cNvSpPr/>
+          <p:nvPr/>
+        </p:nvSpPr>
+        <p:spPr>
+          <a:xfrm>
+            <a:off x="2324100" y="3474720"/>
+            <a:ext cx="548640" cy="137160"/>
+          </a:xfrm>
+          <a:prstGeom prst="rect">
+            <a:avLst/>
+          </a:prstGeom>
+          <a:solidFill>
+            <a:schemeClr val="tx1"/>
+          </a:solidFill>
+          <a:ln>
+            <a:noFill/>
+          </a:ln>
+        </p:spPr>
+        <p:style>
+          <a:lnRef idx="2">
+            <a:schemeClr val="accent1">
+              <a:shade val="50000"/>
+            </a:schemeClr>
+          </a:lnRef>
+          <a:fillRef idx="1">
+            <a:schemeClr val="accent1"/>
+          </a:fillRef>
+          <a:effectRef idx="0">
+            <a:schemeClr val="accent1"/>
+          </a:effectRef>
+          <a:fontRef idx="minor">
+            <a:schemeClr val="lt1"/>
+          </a:fontRef>
+        </p:style>
+        <p:txBody>
+          <a:bodyPr rtlCol="0" anchor="ctr"/>
+          <a:lstStyle/>
+          <a:p>
+            <a:pPr algn="ctr"/>
+            <a:endParaRPr lang="en-US"/>
+          </a:p>
+        </p:txBody>
+      </p:sp>
+      <p:sp>
+        <p:nvSpPr>
+          <p:cNvPr id="6" name="Oval 5"/>
+          <p:cNvSpPr/>
+          <p:nvPr/>
+        </p:nvSpPr>
+        <p:spPr>
+          <a:xfrm>
+            <a:off x="3992880" y="4206240"/>
+            <a:ext cx="182880" cy="167640"/>
+          </a:xfrm>
+          <a:prstGeom prst="ellipse">
+            <a:avLst/>
+          </a:prstGeom>
+          <a:solidFill>
+            <a:schemeClr val="tx1"/>
+          </a:solidFill>
+          <a:ln>
+            <a:noFill/>
+          </a:ln>
+        </p:spPr>
+        <p:style>
+          <a:lnRef idx="2">
+            <a:schemeClr val="accent1">
+              <a:shade val="50000"/>
+            </a:schemeClr>
+          </a:lnRef>
+          <a:fillRef idx="1">
+            <a:schemeClr val="accent1"/>
+          </a:fillRef>
+          <a:effectRef idx="0">
+            <a:schemeClr val="accent1"/>
+          </a:effectRef>
+          <a:fontRef idx="minor">
+            <a:schemeClr val="lt1"/>
+          </a:fontRef>
+        </p:style>
+        <p:txBody>
+          <a:bodyPr rtlCol="0" anchor="ctr"/>
+          <a:lstStyle/>
+          <a:p>
+            <a:pPr algn="ctr"/>
+            <a:endParaRPr lang="en-US"/>
+          </a:p>
+        </p:txBody>
+      </p:sp>
+      <p:sp>
+        <p:nvSpPr>
+          <p:cNvPr id="7" name="Oval 6"/>
+          <p:cNvSpPr/>
+          <p:nvPr/>
+        </p:nvSpPr>
+        <p:spPr>
+          <a:xfrm>
+            <a:off x="5334000" y="4206240"/>
+            <a:ext cx="182880" cy="167640"/>
+          </a:xfrm>
+          <a:prstGeom prst="ellipse">
+            <a:avLst/>
+          </a:prstGeom>
+          <a:solidFill>
+            <a:schemeClr val="tx1"/>
+          </a:solidFill>
+          <a:ln>
+            <a:noFill/>
+          </a:ln>
+        </p:spPr>
+        <p:style>
+          <a:lnRef idx="2">
+            <a:schemeClr val="accent1">
+              <a:shade val="50000"/>
+            </a:schemeClr>
+          </a:lnRef>
+          <a:fillRef idx="1">
+            <a:schemeClr val="accent1"/>
+          </a:fillRef>
+          <a:effectRef idx="0">
+            <a:schemeClr val="accent1"/>
+          </a:effectRef>
+          <a:fontRef idx="minor">
+            <a:schemeClr val="lt1"/>
+          </a:fontRef>
+        </p:style>
+        <p:txBody>
+          <a:bodyPr rtlCol="0" anchor="ctr"/>
+          <a:lstStyle/>
+          <a:p>
+            <a:pPr algn="ctr"/>
+            <a:endParaRPr lang="en-US"/>
+          </a:p>
+        </p:txBody>
+      </p:sp>
+      <p:sp>
+        <p:nvSpPr>
+          <p:cNvPr id="8" name="Rectangle 7"/>
+          <p:cNvSpPr/>
+          <p:nvPr/>
+        </p:nvSpPr>
+        <p:spPr>
+          <a:xfrm rot="5400000">
+            <a:off x="4297680" y="2407920"/>
+            <a:ext cx="1021080" cy="76200"/>
+          </a:xfrm>
+          <a:prstGeom prst="rect">
+            <a:avLst/>
+          </a:prstGeom>
+          <a:solidFill>
+            <a:schemeClr val="tx1"/>
+          </a:solidFill>
+          <a:ln>
+            <a:noFill/>
+          </a:ln>
+        </p:spPr>
+        <p:style>
+          <a:lnRef idx="2">
+            <a:schemeClr val="accent1">
+              <a:shade val="50000"/>
+            </a:schemeClr>
+          </a:lnRef>
+          <a:fillRef idx="1">
+            <a:schemeClr val="accent1"/>
+          </a:fillRef>
+          <a:effectRef idx="0">
+            <a:schemeClr val="accent1"/>
+          </a:effectRef>
+          <a:fontRef idx="minor">
+            <a:schemeClr val="lt1"/>
+          </a:fontRef>
+        </p:style>
+        <p:txBody>
+          <a:bodyPr rtlCol="0" anchor="ctr"/>
+          <a:lstStyle/>
+          <a:p>
+            <a:pPr algn="ctr"/>
+            <a:endParaRPr lang="en-US"/>
+          </a:p>
+        </p:txBody>
+      </p:sp>
+      <p:sp>
+        <p:nvSpPr>
+          <p:cNvPr id="10" name="Rectangle 9"/>
+          <p:cNvSpPr/>
+          <p:nvPr/>
+        </p:nvSpPr>
+        <p:spPr>
+          <a:xfrm rot="5400000">
+            <a:off x="4632960" y="2407920"/>
+            <a:ext cx="1021080" cy="76200"/>
+          </a:xfrm>
+          <a:prstGeom prst="rect">
+            <a:avLst/>
+          </a:prstGeom>
+          <a:solidFill>
+            <a:schemeClr val="tx1"/>
+          </a:solidFill>
+          <a:ln>
+            <a:noFill/>
+          </a:ln>
+        </p:spPr>
+        <p:style>
+          <a:lnRef idx="2">
+            <a:schemeClr val="accent1">
+              <a:shade val="50000"/>
+            </a:schemeClr>
+          </a:lnRef>
+          <a:fillRef idx="1">
+            <a:schemeClr val="accent1"/>
+          </a:fillRef>
+          <a:effectRef idx="0">
+            <a:schemeClr val="accent1"/>
+          </a:effectRef>
+          <a:fontRef idx="minor">
+            <a:schemeClr val="lt1"/>
+          </a:fontRef>
+        </p:style>
+        <p:txBody>
+          <a:bodyPr rtlCol="0" anchor="ctr"/>
+          <a:lstStyle/>
+          <a:p>
+            <a:pPr algn="ctr"/>
+            <a:endParaRPr lang="en-US"/>
+          </a:p>
+        </p:txBody>
+      </p:sp>
+      <p:cxnSp>
+        <p:nvCxnSpPr>
+          <p:cNvPr id="12" name="Elbow Connector 11"/>
+          <p:cNvCxnSpPr>
+            <a:stCxn id="4" idx="0"/>
+            <a:endCxn id="8" idx="2"/>
+          </p:cNvCxnSpPr>
+          <p:nvPr/>
+        </p:nvCxnSpPr>
+        <p:spPr>
+          <a:xfrm rot="5400000" flipH="1" flipV="1">
+            <a:off x="3246120" y="1798320"/>
+            <a:ext cx="876300" cy="2171700"/>
+          </a:xfrm>
+          <a:prstGeom prst="bentConnector2">
+            <a:avLst/>
+          </a:prstGeom>
+          <a:ln w="57150">
+            <a:solidFill>
+              <a:schemeClr val="tx1"/>
+            </a:solidFill>
+          </a:ln>
+        </p:spPr>
+        <p:style>
+          <a:lnRef idx="1">
+            <a:schemeClr val="accent1"/>
+          </a:lnRef>
+          <a:fillRef idx="0">
+            <a:schemeClr val="accent1"/>
+          </a:fillRef>
+          <a:effectRef idx="0">
+            <a:schemeClr val="accent1"/>
+          </a:effectRef>
+          <a:fontRef idx="minor">
+            <a:schemeClr val="tx1"/>
+          </a:fontRef>
+        </p:style>
+      </p:cxnSp>
+      <p:cxnSp>
+        <p:nvCxnSpPr>
+          <p:cNvPr id="14" name="Elbow Connector 11"/>
+          <p:cNvCxnSpPr>
+            <a:stCxn id="7" idx="6"/>
+            <a:endCxn id="10" idx="0"/>
+          </p:cNvCxnSpPr>
+          <p:nvPr/>
+        </p:nvCxnSpPr>
+        <p:spPr>
+          <a:xfrm flipH="1" flipV="1">
+            <a:off x="5181600" y="2446020"/>
+            <a:ext cx="335280" cy="1844040"/>
+          </a:xfrm>
+          <a:prstGeom prst="bentConnector3">
+            <a:avLst>
+              <a:gd name="adj1" fmla="val -109091"/>
+            </a:avLst>
+          </a:prstGeom>
+          <a:ln w="57150">
+            <a:solidFill>
+              <a:schemeClr val="tx1"/>
+            </a:solidFill>
+          </a:ln>
+        </p:spPr>
+        <p:style>
+          <a:lnRef idx="1">
+            <a:schemeClr val="accent1"/>
+          </a:lnRef>
+          <a:fillRef idx="0">
+            <a:schemeClr val="accent1"/>
+          </a:fillRef>
+          <a:effectRef idx="0">
+            <a:schemeClr val="accent1"/>
+          </a:effectRef>
+          <a:fontRef idx="minor">
+            <a:schemeClr val="tx1"/>
+          </a:fontRef>
+        </p:style>
+      </p:cxnSp>
+      <p:cxnSp>
+        <p:nvCxnSpPr>
+          <p:cNvPr id="17" name="Elbow Connector 11"/>
+          <p:cNvCxnSpPr>
+            <a:stCxn id="6" idx="2"/>
+            <a:endCxn id="5" idx="2"/>
+          </p:cNvCxnSpPr>
+          <p:nvPr/>
+        </p:nvCxnSpPr>
+        <p:spPr>
+          <a:xfrm rot="10800000">
+            <a:off x="2598420" y="3611880"/>
+            <a:ext cx="1394460" cy="678180"/>
+          </a:xfrm>
+          <a:prstGeom prst="bentConnector2">
+            <a:avLst/>
+          </a:prstGeom>
+          <a:ln w="57150">
+            <a:solidFill>
+              <a:schemeClr val="tx1"/>
+            </a:solidFill>
+          </a:ln>
+        </p:spPr>
+        <p:style>
+          <a:lnRef idx="1">
+            <a:schemeClr val="accent1"/>
+          </a:lnRef>
+          <a:fillRef idx="0">
+            <a:schemeClr val="accent1"/>
+          </a:fillRef>
+          <a:effectRef idx="0">
+            <a:schemeClr val="accent1"/>
+          </a:effectRef>
+          <a:fontRef idx="minor">
+            <a:schemeClr val="tx1"/>
+          </a:fontRef>
+        </p:style>
+      </p:cxnSp>
+      <p:sp>
+        <p:nvSpPr>
+          <p:cNvPr id="20" name="Rectangle 19"/>
+          <p:cNvSpPr/>
+          <p:nvPr/>
+        </p:nvSpPr>
+        <p:spPr>
+          <a:xfrm rot="20102490">
+            <a:off x="4020035" y="4002803"/>
+            <a:ext cx="1253328" cy="59147"/>
+          </a:xfrm>
+          <a:prstGeom prst="rect">
+            <a:avLst/>
+          </a:prstGeom>
+          <a:solidFill>
+            <a:schemeClr val="tx1"/>
+          </a:solidFill>
+          <a:ln>
+            <a:noFill/>
+          </a:ln>
+        </p:spPr>
+        <p:style>
+          <a:lnRef idx="2">
+            <a:schemeClr val="accent1">
+              <a:shade val="50000"/>
+            </a:schemeClr>
+          </a:lnRef>
+          <a:fillRef idx="1">
+            <a:schemeClr val="accent1"/>
+          </a:fillRef>
+          <a:effectRef idx="0">
+            <a:schemeClr val="accent1"/>
+          </a:effectRef>
+          <a:fontRef idx="minor">
+            <a:schemeClr val="lt1"/>
+          </a:fontRef>
+        </p:style>
+        <p:txBody>
+          <a:bodyPr rtlCol="0" anchor="ctr"/>
+          <a:lstStyle/>
+          <a:p>
+            <a:pPr algn="ctr"/>
+            <a:endParaRPr lang="en-US"/>
+          </a:p>
+        </p:txBody>
+      </p:sp>
+    </p:spTree>
+  </p:cSld>
+  <p:clrMapOvr>
+    <a:masterClrMapping/>
+  </p:clrMapOvr>
+</p:sld>
+</file>
+
+<file path=ppt/slides/slide20.xml><?xml version="1.0" encoding="utf-8"?>
 <p:sld xmlns:a="http://schemas.openxmlformats.org/drawingml/2006/main" xmlns:r="http://schemas.openxmlformats.org/officeDocument/2006/relationships" xmlns:p="http://schemas.openxmlformats.org/presentationml/2006/main">
   <p:cSld>
     <p:spTree>
@@ -7377,7 +10979,7 @@
           <a:lstStyle/>
           <a:p>
             <a:r>
-              <a:rPr lang="en-US" dirty="0" smtClean="0"/>
+              <a:rPr lang="en-US" dirty="0"/>
               <a:t>S</a:t>
             </a:r>
             <a:r>
@@ -7400,7 +11002,7 @@
 </p:sld>
 </file>
 
-<file path=ppt/slides/slide17.xml><?xml version="1.0" encoding="utf-8"?>
+<file path=ppt/slides/slide21.xml><?xml version="1.0" encoding="utf-8"?>
 <p:sld xmlns:a="http://schemas.openxmlformats.org/drawingml/2006/main" xmlns:r="http://schemas.openxmlformats.org/officeDocument/2006/relationships" xmlns:p="http://schemas.openxmlformats.org/presentationml/2006/main">
   <p:cSld>
     <p:spTree>
@@ -7690,14 +11292,13 @@
           <a:lstStyle/>
           <a:p>
             <a:r>
-              <a:rPr lang="en-US" dirty="0" smtClean="0"/>
+              <a:rPr lang="en-US" dirty="0"/>
               <a:t>P</a:t>
             </a:r>
             <a:r>
-              <a:rPr lang="en-US" baseline="-25000" dirty="0" smtClean="0"/>
+              <a:rPr lang="en-US" baseline="-25000" dirty="0"/>
               <a:t>1</a:t>
             </a:r>
-            <a:endParaRPr lang="en-US" baseline="-25000" dirty="0"/>
           </a:p>
         </p:txBody>
       </p:sp>
@@ -8219,14 +11820,13 @@
           <a:lstStyle/>
           <a:p>
             <a:r>
-              <a:rPr lang="en-US" dirty="0" smtClean="0"/>
+              <a:rPr lang="en-US" dirty="0"/>
               <a:t>S</a:t>
             </a:r>
             <a:r>
-              <a:rPr lang="en-US" baseline="-25000" dirty="0" smtClean="0"/>
+              <a:rPr lang="en-US" baseline="-25000" dirty="0"/>
               <a:t>4</a:t>
             </a:r>
-            <a:endParaRPr lang="en-US" baseline="-25000" dirty="0"/>
           </a:p>
         </p:txBody>
       </p:sp>
@@ -8243,7 +11843,7 @@
 </p:sld>
 </file>
 
-<file path=ppt/slides/slide18.xml><?xml version="1.0" encoding="utf-8"?>
+<file path=ppt/slides/slide22.xml><?xml version="1.0" encoding="utf-8"?>
 <p:sld xmlns:a="http://schemas.openxmlformats.org/drawingml/2006/main" xmlns:r="http://schemas.openxmlformats.org/officeDocument/2006/relationships" xmlns:p="http://schemas.openxmlformats.org/presentationml/2006/main">
   <p:cSld>
     <p:spTree>
@@ -9158,7 +12758,7 @@
           <a:lstStyle/>
           <a:p>
             <a:r>
-              <a:rPr lang="en-US" dirty="0" smtClean="0"/>
+              <a:rPr lang="en-US" dirty="0"/>
               <a:t>S</a:t>
             </a:r>
             <a:r>
@@ -9181,7 +12781,7 @@
 </p:sld>
 </file>
 
-<file path=ppt/slides/slide19.xml><?xml version="1.0" encoding="utf-8"?>
+<file path=ppt/slides/slide23.xml><?xml version="1.0" encoding="utf-8"?>
 <p:sld xmlns:a="http://schemas.openxmlformats.org/drawingml/2006/main" xmlns:r="http://schemas.openxmlformats.org/officeDocument/2006/relationships" xmlns:p="http://schemas.openxmlformats.org/presentationml/2006/main">
   <p:cSld>
     <p:spTree>
@@ -10213,469 +13813,6 @@
 </p:sld>
 </file>
 
-<file path=ppt/slides/slide2.xml><?xml version="1.0" encoding="utf-8"?>
-<p:sld xmlns:a="http://schemas.openxmlformats.org/drawingml/2006/main" xmlns:r="http://schemas.openxmlformats.org/officeDocument/2006/relationships" xmlns:p="http://schemas.openxmlformats.org/presentationml/2006/main">
-  <p:cSld>
-    <p:spTree>
-      <p:nvGrpSpPr>
-        <p:cNvPr id="1" name=""/>
-        <p:cNvGrpSpPr/>
-        <p:nvPr/>
-      </p:nvGrpSpPr>
-      <p:grpSpPr>
-        <a:xfrm>
-          <a:off x="0" y="0"/>
-          <a:ext cx="0" cy="0"/>
-          <a:chOff x="0" y="0"/>
-          <a:chExt cx="0" cy="0"/>
-        </a:xfrm>
-      </p:grpSpPr>
-      <p:sp>
-        <p:nvSpPr>
-          <p:cNvPr id="4" name="Rectangle 3"/>
-          <p:cNvSpPr/>
-          <p:nvPr/>
-        </p:nvSpPr>
-        <p:spPr>
-          <a:xfrm>
-            <a:off x="2087880" y="3322320"/>
-            <a:ext cx="1021080" cy="76200"/>
-          </a:xfrm>
-          <a:prstGeom prst="rect">
-            <a:avLst/>
-          </a:prstGeom>
-          <a:solidFill>
-            <a:schemeClr val="tx1"/>
-          </a:solidFill>
-          <a:ln>
-            <a:noFill/>
-          </a:ln>
-        </p:spPr>
-        <p:style>
-          <a:lnRef idx="2">
-            <a:schemeClr val="accent1">
-              <a:shade val="50000"/>
-            </a:schemeClr>
-          </a:lnRef>
-          <a:fillRef idx="1">
-            <a:schemeClr val="accent1"/>
-          </a:fillRef>
-          <a:effectRef idx="0">
-            <a:schemeClr val="accent1"/>
-          </a:effectRef>
-          <a:fontRef idx="minor">
-            <a:schemeClr val="lt1"/>
-          </a:fontRef>
-        </p:style>
-        <p:txBody>
-          <a:bodyPr rtlCol="0" anchor="ctr"/>
-          <a:lstStyle/>
-          <a:p>
-            <a:pPr algn="ctr"/>
-            <a:endParaRPr lang="en-US"/>
-          </a:p>
-        </p:txBody>
-      </p:sp>
-      <p:sp>
-        <p:nvSpPr>
-          <p:cNvPr id="5" name="Rectangle 4"/>
-          <p:cNvSpPr/>
-          <p:nvPr/>
-        </p:nvSpPr>
-        <p:spPr>
-          <a:xfrm>
-            <a:off x="2324100" y="3474720"/>
-            <a:ext cx="548640" cy="137160"/>
-          </a:xfrm>
-          <a:prstGeom prst="rect">
-            <a:avLst/>
-          </a:prstGeom>
-          <a:solidFill>
-            <a:schemeClr val="tx1"/>
-          </a:solidFill>
-          <a:ln>
-            <a:noFill/>
-          </a:ln>
-        </p:spPr>
-        <p:style>
-          <a:lnRef idx="2">
-            <a:schemeClr val="accent1">
-              <a:shade val="50000"/>
-            </a:schemeClr>
-          </a:lnRef>
-          <a:fillRef idx="1">
-            <a:schemeClr val="accent1"/>
-          </a:fillRef>
-          <a:effectRef idx="0">
-            <a:schemeClr val="accent1"/>
-          </a:effectRef>
-          <a:fontRef idx="minor">
-            <a:schemeClr val="lt1"/>
-          </a:fontRef>
-        </p:style>
-        <p:txBody>
-          <a:bodyPr rtlCol="0" anchor="ctr"/>
-          <a:lstStyle/>
-          <a:p>
-            <a:pPr algn="ctr"/>
-            <a:endParaRPr lang="en-US"/>
-          </a:p>
-        </p:txBody>
-      </p:sp>
-      <p:sp>
-        <p:nvSpPr>
-          <p:cNvPr id="6" name="Oval 5"/>
-          <p:cNvSpPr/>
-          <p:nvPr/>
-        </p:nvSpPr>
-        <p:spPr>
-          <a:xfrm>
-            <a:off x="3992880" y="4206240"/>
-            <a:ext cx="182880" cy="167640"/>
-          </a:xfrm>
-          <a:prstGeom prst="ellipse">
-            <a:avLst/>
-          </a:prstGeom>
-          <a:solidFill>
-            <a:schemeClr val="tx1"/>
-          </a:solidFill>
-          <a:ln>
-            <a:noFill/>
-          </a:ln>
-        </p:spPr>
-        <p:style>
-          <a:lnRef idx="2">
-            <a:schemeClr val="accent1">
-              <a:shade val="50000"/>
-            </a:schemeClr>
-          </a:lnRef>
-          <a:fillRef idx="1">
-            <a:schemeClr val="accent1"/>
-          </a:fillRef>
-          <a:effectRef idx="0">
-            <a:schemeClr val="accent1"/>
-          </a:effectRef>
-          <a:fontRef idx="minor">
-            <a:schemeClr val="lt1"/>
-          </a:fontRef>
-        </p:style>
-        <p:txBody>
-          <a:bodyPr rtlCol="0" anchor="ctr"/>
-          <a:lstStyle/>
-          <a:p>
-            <a:pPr algn="ctr"/>
-            <a:endParaRPr lang="en-US"/>
-          </a:p>
-        </p:txBody>
-      </p:sp>
-      <p:sp>
-        <p:nvSpPr>
-          <p:cNvPr id="7" name="Oval 6"/>
-          <p:cNvSpPr/>
-          <p:nvPr/>
-        </p:nvSpPr>
-        <p:spPr>
-          <a:xfrm>
-            <a:off x="5334000" y="4206240"/>
-            <a:ext cx="182880" cy="167640"/>
-          </a:xfrm>
-          <a:prstGeom prst="ellipse">
-            <a:avLst/>
-          </a:prstGeom>
-          <a:solidFill>
-            <a:schemeClr val="tx1"/>
-          </a:solidFill>
-          <a:ln>
-            <a:noFill/>
-          </a:ln>
-        </p:spPr>
-        <p:style>
-          <a:lnRef idx="2">
-            <a:schemeClr val="accent1">
-              <a:shade val="50000"/>
-            </a:schemeClr>
-          </a:lnRef>
-          <a:fillRef idx="1">
-            <a:schemeClr val="accent1"/>
-          </a:fillRef>
-          <a:effectRef idx="0">
-            <a:schemeClr val="accent1"/>
-          </a:effectRef>
-          <a:fontRef idx="minor">
-            <a:schemeClr val="lt1"/>
-          </a:fontRef>
-        </p:style>
-        <p:txBody>
-          <a:bodyPr rtlCol="0" anchor="ctr"/>
-          <a:lstStyle/>
-          <a:p>
-            <a:pPr algn="ctr"/>
-            <a:endParaRPr lang="en-US"/>
-          </a:p>
-        </p:txBody>
-      </p:sp>
-      <p:sp>
-        <p:nvSpPr>
-          <p:cNvPr id="8" name="Rectangle 7"/>
-          <p:cNvSpPr/>
-          <p:nvPr/>
-        </p:nvSpPr>
-        <p:spPr>
-          <a:xfrm rot="5400000">
-            <a:off x="4297680" y="2407920"/>
-            <a:ext cx="1021080" cy="76200"/>
-          </a:xfrm>
-          <a:prstGeom prst="rect">
-            <a:avLst/>
-          </a:prstGeom>
-          <a:solidFill>
-            <a:schemeClr val="tx1"/>
-          </a:solidFill>
-          <a:ln>
-            <a:noFill/>
-          </a:ln>
-        </p:spPr>
-        <p:style>
-          <a:lnRef idx="2">
-            <a:schemeClr val="accent1">
-              <a:shade val="50000"/>
-            </a:schemeClr>
-          </a:lnRef>
-          <a:fillRef idx="1">
-            <a:schemeClr val="accent1"/>
-          </a:fillRef>
-          <a:effectRef idx="0">
-            <a:schemeClr val="accent1"/>
-          </a:effectRef>
-          <a:fontRef idx="minor">
-            <a:schemeClr val="lt1"/>
-          </a:fontRef>
-        </p:style>
-        <p:txBody>
-          <a:bodyPr rtlCol="0" anchor="ctr"/>
-          <a:lstStyle/>
-          <a:p>
-            <a:pPr algn="ctr"/>
-            <a:endParaRPr lang="en-US"/>
-          </a:p>
-        </p:txBody>
-      </p:sp>
-      <p:sp>
-        <p:nvSpPr>
-          <p:cNvPr id="10" name="Rectangle 9"/>
-          <p:cNvSpPr/>
-          <p:nvPr/>
-        </p:nvSpPr>
-        <p:spPr>
-          <a:xfrm rot="5400000">
-            <a:off x="4632960" y="2407920"/>
-            <a:ext cx="1021080" cy="76200"/>
-          </a:xfrm>
-          <a:prstGeom prst="rect">
-            <a:avLst/>
-          </a:prstGeom>
-          <a:solidFill>
-            <a:schemeClr val="tx1"/>
-          </a:solidFill>
-          <a:ln>
-            <a:noFill/>
-          </a:ln>
-        </p:spPr>
-        <p:style>
-          <a:lnRef idx="2">
-            <a:schemeClr val="accent1">
-              <a:shade val="50000"/>
-            </a:schemeClr>
-          </a:lnRef>
-          <a:fillRef idx="1">
-            <a:schemeClr val="accent1"/>
-          </a:fillRef>
-          <a:effectRef idx="0">
-            <a:schemeClr val="accent1"/>
-          </a:effectRef>
-          <a:fontRef idx="minor">
-            <a:schemeClr val="lt1"/>
-          </a:fontRef>
-        </p:style>
-        <p:txBody>
-          <a:bodyPr rtlCol="0" anchor="ctr"/>
-          <a:lstStyle/>
-          <a:p>
-            <a:pPr algn="ctr"/>
-            <a:endParaRPr lang="en-US"/>
-          </a:p>
-        </p:txBody>
-      </p:sp>
-      <p:cxnSp>
-        <p:nvCxnSpPr>
-          <p:cNvPr id="12" name="Elbow Connector 11"/>
-          <p:cNvCxnSpPr>
-            <a:stCxn id="4" idx="0"/>
-            <a:endCxn id="8" idx="2"/>
-          </p:cNvCxnSpPr>
-          <p:nvPr/>
-        </p:nvCxnSpPr>
-        <p:spPr>
-          <a:xfrm rot="5400000" flipH="1" flipV="1">
-            <a:off x="3246120" y="1798320"/>
-            <a:ext cx="876300" cy="2171700"/>
-          </a:xfrm>
-          <a:prstGeom prst="bentConnector2">
-            <a:avLst/>
-          </a:prstGeom>
-          <a:ln w="57150">
-            <a:solidFill>
-              <a:schemeClr val="tx1"/>
-            </a:solidFill>
-          </a:ln>
-        </p:spPr>
-        <p:style>
-          <a:lnRef idx="1">
-            <a:schemeClr val="accent1"/>
-          </a:lnRef>
-          <a:fillRef idx="0">
-            <a:schemeClr val="accent1"/>
-          </a:fillRef>
-          <a:effectRef idx="0">
-            <a:schemeClr val="accent1"/>
-          </a:effectRef>
-          <a:fontRef idx="minor">
-            <a:schemeClr val="tx1"/>
-          </a:fontRef>
-        </p:style>
-      </p:cxnSp>
-      <p:cxnSp>
-        <p:nvCxnSpPr>
-          <p:cNvPr id="14" name="Elbow Connector 11"/>
-          <p:cNvCxnSpPr>
-            <a:stCxn id="7" idx="6"/>
-            <a:endCxn id="10" idx="0"/>
-          </p:cNvCxnSpPr>
-          <p:nvPr/>
-        </p:nvCxnSpPr>
-        <p:spPr>
-          <a:xfrm flipH="1" flipV="1">
-            <a:off x="5181600" y="2446020"/>
-            <a:ext cx="335280" cy="1844040"/>
-          </a:xfrm>
-          <a:prstGeom prst="bentConnector3">
-            <a:avLst>
-              <a:gd name="adj1" fmla="val -109091"/>
-            </a:avLst>
-          </a:prstGeom>
-          <a:ln w="57150">
-            <a:solidFill>
-              <a:schemeClr val="tx1"/>
-            </a:solidFill>
-          </a:ln>
-        </p:spPr>
-        <p:style>
-          <a:lnRef idx="1">
-            <a:schemeClr val="accent1"/>
-          </a:lnRef>
-          <a:fillRef idx="0">
-            <a:schemeClr val="accent1"/>
-          </a:fillRef>
-          <a:effectRef idx="0">
-            <a:schemeClr val="accent1"/>
-          </a:effectRef>
-          <a:fontRef idx="minor">
-            <a:schemeClr val="tx1"/>
-          </a:fontRef>
-        </p:style>
-      </p:cxnSp>
-      <p:cxnSp>
-        <p:nvCxnSpPr>
-          <p:cNvPr id="17" name="Elbow Connector 11"/>
-          <p:cNvCxnSpPr>
-            <a:stCxn id="6" idx="2"/>
-            <a:endCxn id="5" idx="2"/>
-          </p:cNvCxnSpPr>
-          <p:nvPr/>
-        </p:nvCxnSpPr>
-        <p:spPr>
-          <a:xfrm rot="10800000">
-            <a:off x="2598420" y="3611880"/>
-            <a:ext cx="1394460" cy="678180"/>
-          </a:xfrm>
-          <a:prstGeom prst="bentConnector2">
-            <a:avLst/>
-          </a:prstGeom>
-          <a:ln w="57150">
-            <a:solidFill>
-              <a:schemeClr val="tx1"/>
-            </a:solidFill>
-          </a:ln>
-        </p:spPr>
-        <p:style>
-          <a:lnRef idx="1">
-            <a:schemeClr val="accent1"/>
-          </a:lnRef>
-          <a:fillRef idx="0">
-            <a:schemeClr val="accent1"/>
-          </a:fillRef>
-          <a:effectRef idx="0">
-            <a:schemeClr val="accent1"/>
-          </a:effectRef>
-          <a:fontRef idx="minor">
-            <a:schemeClr val="tx1"/>
-          </a:fontRef>
-        </p:style>
-      </p:cxnSp>
-      <p:sp>
-        <p:nvSpPr>
-          <p:cNvPr id="20" name="Rectangle 19"/>
-          <p:cNvSpPr/>
-          <p:nvPr/>
-        </p:nvSpPr>
-        <p:spPr>
-          <a:xfrm rot="20102490">
-            <a:off x="4020035" y="4002803"/>
-            <a:ext cx="1253328" cy="59147"/>
-          </a:xfrm>
-          <a:prstGeom prst="rect">
-            <a:avLst/>
-          </a:prstGeom>
-          <a:solidFill>
-            <a:schemeClr val="tx1"/>
-          </a:solidFill>
-          <a:ln>
-            <a:noFill/>
-          </a:ln>
-        </p:spPr>
-        <p:style>
-          <a:lnRef idx="2">
-            <a:schemeClr val="accent1">
-              <a:shade val="50000"/>
-            </a:schemeClr>
-          </a:lnRef>
-          <a:fillRef idx="1">
-            <a:schemeClr val="accent1"/>
-          </a:fillRef>
-          <a:effectRef idx="0">
-            <a:schemeClr val="accent1"/>
-          </a:effectRef>
-          <a:fontRef idx="minor">
-            <a:schemeClr val="lt1"/>
-          </a:fontRef>
-        </p:style>
-        <p:txBody>
-          <a:bodyPr rtlCol="0" anchor="ctr"/>
-          <a:lstStyle/>
-          <a:p>
-            <a:pPr algn="ctr"/>
-            <a:endParaRPr lang="en-US"/>
-          </a:p>
-        </p:txBody>
-      </p:sp>
-    </p:spTree>
-  </p:cSld>
-  <p:clrMapOvr>
-    <a:masterClrMapping/>
-  </p:clrMapOvr>
-</p:sld>
-</file>
-
 <file path=ppt/slides/slide3.xml><?xml version="1.0" encoding="utf-8"?>
 <p:sld xmlns:a="http://schemas.openxmlformats.org/drawingml/2006/main" xmlns:r="http://schemas.openxmlformats.org/officeDocument/2006/relationships" xmlns:p="http://schemas.openxmlformats.org/presentationml/2006/main">
   <p:cSld>
@@ -11572,6 +14709,567 @@
           <a:chExt cx="0" cy="0"/>
         </a:xfrm>
       </p:grpSpPr>
+      <p:sp>
+        <p:nvSpPr>
+          <p:cNvPr id="113668" name="Rectangle 4"/>
+          <p:cNvSpPr>
+            <a:spLocks noChangeArrowheads="1"/>
+          </p:cNvSpPr>
+          <p:nvPr/>
+        </p:nvSpPr>
+        <p:spPr bwMode="auto">
+          <a:xfrm>
+            <a:off x="6216061" y="3663950"/>
+            <a:ext cx="88900" cy="1193800"/>
+          </a:xfrm>
+          <a:prstGeom prst="rect">
+            <a:avLst/>
+          </a:prstGeom>
+          <a:solidFill>
+            <a:schemeClr val="tx1"/>
+          </a:solidFill>
+          <a:ln w="9525">
+            <a:noFill/>
+            <a:miter lim="800000"/>
+            <a:headEnd/>
+            <a:tailEnd/>
+          </a:ln>
+          <a:effectLst/>
+        </p:spPr>
+        <p:txBody>
+          <a:bodyPr wrap="none" anchor="ctr"/>
+          <a:lstStyle/>
+          <a:p>
+            <a:endParaRPr lang="en-US"/>
+          </a:p>
+        </p:txBody>
+      </p:sp>
+      <p:sp>
+        <p:nvSpPr>
+          <p:cNvPr id="113669" name="Rectangle 5"/>
+          <p:cNvSpPr>
+            <a:spLocks noChangeArrowheads="1"/>
+          </p:cNvSpPr>
+          <p:nvPr/>
+        </p:nvSpPr>
+        <p:spPr bwMode="auto">
+          <a:xfrm>
+            <a:off x="7079661" y="3663950"/>
+            <a:ext cx="88900" cy="1193800"/>
+          </a:xfrm>
+          <a:prstGeom prst="rect">
+            <a:avLst/>
+          </a:prstGeom>
+          <a:solidFill>
+            <a:schemeClr val="tx1"/>
+          </a:solidFill>
+          <a:ln w="9525">
+            <a:noFill/>
+            <a:miter lim="800000"/>
+            <a:headEnd/>
+            <a:tailEnd/>
+          </a:ln>
+          <a:effectLst/>
+        </p:spPr>
+        <p:txBody>
+          <a:bodyPr wrap="none" anchor="ctr"/>
+          <a:lstStyle/>
+          <a:p>
+            <a:endParaRPr lang="en-US"/>
+          </a:p>
+        </p:txBody>
+      </p:sp>
+      <p:sp>
+        <p:nvSpPr>
+          <p:cNvPr id="113670" name="Rectangle 6"/>
+          <p:cNvSpPr>
+            <a:spLocks noChangeArrowheads="1"/>
+          </p:cNvSpPr>
+          <p:nvPr/>
+        </p:nvSpPr>
+        <p:spPr bwMode="auto">
+          <a:xfrm rot="-5400000">
+            <a:off x="7752761" y="3613150"/>
+            <a:ext cx="88900" cy="1295400"/>
+          </a:xfrm>
+          <a:prstGeom prst="rect">
+            <a:avLst/>
+          </a:prstGeom>
+          <a:solidFill>
+            <a:schemeClr val="tx1"/>
+          </a:solidFill>
+          <a:ln w="9525">
+            <a:noFill/>
+            <a:miter lim="800000"/>
+            <a:headEnd/>
+            <a:tailEnd/>
+          </a:ln>
+          <a:effectLst/>
+        </p:spPr>
+        <p:txBody>
+          <a:bodyPr wrap="none" anchor="ctr"/>
+          <a:lstStyle/>
+          <a:p>
+            <a:endParaRPr lang="en-US"/>
+          </a:p>
+        </p:txBody>
+      </p:sp>
+      <p:sp>
+        <p:nvSpPr>
+          <p:cNvPr id="113671" name="Rectangle 7"/>
+          <p:cNvSpPr>
+            <a:spLocks noChangeArrowheads="1"/>
+          </p:cNvSpPr>
+          <p:nvPr/>
+        </p:nvSpPr>
+        <p:spPr bwMode="auto">
+          <a:xfrm rot="-5400000">
+            <a:off x="5473111" y="3530600"/>
+            <a:ext cx="88900" cy="1460500"/>
+          </a:xfrm>
+          <a:prstGeom prst="rect">
+            <a:avLst/>
+          </a:prstGeom>
+          <a:solidFill>
+            <a:schemeClr val="tx1"/>
+          </a:solidFill>
+          <a:ln w="9525">
+            <a:noFill/>
+            <a:miter lim="800000"/>
+            <a:headEnd/>
+            <a:tailEnd/>
+          </a:ln>
+          <a:effectLst/>
+        </p:spPr>
+        <p:txBody>
+          <a:bodyPr wrap="none" anchor="ctr"/>
+          <a:lstStyle/>
+          <a:p>
+            <a:endParaRPr lang="en-US"/>
+          </a:p>
+        </p:txBody>
+      </p:sp>
+      <p:sp>
+        <p:nvSpPr>
+          <p:cNvPr id="113672" name="Oval 8"/>
+          <p:cNvSpPr>
+            <a:spLocks noChangeArrowheads="1"/>
+          </p:cNvSpPr>
+          <p:nvPr/>
+        </p:nvSpPr>
+        <p:spPr bwMode="auto">
+          <a:xfrm>
+            <a:off x="5073061" y="3206750"/>
+            <a:ext cx="88900" cy="88900"/>
+          </a:xfrm>
+          <a:prstGeom prst="ellipse">
+            <a:avLst/>
+          </a:prstGeom>
+          <a:solidFill>
+            <a:schemeClr val="tx1"/>
+          </a:solidFill>
+          <a:ln w="9525">
+            <a:noFill/>
+            <a:miter lim="800000"/>
+            <a:headEnd/>
+            <a:tailEnd/>
+          </a:ln>
+          <a:effectLst/>
+        </p:spPr>
+        <p:txBody>
+          <a:bodyPr wrap="none" anchor="ctr"/>
+          <a:lstStyle/>
+          <a:p>
+            <a:endParaRPr lang="en-US"/>
+          </a:p>
+        </p:txBody>
+      </p:sp>
+      <p:sp>
+        <p:nvSpPr>
+          <p:cNvPr id="113673" name="Text Box 9"/>
+          <p:cNvSpPr txBox="1">
+            <a:spLocks noChangeArrowheads="1"/>
+          </p:cNvSpPr>
+          <p:nvPr/>
+        </p:nvSpPr>
+        <p:spPr bwMode="auto">
+          <a:xfrm>
+            <a:off x="5184186" y="3082925"/>
+            <a:ext cx="396875" cy="336550"/>
+          </a:xfrm>
+          <a:prstGeom prst="rect">
+            <a:avLst/>
+          </a:prstGeom>
+          <a:noFill/>
+          <a:ln w="9525">
+            <a:noFill/>
+            <a:miter lim="800000"/>
+            <a:headEnd/>
+            <a:tailEnd/>
+          </a:ln>
+          <a:effectLst/>
+        </p:spPr>
+        <p:txBody>
+          <a:bodyPr>
+            <a:spAutoFit/>
+          </a:bodyPr>
+          <a:lstStyle/>
+          <a:p>
+            <a:r>
+              <a:rPr lang="en-US"/>
+              <a:t>P</a:t>
+            </a:r>
+            <a:r>
+              <a:rPr lang="en-US" baseline="-25000"/>
+              <a:t>1</a:t>
+            </a:r>
+          </a:p>
+        </p:txBody>
+      </p:sp>
+      <p:sp>
+        <p:nvSpPr>
+          <p:cNvPr id="113674" name="Oval 10"/>
+          <p:cNvSpPr>
+            <a:spLocks noChangeArrowheads="1"/>
+          </p:cNvSpPr>
+          <p:nvPr/>
+        </p:nvSpPr>
+        <p:spPr bwMode="auto">
+          <a:xfrm>
+            <a:off x="6584361" y="3206750"/>
+            <a:ext cx="88900" cy="88900"/>
+          </a:xfrm>
+          <a:prstGeom prst="ellipse">
+            <a:avLst/>
+          </a:prstGeom>
+          <a:solidFill>
+            <a:schemeClr val="tx1"/>
+          </a:solidFill>
+          <a:ln w="9525">
+            <a:noFill/>
+            <a:miter lim="800000"/>
+            <a:headEnd/>
+            <a:tailEnd/>
+          </a:ln>
+          <a:effectLst/>
+        </p:spPr>
+        <p:txBody>
+          <a:bodyPr wrap="none" anchor="ctr"/>
+          <a:lstStyle/>
+          <a:p>
+            <a:endParaRPr lang="en-US"/>
+          </a:p>
+        </p:txBody>
+      </p:sp>
+      <p:sp>
+        <p:nvSpPr>
+          <p:cNvPr id="113675" name="Text Box 11"/>
+          <p:cNvSpPr txBox="1">
+            <a:spLocks noChangeArrowheads="1"/>
+          </p:cNvSpPr>
+          <p:nvPr/>
+        </p:nvSpPr>
+        <p:spPr bwMode="auto">
+          <a:xfrm>
+            <a:off x="6695486" y="3082925"/>
+            <a:ext cx="396875" cy="336550"/>
+          </a:xfrm>
+          <a:prstGeom prst="rect">
+            <a:avLst/>
+          </a:prstGeom>
+          <a:noFill/>
+          <a:ln w="9525">
+            <a:noFill/>
+            <a:miter lim="800000"/>
+            <a:headEnd/>
+            <a:tailEnd/>
+          </a:ln>
+          <a:effectLst/>
+        </p:spPr>
+        <p:txBody>
+          <a:bodyPr>
+            <a:spAutoFit/>
+          </a:bodyPr>
+          <a:lstStyle/>
+          <a:p>
+            <a:r>
+              <a:rPr lang="en-US"/>
+              <a:t>P</a:t>
+            </a:r>
+            <a:r>
+              <a:rPr lang="en-US" baseline="-25000"/>
+              <a:t>2</a:t>
+            </a:r>
+          </a:p>
+        </p:txBody>
+      </p:sp>
+      <p:sp>
+        <p:nvSpPr>
+          <p:cNvPr id="113676" name="Text Box 12"/>
+          <p:cNvSpPr txBox="1">
+            <a:spLocks noChangeArrowheads="1"/>
+          </p:cNvSpPr>
+          <p:nvPr/>
+        </p:nvSpPr>
+        <p:spPr bwMode="auto">
+          <a:xfrm>
+            <a:off x="5590586" y="4557713"/>
+            <a:ext cx="252413" cy="336550"/>
+          </a:xfrm>
+          <a:prstGeom prst="rect">
+            <a:avLst/>
+          </a:prstGeom>
+          <a:noFill/>
+          <a:ln w="9525">
+            <a:noFill/>
+            <a:miter lim="800000"/>
+            <a:headEnd/>
+            <a:tailEnd/>
+          </a:ln>
+          <a:effectLst/>
+        </p:spPr>
+        <p:txBody>
+          <a:bodyPr wrap="none">
+            <a:spAutoFit/>
+          </a:bodyPr>
+          <a:lstStyle/>
+          <a:p>
+            <a:r>
+              <a:rPr lang="en-US">
+                <a:latin typeface="Times New Roman" pitchFamily="18" charset="0"/>
+              </a:rPr>
+              <a:t>I</a:t>
+            </a:r>
+          </a:p>
+        </p:txBody>
+      </p:sp>
+      <p:sp>
+        <p:nvSpPr>
+          <p:cNvPr id="113677" name="Line 13"/>
+          <p:cNvSpPr>
+            <a:spLocks noChangeShapeType="1"/>
+          </p:cNvSpPr>
+          <p:nvPr/>
+        </p:nvSpPr>
+        <p:spPr bwMode="auto">
+          <a:xfrm>
+            <a:off x="5542961" y="4495800"/>
+            <a:ext cx="393700" cy="0"/>
+          </a:xfrm>
+          <a:prstGeom prst="line">
+            <a:avLst/>
+          </a:prstGeom>
+          <a:noFill/>
+          <a:ln w="9525">
+            <a:solidFill>
+              <a:schemeClr val="tx1"/>
+            </a:solidFill>
+            <a:miter lim="800000"/>
+            <a:headEnd/>
+            <a:tailEnd type="triangle" w="med" len="med"/>
+          </a:ln>
+          <a:effectLst/>
+        </p:spPr>
+        <p:txBody>
+          <a:bodyPr wrap="none"/>
+          <a:lstStyle/>
+          <a:p>
+            <a:endParaRPr lang="en-US"/>
+          </a:p>
+        </p:txBody>
+      </p:sp>
+      <p:sp>
+        <p:nvSpPr>
+          <p:cNvPr id="113678" name="Oval 14"/>
+          <p:cNvSpPr>
+            <a:spLocks noChangeArrowheads="1"/>
+          </p:cNvSpPr>
+          <p:nvPr/>
+        </p:nvSpPr>
+        <p:spPr bwMode="auto">
+          <a:xfrm>
+            <a:off x="4996861" y="3187700"/>
+            <a:ext cx="203200" cy="2184400"/>
+          </a:xfrm>
+          <a:prstGeom prst="ellipse">
+            <a:avLst/>
+          </a:prstGeom>
+          <a:noFill/>
+          <a:ln w="9525">
+            <a:solidFill>
+              <a:schemeClr val="tx1"/>
+            </a:solidFill>
+            <a:prstDash val="dash"/>
+            <a:miter lim="800000"/>
+            <a:headEnd/>
+            <a:tailEnd/>
+          </a:ln>
+          <a:effectLst/>
+        </p:spPr>
+        <p:txBody>
+          <a:bodyPr wrap="none" anchor="ctr"/>
+          <a:lstStyle/>
+          <a:p>
+            <a:endParaRPr lang="en-US"/>
+          </a:p>
+        </p:txBody>
+      </p:sp>
+      <p:sp>
+        <p:nvSpPr>
+          <p:cNvPr id="2" name="Title 1"/>
+          <p:cNvSpPr>
+            <a:spLocks noGrp="1"/>
+          </p:cNvSpPr>
+          <p:nvPr>
+            <p:ph type="title"/>
+          </p:nvPr>
+        </p:nvSpPr>
+        <p:spPr/>
+        <p:txBody>
+          <a:bodyPr/>
+          <a:lstStyle/>
+          <a:p>
+            <a:r>
+              <a:rPr lang="en-US" dirty="0"/>
+              <a:t>Question</a:t>
+            </a:r>
+          </a:p>
+        </p:txBody>
+      </p:sp>
+      <p:sp>
+        <p:nvSpPr>
+          <p:cNvPr id="3" name="Content Placeholder 2">
+            <a:extLst>
+              <a:ext uri="{FF2B5EF4-FFF2-40B4-BE49-F238E27FC236}">
+                <a16:creationId xmlns:a16="http://schemas.microsoft.com/office/drawing/2014/main" id="{AC77ED04-D755-6805-25BF-6A7CEC5D4AE9}"/>
+              </a:ext>
+            </a:extLst>
+          </p:cNvPr>
+          <p:cNvSpPr>
+            <a:spLocks noGrp="1"/>
+          </p:cNvSpPr>
+          <p:nvPr>
+            <p:ph idx="1"/>
+          </p:nvPr>
+        </p:nvSpPr>
+        <p:spPr/>
+        <p:txBody>
+          <a:bodyPr/>
+          <a:lstStyle/>
+          <a:p>
+            <a:pPr marL="0" indent="0">
+              <a:buNone/>
+            </a:pPr>
+            <a:r>
+              <a:rPr lang="en-US" dirty="0"/>
+              <a:t>What is the direction of the B-field at P</a:t>
+            </a:r>
+            <a:r>
+              <a:rPr lang="en-US" baseline="-25000" dirty="0"/>
+              <a:t>1</a:t>
+            </a:r>
+            <a:r>
+              <a:rPr lang="en-US" dirty="0"/>
+              <a:t>?</a:t>
+            </a:r>
+          </a:p>
+          <a:p>
+            <a:pPr marL="514350" indent="-514350">
+              <a:buFont typeface="+mj-lt"/>
+              <a:buAutoNum type="alphaLcParenR"/>
+            </a:pPr>
+            <a:r>
+              <a:rPr lang="en-US" dirty="0"/>
+              <a:t>Into the board</a:t>
+            </a:r>
+          </a:p>
+          <a:p>
+            <a:pPr marL="514350" indent="-514350">
+              <a:buFont typeface="+mj-lt"/>
+              <a:buAutoNum type="alphaLcParenR"/>
+            </a:pPr>
+            <a:r>
+              <a:rPr lang="en-US" dirty="0"/>
+              <a:t>Out of the board</a:t>
+            </a:r>
+          </a:p>
+          <a:p>
+            <a:pPr marL="514350" indent="-514350">
+              <a:buFont typeface="+mj-lt"/>
+              <a:buAutoNum type="alphaLcParenR"/>
+            </a:pPr>
+            <a:r>
+              <a:rPr lang="en-US" dirty="0"/>
+              <a:t>Upward</a:t>
+            </a:r>
+          </a:p>
+          <a:p>
+            <a:pPr marL="514350" indent="-514350">
+              <a:buFont typeface="+mj-lt"/>
+              <a:buAutoNum type="alphaLcParenR"/>
+            </a:pPr>
+            <a:r>
+              <a:rPr lang="en-US" dirty="0"/>
+              <a:t>Downward</a:t>
+            </a:r>
+          </a:p>
+          <a:p>
+            <a:pPr marL="514350" indent="-514350">
+              <a:buFont typeface="+mj-lt"/>
+              <a:buAutoNum type="alphaLcParenR"/>
+            </a:pPr>
+            <a:r>
+              <a:rPr lang="en-US" dirty="0"/>
+              <a:t>To the left</a:t>
+            </a:r>
+          </a:p>
+          <a:p>
+            <a:pPr marL="514350" indent="-514350">
+              <a:buFont typeface="+mj-lt"/>
+              <a:buAutoNum type="alphaLcParenR"/>
+            </a:pPr>
+            <a:r>
+              <a:rPr lang="en-US" dirty="0"/>
+              <a:t>To </a:t>
+            </a:r>
+            <a:r>
+              <a:rPr lang="en-US"/>
+              <a:t>the right </a:t>
+            </a:r>
+            <a:endParaRPr lang="en-US" dirty="0"/>
+          </a:p>
+        </p:txBody>
+      </p:sp>
+    </p:spTree>
+    <p:extLst>
+      <p:ext uri="{BB962C8B-B14F-4D97-AF65-F5344CB8AC3E}">
+        <p14:creationId xmlns:p14="http://schemas.microsoft.com/office/powerpoint/2010/main" val="662985452"/>
+      </p:ext>
+    </p:extLst>
+  </p:cSld>
+  <p:clrMapOvr>
+    <a:masterClrMapping/>
+  </p:clrMapOvr>
+</p:sld>
+</file>
+
+<file path=ppt/slides/slide6.xml><?xml version="1.0" encoding="utf-8"?>
+<p:sld xmlns:a="http://schemas.openxmlformats.org/drawingml/2006/main" xmlns:r="http://schemas.openxmlformats.org/officeDocument/2006/relationships" xmlns:p="http://schemas.openxmlformats.org/presentationml/2006/main">
+  <p:cSld>
+    <p:spTree>
+      <p:nvGrpSpPr>
+        <p:cNvPr id="1" name=""/>
+        <p:cNvGrpSpPr/>
+        <p:nvPr/>
+      </p:nvGrpSpPr>
+      <p:grpSpPr>
+        <a:xfrm>
+          <a:off x="0" y="0"/>
+          <a:ext cx="0" cy="0"/>
+          <a:chOff x="0" y="0"/>
+          <a:chExt cx="0" cy="0"/>
+        </a:xfrm>
+      </p:grpSpPr>
       <p:cxnSp>
         <p:nvCxnSpPr>
           <p:cNvPr id="19" name="Straight Arrow Connector 18"/>
@@ -12267,7 +15965,7 @@
 </p:sld>
 </file>
 
-<file path=ppt/slides/slide6.xml><?xml version="1.0" encoding="utf-8"?>
+<file path=ppt/slides/slide7.xml><?xml version="1.0" encoding="utf-8"?>
 <p:sld xmlns:a="http://schemas.openxmlformats.org/drawingml/2006/main" xmlns:r="http://schemas.openxmlformats.org/officeDocument/2006/relationships" xmlns:p="http://schemas.openxmlformats.org/presentationml/2006/main">
   <p:cSld>
     <p:spTree>
@@ -12286,53 +15984,9 @@
       </p:grpSpPr>
       <p:sp>
         <p:nvSpPr>
-          <p:cNvPr id="16" name="Date Placeholder 3"/>
+          <p:cNvPr id="2" name="Title 1"/>
           <p:cNvSpPr>
             <a:spLocks noGrp="1"/>
-          </p:cNvSpPr>
-          <p:nvPr>
-            <p:ph type="dt" sz="half" idx="10"/>
-          </p:nvPr>
-        </p:nvSpPr>
-        <p:spPr/>
-        <p:txBody>
-          <a:bodyPr/>
-          <a:lstStyle/>
-          <a:p>
-            <a:r>
-              <a:rPr lang="en-US"/>
-              <a:t>Winter 2008</a:t>
-            </a:r>
-          </a:p>
-        </p:txBody>
-      </p:sp>
-      <p:sp>
-        <p:nvSpPr>
-          <p:cNvPr id="17" name="Footer Placeholder 4"/>
-          <p:cNvSpPr>
-            <a:spLocks noGrp="1"/>
-          </p:cNvSpPr>
-          <p:nvPr>
-            <p:ph type="ftr" sz="quarter" idx="11"/>
-          </p:nvPr>
-        </p:nvSpPr>
-        <p:spPr/>
-        <p:txBody>
-          <a:bodyPr/>
-          <a:lstStyle/>
-          <a:p>
-            <a:r>
-              <a:rPr lang="en-US"/>
-              <a:t>R. Todd Lines</a:t>
-            </a:r>
-          </a:p>
-        </p:txBody>
-      </p:sp>
-      <p:sp>
-        <p:nvSpPr>
-          <p:cNvPr id="114690" name="Rectangle 2"/>
-          <p:cNvSpPr>
-            <a:spLocks noGrp="1" noChangeArrowheads="1"/>
           </p:cNvSpPr>
           <p:nvPr>
             <p:ph type="title"/>
@@ -12344,15 +15998,185 @@
           <a:lstStyle/>
           <a:p>
             <a:r>
-              <a:rPr lang="en-US"/>
-              <a:t>Displacement Current</a:t>
-            </a:r>
-          </a:p>
-        </p:txBody>
-      </p:sp>
-      <p:sp>
-        <p:nvSpPr>
-          <p:cNvPr id="114692" name="Rectangle 4"/>
+              <a:rPr lang="en-US" dirty="0"/>
+              <a:t>Question 223.48.1</a:t>
+            </a:r>
+          </a:p>
+        </p:txBody>
+      </p:sp>
+      <p:sp>
+        <p:nvSpPr>
+          <p:cNvPr id="3" name="Content Placeholder 2"/>
+          <p:cNvSpPr>
+            <a:spLocks noGrp="1"/>
+          </p:cNvSpPr>
+          <p:nvPr>
+            <p:ph idx="1"/>
+          </p:nvPr>
+        </p:nvSpPr>
+        <p:spPr>
+          <a:xfrm>
+            <a:off x="457200" y="1600200"/>
+            <a:ext cx="4504544" cy="4525963"/>
+          </a:xfrm>
+        </p:spPr>
+        <p:txBody>
+          <a:bodyPr/>
+          <a:lstStyle/>
+          <a:p>
+            <a:pPr>
+              <a:buNone/>
+            </a:pPr>
+            <a:r>
+              <a:rPr lang="en-US" dirty="0"/>
+              <a:t>Suppose we repeat our process at point P</a:t>
+            </a:r>
+            <a:r>
+              <a:rPr lang="en-US" baseline="-25000" dirty="0"/>
+              <a:t>2</a:t>
+            </a:r>
+            <a:r>
+              <a:rPr lang="en-US" dirty="0"/>
+              <a:t>.</a:t>
+            </a:r>
+          </a:p>
+          <a:p>
+            <a:pPr>
+              <a:buNone/>
+            </a:pPr>
+            <a:r>
+              <a:rPr lang="en-US" dirty="0"/>
+              <a:t>What would the magnetic field magnitude be?</a:t>
+            </a:r>
+          </a:p>
+          <a:p>
+            <a:pPr marL="514350" indent="-514350">
+              <a:buFont typeface="+mj-lt"/>
+              <a:buAutoNum type="alphaLcParenR"/>
+            </a:pPr>
+            <a:r>
+              <a:rPr lang="en-US" dirty="0"/>
+              <a:t>0</a:t>
+            </a:r>
+          </a:p>
+          <a:p>
+            <a:pPr marL="514350" indent="-514350">
+              <a:buFont typeface="+mj-lt"/>
+              <a:buAutoNum type="alphaLcParenR"/>
+            </a:pPr>
+            <a:r>
+              <a:rPr lang="en-US" dirty="0">
+                <a:sym typeface="Symbol"/>
+              </a:rPr>
+              <a:t></a:t>
+            </a:r>
+            <a:r>
+              <a:rPr lang="en-US" baseline="-25000" dirty="0" err="1"/>
+              <a:t>o</a:t>
+            </a:r>
+            <a:r>
+              <a:rPr lang="en-US" dirty="0" err="1">
+                <a:latin typeface="Times New Roman" pitchFamily="18" charset="0"/>
+                <a:cs typeface="Times New Roman" pitchFamily="18" charset="0"/>
+              </a:rPr>
+              <a:t>I</a:t>
+            </a:r>
+            <a:r>
+              <a:rPr lang="en-US" dirty="0"/>
+              <a:t>/(2</a:t>
+            </a:r>
+            <a:r>
+              <a:rPr lang="en-US" dirty="0">
+                <a:sym typeface="Symbol"/>
+              </a:rPr>
+              <a:t></a:t>
+            </a:r>
+            <a:r>
+              <a:rPr lang="en-US" dirty="0"/>
+              <a:t>r)</a:t>
+            </a:r>
+          </a:p>
+          <a:p>
+            <a:pPr marL="514350" indent="-514350">
+              <a:buFont typeface="+mj-lt"/>
+              <a:buAutoNum type="alphaLcParenR"/>
+            </a:pPr>
+            <a:r>
+              <a:rPr lang="en-US" dirty="0">
+                <a:sym typeface="Symbol"/>
+              </a:rPr>
+              <a:t></a:t>
+            </a:r>
+            <a:r>
+              <a:rPr lang="en-US" baseline="-25000" dirty="0" err="1"/>
+              <a:t>o</a:t>
+            </a:r>
+            <a:r>
+              <a:rPr lang="en-US" dirty="0" err="1">
+                <a:latin typeface="Times New Roman" pitchFamily="18" charset="0"/>
+                <a:cs typeface="Times New Roman" pitchFamily="18" charset="0"/>
+              </a:rPr>
+              <a:t>I</a:t>
+            </a:r>
+            <a:r>
+              <a:rPr lang="en-US" dirty="0"/>
+              <a:t>/(</a:t>
+            </a:r>
+            <a:r>
+              <a:rPr lang="en-US" dirty="0">
+                <a:sym typeface="Symbol"/>
+              </a:rPr>
+              <a:t></a:t>
+            </a:r>
+            <a:r>
+              <a:rPr lang="en-US" dirty="0"/>
+              <a:t>r)</a:t>
+            </a:r>
+          </a:p>
+          <a:p>
+            <a:pPr marL="514350" indent="-514350">
+              <a:buFont typeface="+mj-lt"/>
+              <a:buAutoNum type="alphaLcParenR"/>
+            </a:pPr>
+            <a:r>
+              <a:rPr lang="en-US" dirty="0"/>
+              <a:t>5T</a:t>
+            </a:r>
+          </a:p>
+        </p:txBody>
+      </p:sp>
+      <p:sp>
+        <p:nvSpPr>
+          <p:cNvPr id="4" name="Slide Number Placeholder 3"/>
+          <p:cNvSpPr>
+            <a:spLocks noGrp="1"/>
+          </p:cNvSpPr>
+          <p:nvPr>
+            <p:ph type="sldNum" sz="quarter" idx="12"/>
+          </p:nvPr>
+        </p:nvSpPr>
+        <p:spPr/>
+        <p:txBody>
+          <a:bodyPr/>
+          <a:lstStyle/>
+          <a:p>
+            <a:pPr>
+              <a:defRPr/>
+            </a:pPr>
+            <a:fld id="{64137B81-8888-4253-92EC-0AED2A590749}" type="slidenum">
+              <a:rPr lang="en-US" smtClean="0"/>
+              <a:pPr>
+                <a:defRPr/>
+              </a:pPr>
+              <a:t>7</a:t>
+            </a:fld>
+            <a:endParaRPr lang="en-US"/>
+          </a:p>
+        </p:txBody>
+      </p:sp>
+      <p:sp>
+        <p:nvSpPr>
+          <p:cNvPr id="5" name="Rectangle 4"/>
           <p:cNvSpPr>
             <a:spLocks noChangeArrowheads="1"/>
           </p:cNvSpPr>
@@ -12360,7 +16184,7 @@
         </p:nvSpPr>
         <p:spPr bwMode="auto">
           <a:xfrm>
-            <a:off x="4330700" y="3663950"/>
+            <a:off x="6504274" y="3544029"/>
             <a:ext cx="88900" cy="1193800"/>
           </a:xfrm>
           <a:prstGeom prst="rect">
@@ -12387,7 +16211,7 @@
       </p:sp>
       <p:sp>
         <p:nvSpPr>
-          <p:cNvPr id="114693" name="Rectangle 5"/>
+          <p:cNvPr id="6" name="Rectangle 5"/>
           <p:cNvSpPr>
             <a:spLocks noChangeArrowheads="1"/>
           </p:cNvSpPr>
@@ -12395,7 +16219,7 @@
         </p:nvSpPr>
         <p:spPr bwMode="auto">
           <a:xfrm>
-            <a:off x="5194300" y="3663950"/>
+            <a:off x="7367874" y="3544029"/>
             <a:ext cx="88900" cy="1193800"/>
           </a:xfrm>
           <a:prstGeom prst="rect">
@@ -12422,7 +16246,7 @@
       </p:sp>
       <p:sp>
         <p:nvSpPr>
-          <p:cNvPr id="114694" name="Rectangle 6"/>
+          <p:cNvPr id="7" name="Rectangle 6"/>
           <p:cNvSpPr>
             <a:spLocks noChangeArrowheads="1"/>
           </p:cNvSpPr>
@@ -12430,7 +16254,7 @@
         </p:nvSpPr>
         <p:spPr bwMode="auto">
           <a:xfrm rot="-5400000">
-            <a:off x="5867400" y="3613150"/>
+            <a:off x="8040974" y="3493229"/>
             <a:ext cx="88900" cy="1295400"/>
           </a:xfrm>
           <a:prstGeom prst="rect">
@@ -12457,7 +16281,7 @@
       </p:sp>
       <p:sp>
         <p:nvSpPr>
-          <p:cNvPr id="114695" name="Rectangle 7"/>
+          <p:cNvPr id="8" name="Rectangle 7"/>
           <p:cNvSpPr>
             <a:spLocks noChangeArrowheads="1"/>
           </p:cNvSpPr>
@@ -12465,7 +16289,7 @@
         </p:nvSpPr>
         <p:spPr bwMode="auto">
           <a:xfrm rot="-5400000">
-            <a:off x="3587750" y="3530600"/>
+            <a:off x="5761324" y="3410679"/>
             <a:ext cx="88900" cy="1460500"/>
           </a:xfrm>
           <a:prstGeom prst="rect">
@@ -12492,7 +16316,7 @@
       </p:sp>
       <p:sp>
         <p:nvSpPr>
-          <p:cNvPr id="114696" name="Oval 8"/>
+          <p:cNvPr id="9" name="Oval 8"/>
           <p:cNvSpPr>
             <a:spLocks noChangeArrowheads="1"/>
           </p:cNvSpPr>
@@ -12500,7 +16324,7 @@
         </p:nvSpPr>
         <p:spPr bwMode="auto">
           <a:xfrm>
-            <a:off x="3187700" y="3206750"/>
+            <a:off x="5361274" y="3086829"/>
             <a:ext cx="88900" cy="88900"/>
           </a:xfrm>
           <a:prstGeom prst="ellipse">
@@ -12527,7 +16351,7 @@
       </p:sp>
       <p:sp>
         <p:nvSpPr>
-          <p:cNvPr id="114697" name="Text Box 9"/>
+          <p:cNvPr id="10" name="Text Box 9"/>
           <p:cNvSpPr txBox="1">
             <a:spLocks noChangeArrowheads="1"/>
           </p:cNvSpPr>
@@ -12535,8 +16359,8 @@
         </p:nvSpPr>
         <p:spPr bwMode="auto">
           <a:xfrm>
-            <a:off x="3298825" y="3082925"/>
-            <a:ext cx="396875" cy="336550"/>
+            <a:off x="5472399" y="2963004"/>
+            <a:ext cx="478696" cy="369332"/>
           </a:xfrm>
           <a:prstGeom prst="rect">
             <a:avLst/>
@@ -12551,17 +16375,17 @@
           <a:effectLst/>
         </p:spPr>
         <p:txBody>
-          <a:bodyPr>
+          <a:bodyPr wrap="square">
             <a:spAutoFit/>
           </a:bodyPr>
           <a:lstStyle/>
           <a:p>
             <a:r>
-              <a:rPr lang="en-US"/>
+              <a:rPr lang="en-US" dirty="0"/>
               <a:t>P</a:t>
             </a:r>
             <a:r>
-              <a:rPr lang="en-US" baseline="-25000"/>
+              <a:rPr lang="en-US" baseline="-25000" dirty="0"/>
               <a:t>1</a:t>
             </a:r>
           </a:p>
@@ -12569,7 +16393,7 @@
       </p:sp>
       <p:sp>
         <p:nvSpPr>
-          <p:cNvPr id="114698" name="Oval 10"/>
+          <p:cNvPr id="11" name="Oval 10"/>
           <p:cNvSpPr>
             <a:spLocks noChangeArrowheads="1"/>
           </p:cNvSpPr>
@@ -12577,7 +16401,7 @@
         </p:nvSpPr>
         <p:spPr bwMode="auto">
           <a:xfrm>
-            <a:off x="4699000" y="3206750"/>
+            <a:off x="6872574" y="3086829"/>
             <a:ext cx="88900" cy="88900"/>
           </a:xfrm>
           <a:prstGeom prst="ellipse">
@@ -12604,7 +16428,7 @@
       </p:sp>
       <p:sp>
         <p:nvSpPr>
-          <p:cNvPr id="114699" name="Text Box 11"/>
+          <p:cNvPr id="12" name="Text Box 11"/>
           <p:cNvSpPr txBox="1">
             <a:spLocks noChangeArrowheads="1"/>
           </p:cNvSpPr>
@@ -12612,8 +16436,8 @@
         </p:nvSpPr>
         <p:spPr bwMode="auto">
           <a:xfrm>
-            <a:off x="4810125" y="3082925"/>
-            <a:ext cx="396875" cy="336550"/>
+            <a:off x="6983699" y="2963004"/>
+            <a:ext cx="556353" cy="369332"/>
           </a:xfrm>
           <a:prstGeom prst="rect">
             <a:avLst/>
@@ -12628,17 +16452,17 @@
           <a:effectLst/>
         </p:spPr>
         <p:txBody>
-          <a:bodyPr>
+          <a:bodyPr wrap="square">
             <a:spAutoFit/>
           </a:bodyPr>
           <a:lstStyle/>
           <a:p>
             <a:r>
-              <a:rPr lang="en-US"/>
+              <a:rPr lang="en-US" dirty="0"/>
               <a:t>P</a:t>
             </a:r>
             <a:r>
-              <a:rPr lang="en-US" baseline="-25000"/>
+              <a:rPr lang="en-US" baseline="-25000" dirty="0"/>
               <a:t>2</a:t>
             </a:r>
           </a:p>
@@ -12646,7 +16470,7 @@
       </p:sp>
       <p:sp>
         <p:nvSpPr>
-          <p:cNvPr id="114700" name="Text Box 12"/>
+          <p:cNvPr id="13" name="Text Box 12"/>
           <p:cNvSpPr txBox="1">
             <a:spLocks noChangeArrowheads="1"/>
           </p:cNvSpPr>
@@ -12654,7 +16478,7 @@
         </p:nvSpPr>
         <p:spPr bwMode="auto">
           <a:xfrm>
-            <a:off x="3387725" y="4532313"/>
+            <a:off x="5561299" y="4412392"/>
             <a:ext cx="252413" cy="336550"/>
           </a:xfrm>
           <a:prstGeom prst="rect">
@@ -12686,7 +16510,7 @@
       </p:sp>
       <p:sp>
         <p:nvSpPr>
-          <p:cNvPr id="114701" name="Line 13"/>
+          <p:cNvPr id="14" name="Line 13"/>
           <p:cNvSpPr>
             <a:spLocks noChangeShapeType="1"/>
           </p:cNvSpPr>
@@ -12694,7 +16518,7 @@
         </p:nvSpPr>
         <p:spPr bwMode="auto">
           <a:xfrm>
-            <a:off x="3289300" y="4495800"/>
+            <a:off x="5462874" y="4375879"/>
             <a:ext cx="393700" cy="0"/>
           </a:xfrm>
           <a:prstGeom prst="line">
@@ -12721,7 +16545,7 @@
       </p:sp>
       <p:sp>
         <p:nvSpPr>
-          <p:cNvPr id="114702" name="Oval 14"/>
+          <p:cNvPr id="15" name="Oval 14"/>
           <p:cNvSpPr>
             <a:spLocks noChangeArrowheads="1"/>
           </p:cNvSpPr>
@@ -12729,7 +16553,7 @@
         </p:nvSpPr>
         <p:spPr bwMode="auto">
           <a:xfrm>
-            <a:off x="4648200" y="3238500"/>
+            <a:off x="6821774" y="3118579"/>
             <a:ext cx="203200" cy="2184400"/>
           </a:xfrm>
           <a:prstGeom prst="ellipse">
@@ -12757,7 +16581,7 @@
       </p:sp>
       <p:sp>
         <p:nvSpPr>
-          <p:cNvPr id="114703" name="Freeform 15"/>
+          <p:cNvPr id="16" name="Freeform 15"/>
           <p:cNvSpPr>
             <a:spLocks/>
           </p:cNvSpPr>
@@ -12765,7 +16589,7 @@
         </p:nvSpPr>
         <p:spPr bwMode="auto">
           <a:xfrm>
-            <a:off x="3937000" y="4400550"/>
+            <a:off x="6110574" y="4280629"/>
             <a:ext cx="303213" cy="209550"/>
           </a:xfrm>
           <a:custGeom>
@@ -12824,7 +16648,7 @@
       </p:sp>
       <p:sp>
         <p:nvSpPr>
-          <p:cNvPr id="114704" name="Freeform 16"/>
+          <p:cNvPr id="17" name="Freeform 16"/>
           <p:cNvSpPr>
             <a:spLocks/>
           </p:cNvSpPr>
@@ -12832,7 +16656,7 @@
         </p:nvSpPr>
         <p:spPr bwMode="auto">
           <a:xfrm flipV="1">
-            <a:off x="3949700" y="3930650"/>
+            <a:off x="6123274" y="3810729"/>
             <a:ext cx="303213" cy="209550"/>
           </a:xfrm>
           <a:custGeom>
@@ -12897,1033 +16721,6 @@
 </p:sld>
 </file>
 
-<file path=ppt/slides/slide7.xml><?xml version="1.0" encoding="utf-8"?>
-<p:sld xmlns:a="http://schemas.openxmlformats.org/drawingml/2006/main" xmlns:r="http://schemas.openxmlformats.org/officeDocument/2006/relationships" xmlns:p="http://schemas.openxmlformats.org/presentationml/2006/main">
-  <p:cSld>
-    <p:spTree>
-      <p:nvGrpSpPr>
-        <p:cNvPr id="1" name=""/>
-        <p:cNvGrpSpPr/>
-        <p:nvPr/>
-      </p:nvGrpSpPr>
-      <p:grpSpPr>
-        <a:xfrm>
-          <a:off x="0" y="0"/>
-          <a:ext cx="0" cy="0"/>
-          <a:chOff x="0" y="0"/>
-          <a:chExt cx="0" cy="0"/>
-        </a:xfrm>
-      </p:grpSpPr>
-      <p:sp>
-        <p:nvSpPr>
-          <p:cNvPr id="24" name="Date Placeholder 3"/>
-          <p:cNvSpPr>
-            <a:spLocks noGrp="1"/>
-          </p:cNvSpPr>
-          <p:nvPr>
-            <p:ph type="dt" sz="half" idx="10"/>
-          </p:nvPr>
-        </p:nvSpPr>
-        <p:spPr/>
-        <p:txBody>
-          <a:bodyPr/>
-          <a:lstStyle/>
-          <a:p>
-            <a:r>
-              <a:rPr lang="en-US"/>
-              <a:t>Winter 2008</a:t>
-            </a:r>
-          </a:p>
-        </p:txBody>
-      </p:sp>
-      <p:sp>
-        <p:nvSpPr>
-          <p:cNvPr id="25" name="Footer Placeholder 4"/>
-          <p:cNvSpPr>
-            <a:spLocks noGrp="1"/>
-          </p:cNvSpPr>
-          <p:nvPr>
-            <p:ph type="ftr" sz="quarter" idx="11"/>
-          </p:nvPr>
-        </p:nvSpPr>
-        <p:spPr/>
-        <p:txBody>
-          <a:bodyPr/>
-          <a:lstStyle/>
-          <a:p>
-            <a:r>
-              <a:rPr lang="en-US"/>
-              <a:t>R. Todd Lines</a:t>
-            </a:r>
-          </a:p>
-        </p:txBody>
-      </p:sp>
-      <p:sp>
-        <p:nvSpPr>
-          <p:cNvPr id="115714" name="Rectangle 2"/>
-          <p:cNvSpPr>
-            <a:spLocks noGrp="1" noChangeArrowheads="1"/>
-          </p:cNvSpPr>
-          <p:nvPr>
-            <p:ph type="title"/>
-          </p:nvPr>
-        </p:nvSpPr>
-        <p:spPr/>
-        <p:txBody>
-          <a:bodyPr/>
-          <a:lstStyle/>
-          <a:p>
-            <a:r>
-              <a:rPr lang="en-US"/>
-              <a:t>Displacement Current</a:t>
-            </a:r>
-          </a:p>
-        </p:txBody>
-      </p:sp>
-      <p:grpSp>
-        <p:nvGrpSpPr>
-          <p:cNvPr id="2" name="Group 26"/>
-          <p:cNvGrpSpPr>
-            <a:grpSpLocks/>
-          </p:cNvGrpSpPr>
-          <p:nvPr/>
-        </p:nvGrpSpPr>
-        <p:grpSpPr bwMode="auto">
-          <a:xfrm>
-            <a:off x="2168525" y="2790825"/>
-            <a:ext cx="4391025" cy="2632075"/>
-            <a:chOff x="1366" y="1758"/>
-            <a:chExt cx="2766" cy="1658"/>
-          </a:xfrm>
-        </p:grpSpPr>
-        <p:sp>
-          <p:nvSpPr>
-            <p:cNvPr id="115729" name="Arc 17"/>
-            <p:cNvSpPr>
-              <a:spLocks/>
-            </p:cNvSpPr>
-            <p:nvPr/>
-          </p:nvSpPr>
-          <p:spPr bwMode="auto">
-            <a:xfrm>
-              <a:off x="2048" y="2032"/>
-              <a:ext cx="1024" cy="1376"/>
-            </a:xfrm>
-            <a:custGeom>
-              <a:avLst/>
-              <a:gdLst>
-                <a:gd name="G0" fmla="+- 0 0 0"/>
-                <a:gd name="G1" fmla="+- 21600 0 0"/>
-                <a:gd name="G2" fmla="+- 21600 0 0"/>
-                <a:gd name="T0" fmla="*/ 0 w 21600"/>
-                <a:gd name="T1" fmla="*/ 0 h 43200"/>
-                <a:gd name="T2" fmla="*/ 0 w 21600"/>
-                <a:gd name="T3" fmla="*/ 43200 h 43200"/>
-                <a:gd name="T4" fmla="*/ 0 w 21600"/>
-                <a:gd name="T5" fmla="*/ 21600 h 43200"/>
-              </a:gdLst>
-              <a:ahLst/>
-              <a:cxnLst>
-                <a:cxn ang="0">
-                  <a:pos x="T0" y="T1"/>
-                </a:cxn>
-                <a:cxn ang="0">
-                  <a:pos x="T2" y="T3"/>
-                </a:cxn>
-                <a:cxn ang="0">
-                  <a:pos x="T4" y="T5"/>
-                </a:cxn>
-              </a:cxnLst>
-              <a:rect l="0" t="0" r="r" b="b"/>
-              <a:pathLst>
-                <a:path w="21600" h="43200" fill="none" extrusionOk="0">
-                  <a:moveTo>
-                    <a:pt x="-1" y="0"/>
-                  </a:moveTo>
-                  <a:cubicBezTo>
-                    <a:pt x="11929" y="0"/>
-                    <a:pt x="21600" y="9670"/>
-                    <a:pt x="21600" y="21600"/>
-                  </a:cubicBezTo>
-                  <a:cubicBezTo>
-                    <a:pt x="21600" y="33529"/>
-                    <a:pt x="11929" y="43199"/>
-                    <a:pt x="0" y="43200"/>
-                  </a:cubicBezTo>
-                </a:path>
-                <a:path w="21600" h="43200" stroke="0" extrusionOk="0">
-                  <a:moveTo>
-                    <a:pt x="-1" y="0"/>
-                  </a:moveTo>
-                  <a:cubicBezTo>
-                    <a:pt x="11929" y="0"/>
-                    <a:pt x="21600" y="9670"/>
-                    <a:pt x="21600" y="21600"/>
-                  </a:cubicBezTo>
-                  <a:cubicBezTo>
-                    <a:pt x="21600" y="33529"/>
-                    <a:pt x="11929" y="43199"/>
-                    <a:pt x="0" y="43200"/>
-                  </a:cubicBezTo>
-                  <a:lnTo>
-                    <a:pt x="0" y="21600"/>
-                  </a:lnTo>
-                  <a:close/>
-                </a:path>
-              </a:pathLst>
-            </a:custGeom>
-            <a:solidFill>
-              <a:srgbClr val="FFFF99"/>
-            </a:solidFill>
-            <a:ln w="9525">
-              <a:solidFill>
-                <a:schemeClr val="tx1"/>
-              </a:solidFill>
-              <a:miter lim="800000"/>
-              <a:headEnd/>
-              <a:tailEnd/>
-            </a:ln>
-            <a:effectLst/>
-          </p:spPr>
-          <p:txBody>
-            <a:bodyPr wrap="none" anchor="ctr"/>
-            <a:lstStyle/>
-            <a:p>
-              <a:endParaRPr lang="en-US"/>
-            </a:p>
-          </p:txBody>
-        </p:sp>
-        <p:sp>
-          <p:nvSpPr>
-            <p:cNvPr id="115716" name="Rectangle 4"/>
-            <p:cNvSpPr>
-              <a:spLocks noChangeArrowheads="1"/>
-            </p:cNvSpPr>
-            <p:nvPr/>
-          </p:nvSpPr>
-          <p:spPr bwMode="auto">
-            <a:xfrm>
-              <a:off x="2728" y="2308"/>
-              <a:ext cx="56" cy="752"/>
-            </a:xfrm>
-            <a:prstGeom prst="rect">
-              <a:avLst/>
-            </a:prstGeom>
-            <a:solidFill>
-              <a:schemeClr val="tx1"/>
-            </a:solidFill>
-            <a:ln w="9525">
-              <a:noFill/>
-              <a:miter lim="800000"/>
-              <a:headEnd/>
-              <a:tailEnd/>
-            </a:ln>
-            <a:effectLst/>
-          </p:spPr>
-          <p:txBody>
-            <a:bodyPr wrap="none" anchor="ctr"/>
-            <a:lstStyle/>
-            <a:p>
-              <a:endParaRPr lang="en-US"/>
-            </a:p>
-          </p:txBody>
-        </p:sp>
-        <p:sp>
-          <p:nvSpPr>
-            <p:cNvPr id="115717" name="Rectangle 5"/>
-            <p:cNvSpPr>
-              <a:spLocks noChangeArrowheads="1"/>
-            </p:cNvSpPr>
-            <p:nvPr/>
-          </p:nvSpPr>
-          <p:spPr bwMode="auto">
-            <a:xfrm>
-              <a:off x="3272" y="2308"/>
-              <a:ext cx="56" cy="752"/>
-            </a:xfrm>
-            <a:prstGeom prst="rect">
-              <a:avLst/>
-            </a:prstGeom>
-            <a:solidFill>
-              <a:schemeClr val="tx1"/>
-            </a:solidFill>
-            <a:ln w="9525">
-              <a:noFill/>
-              <a:miter lim="800000"/>
-              <a:headEnd/>
-              <a:tailEnd/>
-            </a:ln>
-            <a:effectLst/>
-          </p:spPr>
-          <p:txBody>
-            <a:bodyPr wrap="none" anchor="ctr"/>
-            <a:lstStyle/>
-            <a:p>
-              <a:endParaRPr lang="en-US"/>
-            </a:p>
-          </p:txBody>
-        </p:sp>
-        <p:sp>
-          <p:nvSpPr>
-            <p:cNvPr id="115718" name="Rectangle 6"/>
-            <p:cNvSpPr>
-              <a:spLocks noChangeArrowheads="1"/>
-            </p:cNvSpPr>
-            <p:nvPr/>
-          </p:nvSpPr>
-          <p:spPr bwMode="auto">
-            <a:xfrm rot="-5400000">
-              <a:off x="3696" y="2276"/>
-              <a:ext cx="56" cy="816"/>
-            </a:xfrm>
-            <a:prstGeom prst="rect">
-              <a:avLst/>
-            </a:prstGeom>
-            <a:solidFill>
-              <a:schemeClr val="tx1"/>
-            </a:solidFill>
-            <a:ln w="9525">
-              <a:noFill/>
-              <a:miter lim="800000"/>
-              <a:headEnd/>
-              <a:tailEnd/>
-            </a:ln>
-            <a:effectLst/>
-          </p:spPr>
-          <p:txBody>
-            <a:bodyPr wrap="none" anchor="ctr"/>
-            <a:lstStyle/>
-            <a:p>
-              <a:endParaRPr lang="en-US"/>
-            </a:p>
-          </p:txBody>
-        </p:sp>
-        <p:sp>
-          <p:nvSpPr>
-            <p:cNvPr id="115719" name="Rectangle 7"/>
-            <p:cNvSpPr>
-              <a:spLocks noChangeArrowheads="1"/>
-            </p:cNvSpPr>
-            <p:nvPr/>
-          </p:nvSpPr>
-          <p:spPr bwMode="auto">
-            <a:xfrm rot="-5400000">
-              <a:off x="2260" y="2224"/>
-              <a:ext cx="56" cy="920"/>
-            </a:xfrm>
-            <a:prstGeom prst="rect">
-              <a:avLst/>
-            </a:prstGeom>
-            <a:solidFill>
-              <a:schemeClr val="tx1"/>
-            </a:solidFill>
-            <a:ln w="9525">
-              <a:noFill/>
-              <a:miter lim="800000"/>
-              <a:headEnd/>
-              <a:tailEnd/>
-            </a:ln>
-            <a:effectLst/>
-          </p:spPr>
-          <p:txBody>
-            <a:bodyPr wrap="none" anchor="ctr"/>
-            <a:lstStyle/>
-            <a:p>
-              <a:endParaRPr lang="en-US"/>
-            </a:p>
-          </p:txBody>
-        </p:sp>
-        <p:sp>
-          <p:nvSpPr>
-            <p:cNvPr id="115720" name="Oval 8"/>
-            <p:cNvSpPr>
-              <a:spLocks noChangeArrowheads="1"/>
-            </p:cNvSpPr>
-            <p:nvPr/>
-          </p:nvSpPr>
-          <p:spPr bwMode="auto">
-            <a:xfrm>
-              <a:off x="2008" y="2020"/>
-              <a:ext cx="56" cy="56"/>
-            </a:xfrm>
-            <a:prstGeom prst="ellipse">
-              <a:avLst/>
-            </a:prstGeom>
-            <a:solidFill>
-              <a:schemeClr val="tx1"/>
-            </a:solidFill>
-            <a:ln w="9525">
-              <a:noFill/>
-              <a:miter lim="800000"/>
-              <a:headEnd/>
-              <a:tailEnd/>
-            </a:ln>
-            <a:effectLst/>
-          </p:spPr>
-          <p:txBody>
-            <a:bodyPr wrap="none" anchor="ctr"/>
-            <a:lstStyle/>
-            <a:p>
-              <a:endParaRPr lang="en-US"/>
-            </a:p>
-          </p:txBody>
-        </p:sp>
-        <p:sp>
-          <p:nvSpPr>
-            <p:cNvPr id="115721" name="Text Box 9"/>
-            <p:cNvSpPr txBox="1">
-              <a:spLocks noChangeArrowheads="1"/>
-            </p:cNvSpPr>
-            <p:nvPr/>
-          </p:nvSpPr>
-          <p:spPr bwMode="auto">
-            <a:xfrm>
-              <a:off x="1966" y="1822"/>
-              <a:ext cx="250" cy="212"/>
-            </a:xfrm>
-            <a:prstGeom prst="rect">
-              <a:avLst/>
-            </a:prstGeom>
-            <a:noFill/>
-            <a:ln w="9525">
-              <a:noFill/>
-              <a:miter lim="800000"/>
-              <a:headEnd/>
-              <a:tailEnd/>
-            </a:ln>
-            <a:effectLst/>
-          </p:spPr>
-          <p:txBody>
-            <a:bodyPr>
-              <a:spAutoFit/>
-            </a:bodyPr>
-            <a:lstStyle/>
-            <a:p>
-              <a:r>
-                <a:rPr lang="en-US"/>
-                <a:t>P</a:t>
-              </a:r>
-              <a:r>
-                <a:rPr lang="en-US" baseline="-25000"/>
-                <a:t>1</a:t>
-              </a:r>
-            </a:p>
-          </p:txBody>
-        </p:sp>
-        <p:sp>
-          <p:nvSpPr>
-            <p:cNvPr id="115722" name="Oval 10"/>
-            <p:cNvSpPr>
-              <a:spLocks noChangeArrowheads="1"/>
-            </p:cNvSpPr>
-            <p:nvPr/>
-          </p:nvSpPr>
-          <p:spPr bwMode="auto">
-            <a:xfrm>
-              <a:off x="2960" y="2020"/>
-              <a:ext cx="56" cy="56"/>
-            </a:xfrm>
-            <a:prstGeom prst="ellipse">
-              <a:avLst/>
-            </a:prstGeom>
-            <a:solidFill>
-              <a:schemeClr val="tx1"/>
-            </a:solidFill>
-            <a:ln w="9525">
-              <a:noFill/>
-              <a:miter lim="800000"/>
-              <a:headEnd/>
-              <a:tailEnd/>
-            </a:ln>
-            <a:effectLst/>
-          </p:spPr>
-          <p:txBody>
-            <a:bodyPr wrap="none" anchor="ctr"/>
-            <a:lstStyle/>
-            <a:p>
-              <a:endParaRPr lang="en-US"/>
-            </a:p>
-          </p:txBody>
-        </p:sp>
-        <p:sp>
-          <p:nvSpPr>
-            <p:cNvPr id="115723" name="Text Box 11"/>
-            <p:cNvSpPr txBox="1">
-              <a:spLocks noChangeArrowheads="1"/>
-            </p:cNvSpPr>
-            <p:nvPr/>
-          </p:nvSpPr>
-          <p:spPr bwMode="auto">
-            <a:xfrm>
-              <a:off x="3030" y="1942"/>
-              <a:ext cx="250" cy="212"/>
-            </a:xfrm>
-            <a:prstGeom prst="rect">
-              <a:avLst/>
-            </a:prstGeom>
-            <a:noFill/>
-            <a:ln w="9525">
-              <a:noFill/>
-              <a:miter lim="800000"/>
-              <a:headEnd/>
-              <a:tailEnd/>
-            </a:ln>
-            <a:effectLst/>
-          </p:spPr>
-          <p:txBody>
-            <a:bodyPr>
-              <a:spAutoFit/>
-            </a:bodyPr>
-            <a:lstStyle/>
-            <a:p>
-              <a:r>
-                <a:rPr lang="en-US"/>
-                <a:t>P</a:t>
-              </a:r>
-              <a:r>
-                <a:rPr lang="en-US" baseline="-25000"/>
-                <a:t>2</a:t>
-              </a:r>
-            </a:p>
-          </p:txBody>
-        </p:sp>
-        <p:sp>
-          <p:nvSpPr>
-            <p:cNvPr id="115724" name="Text Box 12"/>
-            <p:cNvSpPr txBox="1">
-              <a:spLocks noChangeArrowheads="1"/>
-            </p:cNvSpPr>
-            <p:nvPr/>
-          </p:nvSpPr>
-          <p:spPr bwMode="auto">
-            <a:xfrm>
-              <a:off x="2134" y="2855"/>
-              <a:ext cx="159" cy="212"/>
-            </a:xfrm>
-            <a:prstGeom prst="rect">
-              <a:avLst/>
-            </a:prstGeom>
-            <a:noFill/>
-            <a:ln w="9525">
-              <a:noFill/>
-              <a:miter lim="800000"/>
-              <a:headEnd/>
-              <a:tailEnd/>
-            </a:ln>
-            <a:effectLst/>
-          </p:spPr>
-          <p:txBody>
-            <a:bodyPr wrap="none">
-              <a:spAutoFit/>
-            </a:bodyPr>
-            <a:lstStyle/>
-            <a:p>
-              <a:r>
-                <a:rPr lang="en-US">
-                  <a:latin typeface="Times New Roman" pitchFamily="18" charset="0"/>
-                </a:rPr>
-                <a:t>I</a:t>
-              </a:r>
-            </a:p>
-          </p:txBody>
-        </p:sp>
-        <p:sp>
-          <p:nvSpPr>
-            <p:cNvPr id="115725" name="Line 13"/>
-            <p:cNvSpPr>
-              <a:spLocks noChangeShapeType="1"/>
-            </p:cNvSpPr>
-            <p:nvPr/>
-          </p:nvSpPr>
-          <p:spPr bwMode="auto">
-            <a:xfrm>
-              <a:off x="2072" y="2832"/>
-              <a:ext cx="248" cy="0"/>
-            </a:xfrm>
-            <a:prstGeom prst="line">
-              <a:avLst/>
-            </a:prstGeom>
-            <a:noFill/>
-            <a:ln w="9525">
-              <a:solidFill>
-                <a:schemeClr val="tx1"/>
-              </a:solidFill>
-              <a:miter lim="800000"/>
-              <a:headEnd/>
-              <a:tailEnd type="triangle" w="med" len="med"/>
-            </a:ln>
-            <a:effectLst/>
-          </p:spPr>
-          <p:txBody>
-            <a:bodyPr wrap="none"/>
-            <a:lstStyle/>
-            <a:p>
-              <a:endParaRPr lang="en-US"/>
-            </a:p>
-          </p:txBody>
-        </p:sp>
-        <p:sp>
-          <p:nvSpPr>
-            <p:cNvPr id="115726" name="Oval 14"/>
-            <p:cNvSpPr>
-              <a:spLocks noChangeArrowheads="1"/>
-            </p:cNvSpPr>
-            <p:nvPr/>
-          </p:nvSpPr>
-          <p:spPr bwMode="auto">
-            <a:xfrm>
-              <a:off x="1968" y="2040"/>
-              <a:ext cx="128" cy="1376"/>
-            </a:xfrm>
-            <a:prstGeom prst="ellipse">
-              <a:avLst/>
-            </a:prstGeom>
-            <a:solidFill>
-              <a:srgbClr val="FFCC99"/>
-            </a:solidFill>
-            <a:ln w="9525">
-              <a:solidFill>
-                <a:schemeClr val="tx1"/>
-              </a:solidFill>
-              <a:prstDash val="dash"/>
-              <a:miter lim="800000"/>
-              <a:headEnd/>
-              <a:tailEnd/>
-            </a:ln>
-            <a:effectLst/>
-          </p:spPr>
-          <p:txBody>
-            <a:bodyPr wrap="none" anchor="ctr"/>
-            <a:lstStyle/>
-            <a:p>
-              <a:endParaRPr lang="en-US"/>
-            </a:p>
-          </p:txBody>
-        </p:sp>
-        <p:sp>
-          <p:nvSpPr>
-            <p:cNvPr id="115727" name="Freeform 15"/>
-            <p:cNvSpPr>
-              <a:spLocks/>
-            </p:cNvSpPr>
-            <p:nvPr/>
-          </p:nvSpPr>
-          <p:spPr bwMode="auto">
-            <a:xfrm>
-              <a:off x="2480" y="2772"/>
-              <a:ext cx="191" cy="132"/>
-            </a:xfrm>
-            <a:custGeom>
-              <a:avLst/>
-              <a:gdLst/>
-              <a:ahLst/>
-              <a:cxnLst>
-                <a:cxn ang="0">
-                  <a:pos x="0" y="12"/>
-                </a:cxn>
-                <a:cxn ang="0">
-                  <a:pos x="160" y="20"/>
-                </a:cxn>
-                <a:cxn ang="0">
-                  <a:pos x="184" y="132"/>
-                </a:cxn>
-              </a:cxnLst>
-              <a:rect l="0" t="0" r="r" b="b"/>
-              <a:pathLst>
-                <a:path w="191" h="132">
-                  <a:moveTo>
-                    <a:pt x="0" y="12"/>
-                  </a:moveTo>
-                  <a:cubicBezTo>
-                    <a:pt x="64" y="6"/>
-                    <a:pt x="129" y="0"/>
-                    <a:pt x="160" y="20"/>
-                  </a:cubicBezTo>
-                  <a:cubicBezTo>
-                    <a:pt x="191" y="40"/>
-                    <a:pt x="175" y="112"/>
-                    <a:pt x="184" y="132"/>
-                  </a:cubicBezTo>
-                </a:path>
-              </a:pathLst>
-            </a:custGeom>
-            <a:noFill/>
-            <a:ln w="9525" cap="flat" cmpd="sng">
-              <a:solidFill>
-                <a:schemeClr val="tx1"/>
-              </a:solidFill>
-              <a:prstDash val="solid"/>
-              <a:miter lim="800000"/>
-              <a:headEnd type="none" w="med" len="med"/>
-              <a:tailEnd type="triangle" w="med" len="med"/>
-            </a:ln>
-            <a:effectLst/>
-          </p:spPr>
-          <p:txBody>
-            <a:bodyPr wrap="none"/>
-            <a:lstStyle/>
-            <a:p>
-              <a:endParaRPr lang="en-US"/>
-            </a:p>
-          </p:txBody>
-        </p:sp>
-        <p:sp>
-          <p:nvSpPr>
-            <p:cNvPr id="115728" name="Freeform 16"/>
-            <p:cNvSpPr>
-              <a:spLocks/>
-            </p:cNvSpPr>
-            <p:nvPr/>
-          </p:nvSpPr>
-          <p:spPr bwMode="auto">
-            <a:xfrm flipV="1">
-              <a:off x="2488" y="2476"/>
-              <a:ext cx="191" cy="132"/>
-            </a:xfrm>
-            <a:custGeom>
-              <a:avLst/>
-              <a:gdLst/>
-              <a:ahLst/>
-              <a:cxnLst>
-                <a:cxn ang="0">
-                  <a:pos x="0" y="12"/>
-                </a:cxn>
-                <a:cxn ang="0">
-                  <a:pos x="160" y="20"/>
-                </a:cxn>
-                <a:cxn ang="0">
-                  <a:pos x="184" y="132"/>
-                </a:cxn>
-              </a:cxnLst>
-              <a:rect l="0" t="0" r="r" b="b"/>
-              <a:pathLst>
-                <a:path w="191" h="132">
-                  <a:moveTo>
-                    <a:pt x="0" y="12"/>
-                  </a:moveTo>
-                  <a:cubicBezTo>
-                    <a:pt x="64" y="6"/>
-                    <a:pt x="129" y="0"/>
-                    <a:pt x="160" y="20"/>
-                  </a:cubicBezTo>
-                  <a:cubicBezTo>
-                    <a:pt x="191" y="40"/>
-                    <a:pt x="175" y="112"/>
-                    <a:pt x="184" y="132"/>
-                  </a:cubicBezTo>
-                </a:path>
-              </a:pathLst>
-            </a:custGeom>
-            <a:noFill/>
-            <a:ln w="9525" cap="flat" cmpd="sng">
-              <a:solidFill>
-                <a:schemeClr val="tx1"/>
-              </a:solidFill>
-              <a:prstDash val="solid"/>
-              <a:miter lim="800000"/>
-              <a:headEnd type="none" w="med" len="med"/>
-              <a:tailEnd type="triangle" w="med" len="med"/>
-            </a:ln>
-            <a:effectLst/>
-          </p:spPr>
-          <p:txBody>
-            <a:bodyPr wrap="none"/>
-            <a:lstStyle/>
-            <a:p>
-              <a:endParaRPr lang="en-US"/>
-            </a:p>
-          </p:txBody>
-        </p:sp>
-        <p:sp>
-          <p:nvSpPr>
-            <p:cNvPr id="115730" name="Rectangle 18"/>
-            <p:cNvSpPr>
-              <a:spLocks noChangeArrowheads="1"/>
-            </p:cNvSpPr>
-            <p:nvPr/>
-          </p:nvSpPr>
-          <p:spPr bwMode="auto">
-            <a:xfrm rot="-5400000">
-              <a:off x="1804" y="2496"/>
-              <a:ext cx="56" cy="376"/>
-            </a:xfrm>
-            <a:prstGeom prst="rect">
-              <a:avLst/>
-            </a:prstGeom>
-            <a:solidFill>
-              <a:schemeClr val="tx1"/>
-            </a:solidFill>
-            <a:ln w="9525">
-              <a:noFill/>
-              <a:miter lim="800000"/>
-              <a:headEnd/>
-              <a:tailEnd/>
-            </a:ln>
-            <a:effectLst/>
-          </p:spPr>
-          <p:txBody>
-            <a:bodyPr wrap="none" anchor="ctr"/>
-            <a:lstStyle/>
-            <a:p>
-              <a:endParaRPr lang="en-US"/>
-            </a:p>
-          </p:txBody>
-        </p:sp>
-        <p:sp>
-          <p:nvSpPr>
-            <p:cNvPr id="115731" name="Freeform 19"/>
-            <p:cNvSpPr>
-              <a:spLocks/>
-            </p:cNvSpPr>
-            <p:nvPr/>
-          </p:nvSpPr>
-          <p:spPr bwMode="auto">
-            <a:xfrm>
-              <a:off x="2171" y="3108"/>
-              <a:ext cx="518" cy="200"/>
-            </a:xfrm>
-            <a:custGeom>
-              <a:avLst/>
-              <a:gdLst/>
-              <a:ahLst/>
-              <a:cxnLst>
-                <a:cxn ang="0">
-                  <a:pos x="21" y="180"/>
-                </a:cxn>
-                <a:cxn ang="0">
-                  <a:pos x="301" y="92"/>
-                </a:cxn>
-                <a:cxn ang="0">
-                  <a:pos x="493" y="4"/>
-                </a:cxn>
-                <a:cxn ang="0">
-                  <a:pos x="453" y="68"/>
-                </a:cxn>
-                <a:cxn ang="0">
-                  <a:pos x="173" y="180"/>
-                </a:cxn>
-                <a:cxn ang="0">
-                  <a:pos x="21" y="180"/>
-                </a:cxn>
-              </a:cxnLst>
-              <a:rect l="0" t="0" r="r" b="b"/>
-              <a:pathLst>
-                <a:path w="518" h="200">
-                  <a:moveTo>
-                    <a:pt x="21" y="180"/>
-                  </a:moveTo>
-                  <a:cubicBezTo>
-                    <a:pt x="42" y="165"/>
-                    <a:pt x="222" y="121"/>
-                    <a:pt x="301" y="92"/>
-                  </a:cubicBezTo>
-                  <a:cubicBezTo>
-                    <a:pt x="380" y="63"/>
-                    <a:pt x="468" y="8"/>
-                    <a:pt x="493" y="4"/>
-                  </a:cubicBezTo>
-                  <a:cubicBezTo>
-                    <a:pt x="518" y="0"/>
-                    <a:pt x="506" y="39"/>
-                    <a:pt x="453" y="68"/>
-                  </a:cubicBezTo>
-                  <a:cubicBezTo>
-                    <a:pt x="400" y="97"/>
-                    <a:pt x="244" y="160"/>
-                    <a:pt x="173" y="180"/>
-                  </a:cubicBezTo>
-                  <a:cubicBezTo>
-                    <a:pt x="102" y="200"/>
-                    <a:pt x="0" y="195"/>
-                    <a:pt x="21" y="180"/>
-                  </a:cubicBezTo>
-                  <a:close/>
-                </a:path>
-              </a:pathLst>
-            </a:custGeom>
-            <a:solidFill>
-              <a:schemeClr val="bg1"/>
-            </a:solidFill>
-            <a:ln w="9525" cap="flat" cmpd="sng">
-              <a:noFill/>
-              <a:prstDash val="solid"/>
-              <a:miter lim="800000"/>
-              <a:headEnd type="none" w="med" len="med"/>
-              <a:tailEnd type="none" w="med" len="med"/>
-            </a:ln>
-            <a:effectLst/>
-          </p:spPr>
-          <p:txBody>
-            <a:bodyPr wrap="none"/>
-            <a:lstStyle/>
-            <a:p>
-              <a:endParaRPr lang="en-US"/>
-            </a:p>
-          </p:txBody>
-        </p:sp>
-        <p:sp>
-          <p:nvSpPr>
-            <p:cNvPr id="115732" name="Line 20"/>
-            <p:cNvSpPr>
-              <a:spLocks noChangeShapeType="1"/>
-            </p:cNvSpPr>
-            <p:nvPr/>
-          </p:nvSpPr>
-          <p:spPr bwMode="auto">
-            <a:xfrm flipH="1" flipV="1">
-              <a:off x="1600" y="2232"/>
-              <a:ext cx="456" cy="232"/>
-            </a:xfrm>
-            <a:prstGeom prst="line">
-              <a:avLst/>
-            </a:prstGeom>
-            <a:noFill/>
-            <a:ln w="9525">
-              <a:solidFill>
-                <a:schemeClr val="tx1"/>
-              </a:solidFill>
-              <a:miter lim="800000"/>
-              <a:headEnd type="triangle" w="med" len="med"/>
-              <a:tailEnd/>
-            </a:ln>
-            <a:effectLst/>
-          </p:spPr>
-          <p:txBody>
-            <a:bodyPr wrap="none"/>
-            <a:lstStyle/>
-            <a:p>
-              <a:endParaRPr lang="en-US"/>
-            </a:p>
-          </p:txBody>
-        </p:sp>
-        <p:sp>
-          <p:nvSpPr>
-            <p:cNvPr id="115735" name="Text Box 23"/>
-            <p:cNvSpPr txBox="1">
-              <a:spLocks noChangeArrowheads="1"/>
-            </p:cNvSpPr>
-            <p:nvPr/>
-          </p:nvSpPr>
-          <p:spPr bwMode="auto">
-            <a:xfrm>
-              <a:off x="1366" y="2078"/>
-              <a:ext cx="250" cy="212"/>
-            </a:xfrm>
-            <a:prstGeom prst="rect">
-              <a:avLst/>
-            </a:prstGeom>
-            <a:noFill/>
-            <a:ln w="9525">
-              <a:noFill/>
-              <a:miter lim="800000"/>
-              <a:headEnd/>
-              <a:tailEnd/>
-            </a:ln>
-            <a:effectLst/>
-          </p:spPr>
-          <p:txBody>
-            <a:bodyPr>
-              <a:spAutoFit/>
-            </a:bodyPr>
-            <a:lstStyle/>
-            <a:p>
-              <a:r>
-                <a:rPr lang="en-US"/>
-                <a:t>S</a:t>
-              </a:r>
-              <a:r>
-                <a:rPr lang="en-US" baseline="-25000"/>
-                <a:t>1</a:t>
-              </a:r>
-            </a:p>
-          </p:txBody>
-        </p:sp>
-        <p:sp>
-          <p:nvSpPr>
-            <p:cNvPr id="115736" name="Text Box 24"/>
-            <p:cNvSpPr txBox="1">
-              <a:spLocks noChangeArrowheads="1"/>
-            </p:cNvSpPr>
-            <p:nvPr/>
-          </p:nvSpPr>
-          <p:spPr bwMode="auto">
-            <a:xfrm>
-              <a:off x="2558" y="1758"/>
-              <a:ext cx="250" cy="212"/>
-            </a:xfrm>
-            <a:prstGeom prst="rect">
-              <a:avLst/>
-            </a:prstGeom>
-            <a:noFill/>
-            <a:ln w="9525">
-              <a:noFill/>
-              <a:miter lim="800000"/>
-              <a:headEnd/>
-              <a:tailEnd/>
-            </a:ln>
-            <a:effectLst/>
-          </p:spPr>
-          <p:txBody>
-            <a:bodyPr>
-              <a:spAutoFit/>
-            </a:bodyPr>
-            <a:lstStyle/>
-            <a:p>
-              <a:r>
-                <a:rPr lang="en-US"/>
-                <a:t>S</a:t>
-              </a:r>
-              <a:r>
-                <a:rPr lang="en-US" baseline="-25000"/>
-                <a:t>2</a:t>
-              </a:r>
-            </a:p>
-          </p:txBody>
-        </p:sp>
-        <p:sp>
-          <p:nvSpPr>
-            <p:cNvPr id="115737" name="Line 25"/>
-            <p:cNvSpPr>
-              <a:spLocks noChangeShapeType="1"/>
-            </p:cNvSpPr>
-            <p:nvPr/>
-          </p:nvSpPr>
-          <p:spPr bwMode="auto">
-            <a:xfrm flipH="1">
-              <a:off x="2488" y="1936"/>
-              <a:ext cx="160" cy="272"/>
-            </a:xfrm>
-            <a:prstGeom prst="line">
-              <a:avLst/>
-            </a:prstGeom>
-            <a:noFill/>
-            <a:ln w="9525">
-              <a:solidFill>
-                <a:schemeClr val="tx1"/>
-              </a:solidFill>
-              <a:miter lim="800000"/>
-              <a:headEnd/>
-              <a:tailEnd type="triangle" w="med" len="med"/>
-            </a:ln>
-            <a:effectLst/>
-          </p:spPr>
-          <p:txBody>
-            <a:bodyPr wrap="none"/>
-            <a:lstStyle/>
-            <a:p>
-              <a:endParaRPr lang="en-US"/>
-            </a:p>
-          </p:txBody>
-        </p:sp>
-      </p:grpSp>
-    </p:spTree>
-  </p:cSld>
-  <p:clrMapOvr>
-    <a:masterClrMapping/>
-  </p:clrMapOvr>
-</p:sld>
-</file>
-
 <file path=ppt/slides/slide8.xml><?xml version="1.0" encoding="utf-8"?>
 <p:sld xmlns:a="http://schemas.openxmlformats.org/drawingml/2006/main" xmlns:r="http://schemas.openxmlformats.org/officeDocument/2006/relationships" xmlns:p="http://schemas.openxmlformats.org/presentationml/2006/main">
   <p:cSld>
@@ -13943,53 +16740,9 @@
       </p:grpSpPr>
       <p:sp>
         <p:nvSpPr>
-          <p:cNvPr id="23" name="Date Placeholder 3"/>
+          <p:cNvPr id="2" name="Title 1"/>
           <p:cNvSpPr>
             <a:spLocks noGrp="1"/>
-          </p:cNvSpPr>
-          <p:nvPr>
-            <p:ph type="dt" sz="half" idx="10"/>
-          </p:nvPr>
-        </p:nvSpPr>
-        <p:spPr/>
-        <p:txBody>
-          <a:bodyPr/>
-          <a:lstStyle/>
-          <a:p>
-            <a:r>
-              <a:rPr lang="en-US"/>
-              <a:t>Winter 2008</a:t>
-            </a:r>
-          </a:p>
-        </p:txBody>
-      </p:sp>
-      <p:sp>
-        <p:nvSpPr>
-          <p:cNvPr id="24" name="Footer Placeholder 4"/>
-          <p:cNvSpPr>
-            <a:spLocks noGrp="1"/>
-          </p:cNvSpPr>
-          <p:nvPr>
-            <p:ph type="ftr" sz="quarter" idx="11"/>
-          </p:nvPr>
-        </p:nvSpPr>
-        <p:spPr/>
-        <p:txBody>
-          <a:bodyPr/>
-          <a:lstStyle/>
-          <a:p>
-            <a:r>
-              <a:rPr lang="en-US"/>
-              <a:t>R. Todd Lines</a:t>
-            </a:r>
-          </a:p>
-        </p:txBody>
-      </p:sp>
-      <p:sp>
-        <p:nvSpPr>
-          <p:cNvPr id="110594" name="Rectangle 2"/>
-          <p:cNvSpPr>
-            <a:spLocks noGrp="1" noChangeArrowheads="1"/>
           </p:cNvSpPr>
           <p:nvPr>
             <p:ph type="title"/>
@@ -14001,15 +16754,119 @@
           <a:lstStyle/>
           <a:p>
             <a:r>
+              <a:rPr lang="en-US" dirty="0"/>
+              <a:t>Question 223.48.2</a:t>
+            </a:r>
+          </a:p>
+        </p:txBody>
+      </p:sp>
+      <p:sp>
+        <p:nvSpPr>
+          <p:cNvPr id="3" name="Content Placeholder 2"/>
+          <p:cNvSpPr>
+            <a:spLocks noGrp="1"/>
+          </p:cNvSpPr>
+          <p:nvPr>
+            <p:ph idx="1"/>
+          </p:nvPr>
+        </p:nvSpPr>
+        <p:spPr>
+          <a:xfrm>
+            <a:off x="457200" y="1600200"/>
+            <a:ext cx="4504544" cy="4525963"/>
+          </a:xfrm>
+        </p:spPr>
+        <p:txBody>
+          <a:bodyPr/>
+          <a:lstStyle/>
+          <a:p>
+            <a:pPr>
+              <a:buNone/>
+            </a:pPr>
+            <a:r>
+              <a:rPr lang="en-US" dirty="0"/>
+              <a:t>What is there inside the capacitor that could be making a </a:t>
+            </a:r>
+            <a:r>
               <a:rPr lang="en-US"/>
-              <a:t>Displacement Current</a:t>
-            </a:r>
-          </a:p>
-        </p:txBody>
-      </p:sp>
-      <p:sp>
-        <p:nvSpPr>
-          <p:cNvPr id="110596" name="Rectangle 4"/>
+              <a:t>difference?</a:t>
+            </a:r>
+            <a:endParaRPr lang="en-US" dirty="0"/>
+          </a:p>
+          <a:p>
+            <a:pPr marL="514350" indent="-514350">
+              <a:buFont typeface="+mj-lt"/>
+              <a:buAutoNum type="alphaLcParenR"/>
+            </a:pPr>
+            <a:r>
+              <a:rPr lang="en-US" dirty="0"/>
+              <a:t>An electric field</a:t>
+            </a:r>
+          </a:p>
+          <a:p>
+            <a:pPr marL="514350" indent="-514350">
+              <a:buFont typeface="+mj-lt"/>
+              <a:buAutoNum type="alphaLcParenR"/>
+            </a:pPr>
+            <a:r>
+              <a:rPr lang="en-US" dirty="0"/>
+              <a:t>A battery</a:t>
+            </a:r>
+          </a:p>
+          <a:p>
+            <a:pPr marL="514350" indent="-514350">
+              <a:buFont typeface="+mj-lt"/>
+              <a:buAutoNum type="alphaLcParenR"/>
+            </a:pPr>
+            <a:r>
+              <a:rPr lang="en-US" dirty="0"/>
+              <a:t>A current</a:t>
+            </a:r>
+          </a:p>
+          <a:p>
+            <a:pPr marL="514350" indent="-514350">
+              <a:buFont typeface="+mj-lt"/>
+              <a:buAutoNum type="alphaLcParenR"/>
+            </a:pPr>
+            <a:r>
+              <a:rPr lang="en-US" dirty="0"/>
+              <a:t>A short circuit</a:t>
+            </a:r>
+          </a:p>
+        </p:txBody>
+      </p:sp>
+      <p:sp>
+        <p:nvSpPr>
+          <p:cNvPr id="4" name="Slide Number Placeholder 3"/>
+          <p:cNvSpPr>
+            <a:spLocks noGrp="1"/>
+          </p:cNvSpPr>
+          <p:nvPr>
+            <p:ph type="sldNum" sz="quarter" idx="12"/>
+          </p:nvPr>
+        </p:nvSpPr>
+        <p:spPr/>
+        <p:txBody>
+          <a:bodyPr/>
+          <a:lstStyle/>
+          <a:p>
+            <a:pPr>
+              <a:defRPr/>
+            </a:pPr>
+            <a:fld id="{64137B81-8888-4253-92EC-0AED2A590749}" type="slidenum">
+              <a:rPr lang="en-US" smtClean="0"/>
+              <a:pPr>
+                <a:defRPr/>
+              </a:pPr>
+              <a:t>8</a:t>
+            </a:fld>
+            <a:endParaRPr lang="en-US"/>
+          </a:p>
+        </p:txBody>
+      </p:sp>
+      <p:sp>
+        <p:nvSpPr>
+          <p:cNvPr id="5" name="Rectangle 4"/>
           <p:cNvSpPr>
             <a:spLocks noChangeArrowheads="1"/>
           </p:cNvSpPr>
@@ -14017,7 +16874,7 @@
         </p:nvSpPr>
         <p:spPr bwMode="auto">
           <a:xfrm>
-            <a:off x="4330700" y="3663950"/>
+            <a:off x="6504274" y="3544029"/>
             <a:ext cx="88900" cy="1193800"/>
           </a:xfrm>
           <a:prstGeom prst="rect">
@@ -14044,7 +16901,7 @@
       </p:sp>
       <p:sp>
         <p:nvSpPr>
-          <p:cNvPr id="110597" name="Rectangle 5"/>
+          <p:cNvPr id="6" name="Rectangle 5"/>
           <p:cNvSpPr>
             <a:spLocks noChangeArrowheads="1"/>
           </p:cNvSpPr>
@@ -14052,7 +16909,7 @@
         </p:nvSpPr>
         <p:spPr bwMode="auto">
           <a:xfrm>
-            <a:off x="5194300" y="3663950"/>
+            <a:off x="7367874" y="3544029"/>
             <a:ext cx="88900" cy="1193800"/>
           </a:xfrm>
           <a:prstGeom prst="rect">
@@ -14079,7 +16936,7 @@
       </p:sp>
       <p:sp>
         <p:nvSpPr>
-          <p:cNvPr id="110598" name="Rectangle 6"/>
+          <p:cNvPr id="7" name="Rectangle 6"/>
           <p:cNvSpPr>
             <a:spLocks noChangeArrowheads="1"/>
           </p:cNvSpPr>
@@ -14087,7 +16944,7 @@
         </p:nvSpPr>
         <p:spPr bwMode="auto">
           <a:xfrm rot="-5400000">
-            <a:off x="5867400" y="3613150"/>
+            <a:off x="8040974" y="3493229"/>
             <a:ext cx="88900" cy="1295400"/>
           </a:xfrm>
           <a:prstGeom prst="rect">
@@ -14114,7 +16971,7 @@
       </p:sp>
       <p:sp>
         <p:nvSpPr>
-          <p:cNvPr id="110599" name="Rectangle 7"/>
+          <p:cNvPr id="8" name="Rectangle 7"/>
           <p:cNvSpPr>
             <a:spLocks noChangeArrowheads="1"/>
           </p:cNvSpPr>
@@ -14122,8 +16979,8 @@
         </p:nvSpPr>
         <p:spPr bwMode="auto">
           <a:xfrm rot="-5400000">
-            <a:off x="3670300" y="3613150"/>
-            <a:ext cx="88900" cy="1295400"/>
+            <a:off x="5761324" y="3410679"/>
+            <a:ext cx="88900" cy="1460500"/>
           </a:xfrm>
           <a:prstGeom prst="rect">
             <a:avLst/>
@@ -14149,7 +17006,7 @@
       </p:sp>
       <p:sp>
         <p:nvSpPr>
-          <p:cNvPr id="110600" name="Oval 8"/>
+          <p:cNvPr id="9" name="Oval 8"/>
           <p:cNvSpPr>
             <a:spLocks noChangeArrowheads="1"/>
           </p:cNvSpPr>
@@ -14157,7 +17014,7 @@
         </p:nvSpPr>
         <p:spPr bwMode="auto">
           <a:xfrm>
-            <a:off x="3187700" y="3206750"/>
+            <a:off x="5361274" y="3086829"/>
             <a:ext cx="88900" cy="88900"/>
           </a:xfrm>
           <a:prstGeom prst="ellipse">
@@ -14184,7 +17041,7 @@
       </p:sp>
       <p:sp>
         <p:nvSpPr>
-          <p:cNvPr id="110601" name="Text Box 9"/>
+          <p:cNvPr id="10" name="Text Box 9"/>
           <p:cNvSpPr txBox="1">
             <a:spLocks noChangeArrowheads="1"/>
           </p:cNvSpPr>
@@ -14192,8 +17049,8 @@
         </p:nvSpPr>
         <p:spPr bwMode="auto">
           <a:xfrm>
-            <a:off x="3298825" y="3082925"/>
-            <a:ext cx="396875" cy="336550"/>
+            <a:off x="5472399" y="2963004"/>
+            <a:ext cx="478696" cy="369332"/>
           </a:xfrm>
           <a:prstGeom prst="rect">
             <a:avLst/>
@@ -14208,17 +17065,17 @@
           <a:effectLst/>
         </p:spPr>
         <p:txBody>
-          <a:bodyPr>
+          <a:bodyPr wrap="square">
             <a:spAutoFit/>
           </a:bodyPr>
           <a:lstStyle/>
           <a:p>
             <a:r>
-              <a:rPr lang="en-US"/>
+              <a:rPr lang="en-US" dirty="0"/>
               <a:t>P</a:t>
             </a:r>
             <a:r>
-              <a:rPr lang="en-US" baseline="-25000"/>
+              <a:rPr lang="en-US" baseline="-25000" dirty="0"/>
               <a:t>1</a:t>
             </a:r>
           </a:p>
@@ -14226,7 +17083,7 @@
       </p:sp>
       <p:sp>
         <p:nvSpPr>
-          <p:cNvPr id="110602" name="Oval 10"/>
+          <p:cNvPr id="11" name="Oval 10"/>
           <p:cNvSpPr>
             <a:spLocks noChangeArrowheads="1"/>
           </p:cNvSpPr>
@@ -14234,7 +17091,7 @@
         </p:nvSpPr>
         <p:spPr bwMode="auto">
           <a:xfrm>
-            <a:off x="4699000" y="3206750"/>
+            <a:off x="6872574" y="3086829"/>
             <a:ext cx="88900" cy="88900"/>
           </a:xfrm>
           <a:prstGeom prst="ellipse">
@@ -14261,7 +17118,7 @@
       </p:sp>
       <p:sp>
         <p:nvSpPr>
-          <p:cNvPr id="110603" name="Text Box 11"/>
+          <p:cNvPr id="12" name="Text Box 11"/>
           <p:cNvSpPr txBox="1">
             <a:spLocks noChangeArrowheads="1"/>
           </p:cNvSpPr>
@@ -14269,8 +17126,8 @@
         </p:nvSpPr>
         <p:spPr bwMode="auto">
           <a:xfrm>
-            <a:off x="4810125" y="3082925"/>
-            <a:ext cx="396875" cy="336550"/>
+            <a:off x="6983699" y="2963004"/>
+            <a:ext cx="556353" cy="369332"/>
           </a:xfrm>
           <a:prstGeom prst="rect">
             <a:avLst/>
@@ -14285,17 +17142,17 @@
           <a:effectLst/>
         </p:spPr>
         <p:txBody>
-          <a:bodyPr>
+          <a:bodyPr wrap="square">
             <a:spAutoFit/>
           </a:bodyPr>
           <a:lstStyle/>
           <a:p>
             <a:r>
-              <a:rPr lang="en-US"/>
+              <a:rPr lang="en-US" dirty="0"/>
               <a:t>P</a:t>
             </a:r>
             <a:r>
-              <a:rPr lang="en-US" baseline="-25000"/>
+              <a:rPr lang="en-US" baseline="-25000" dirty="0"/>
               <a:t>2</a:t>
             </a:r>
           </a:p>
@@ -14303,7 +17160,7 @@
       </p:sp>
       <p:sp>
         <p:nvSpPr>
-          <p:cNvPr id="110604" name="Text Box 12"/>
+          <p:cNvPr id="13" name="Text Box 12"/>
           <p:cNvSpPr txBox="1">
             <a:spLocks noChangeArrowheads="1"/>
           </p:cNvSpPr>
@@ -14311,7 +17168,7 @@
         </p:nvSpPr>
         <p:spPr bwMode="auto">
           <a:xfrm>
-            <a:off x="3286125" y="4557713"/>
+            <a:off x="5561299" y="4412392"/>
             <a:ext cx="252413" cy="336550"/>
           </a:xfrm>
           <a:prstGeom prst="rect">
@@ -14343,7 +17200,7 @@
       </p:sp>
       <p:sp>
         <p:nvSpPr>
-          <p:cNvPr id="110605" name="Line 13"/>
+          <p:cNvPr id="14" name="Line 13"/>
           <p:cNvSpPr>
             <a:spLocks noChangeShapeType="1"/>
           </p:cNvSpPr>
@@ -14351,7 +17208,7 @@
         </p:nvSpPr>
         <p:spPr bwMode="auto">
           <a:xfrm>
-            <a:off x="3238500" y="4495800"/>
+            <a:off x="5462874" y="4375879"/>
             <a:ext cx="393700" cy="0"/>
           </a:xfrm>
           <a:prstGeom prst="line">
@@ -14378,305 +17235,18 @@
       </p:sp>
       <p:sp>
         <p:nvSpPr>
-          <p:cNvPr id="110606" name="Line 14"/>
-          <p:cNvSpPr>
-            <a:spLocks noChangeShapeType="1"/>
-          </p:cNvSpPr>
-          <p:nvPr/>
-        </p:nvSpPr>
-        <p:spPr bwMode="auto">
-          <a:xfrm>
-            <a:off x="4419600" y="3810000"/>
-            <a:ext cx="749300" cy="0"/>
-          </a:xfrm>
-          <a:prstGeom prst="line">
-            <a:avLst/>
-          </a:prstGeom>
-          <a:noFill/>
-          <a:ln w="9525">
-            <a:solidFill>
-              <a:srgbClr val="FF0000"/>
-            </a:solidFill>
-            <a:miter lim="800000"/>
-            <a:headEnd/>
-            <a:tailEnd type="triangle" w="med" len="med"/>
-          </a:ln>
-          <a:effectLst/>
-        </p:spPr>
-        <p:txBody>
-          <a:bodyPr wrap="none"/>
-          <a:lstStyle/>
-          <a:p>
-            <a:endParaRPr lang="en-US"/>
-          </a:p>
-        </p:txBody>
-      </p:sp>
-      <p:sp>
-        <p:nvSpPr>
-          <p:cNvPr id="110607" name="Line 15"/>
-          <p:cNvSpPr>
-            <a:spLocks noChangeShapeType="1"/>
-          </p:cNvSpPr>
-          <p:nvPr/>
-        </p:nvSpPr>
-        <p:spPr bwMode="auto">
-          <a:xfrm>
-            <a:off x="4419600" y="3962400"/>
-            <a:ext cx="749300" cy="0"/>
-          </a:xfrm>
-          <a:prstGeom prst="line">
-            <a:avLst/>
-          </a:prstGeom>
-          <a:noFill/>
-          <a:ln w="9525">
-            <a:solidFill>
-              <a:srgbClr val="FF0000"/>
-            </a:solidFill>
-            <a:miter lim="800000"/>
-            <a:headEnd/>
-            <a:tailEnd type="triangle" w="med" len="med"/>
-          </a:ln>
-          <a:effectLst/>
-        </p:spPr>
-        <p:txBody>
-          <a:bodyPr wrap="none"/>
-          <a:lstStyle/>
-          <a:p>
-            <a:endParaRPr lang="en-US"/>
-          </a:p>
-        </p:txBody>
-      </p:sp>
-      <p:sp>
-        <p:nvSpPr>
-          <p:cNvPr id="110608" name="Line 16"/>
-          <p:cNvSpPr>
-            <a:spLocks noChangeShapeType="1"/>
-          </p:cNvSpPr>
-          <p:nvPr/>
-        </p:nvSpPr>
-        <p:spPr bwMode="auto">
-          <a:xfrm>
-            <a:off x="4419600" y="4114800"/>
-            <a:ext cx="749300" cy="0"/>
-          </a:xfrm>
-          <a:prstGeom prst="line">
-            <a:avLst/>
-          </a:prstGeom>
-          <a:noFill/>
-          <a:ln w="9525">
-            <a:solidFill>
-              <a:srgbClr val="FF0000"/>
-            </a:solidFill>
-            <a:miter lim="800000"/>
-            <a:headEnd/>
-            <a:tailEnd type="triangle" w="med" len="med"/>
-          </a:ln>
-          <a:effectLst/>
-        </p:spPr>
-        <p:txBody>
-          <a:bodyPr wrap="none"/>
-          <a:lstStyle/>
-          <a:p>
-            <a:endParaRPr lang="en-US"/>
-          </a:p>
-        </p:txBody>
-      </p:sp>
-      <p:sp>
-        <p:nvSpPr>
-          <p:cNvPr id="110609" name="Line 17"/>
-          <p:cNvSpPr>
-            <a:spLocks noChangeShapeType="1"/>
-          </p:cNvSpPr>
-          <p:nvPr/>
-        </p:nvSpPr>
-        <p:spPr bwMode="auto">
-          <a:xfrm>
-            <a:off x="4419600" y="4267200"/>
-            <a:ext cx="749300" cy="0"/>
-          </a:xfrm>
-          <a:prstGeom prst="line">
-            <a:avLst/>
-          </a:prstGeom>
-          <a:noFill/>
-          <a:ln w="9525">
-            <a:solidFill>
-              <a:srgbClr val="FF0000"/>
-            </a:solidFill>
-            <a:miter lim="800000"/>
-            <a:headEnd/>
-            <a:tailEnd type="triangle" w="med" len="med"/>
-          </a:ln>
-          <a:effectLst/>
-        </p:spPr>
-        <p:txBody>
-          <a:bodyPr wrap="none"/>
-          <a:lstStyle/>
-          <a:p>
-            <a:endParaRPr lang="en-US"/>
-          </a:p>
-        </p:txBody>
-      </p:sp>
-      <p:sp>
-        <p:nvSpPr>
-          <p:cNvPr id="110610" name="Line 18"/>
-          <p:cNvSpPr>
-            <a:spLocks noChangeShapeType="1"/>
-          </p:cNvSpPr>
-          <p:nvPr/>
-        </p:nvSpPr>
-        <p:spPr bwMode="auto">
-          <a:xfrm>
-            <a:off x="4419600" y="4419600"/>
-            <a:ext cx="749300" cy="0"/>
-          </a:xfrm>
-          <a:prstGeom prst="line">
-            <a:avLst/>
-          </a:prstGeom>
-          <a:noFill/>
-          <a:ln w="9525">
-            <a:solidFill>
-              <a:srgbClr val="FF0000"/>
-            </a:solidFill>
-            <a:miter lim="800000"/>
-            <a:headEnd/>
-            <a:tailEnd type="triangle" w="med" len="med"/>
-          </a:ln>
-          <a:effectLst/>
-        </p:spPr>
-        <p:txBody>
-          <a:bodyPr wrap="none"/>
-          <a:lstStyle/>
-          <a:p>
-            <a:endParaRPr lang="en-US"/>
-          </a:p>
-        </p:txBody>
-      </p:sp>
-      <p:sp>
-        <p:nvSpPr>
-          <p:cNvPr id="110611" name="Line 19"/>
-          <p:cNvSpPr>
-            <a:spLocks noChangeShapeType="1"/>
-          </p:cNvSpPr>
-          <p:nvPr/>
-        </p:nvSpPr>
-        <p:spPr bwMode="auto">
-          <a:xfrm>
-            <a:off x="4419600" y="4572000"/>
-            <a:ext cx="749300" cy="0"/>
-          </a:xfrm>
-          <a:prstGeom prst="line">
-            <a:avLst/>
-          </a:prstGeom>
-          <a:noFill/>
-          <a:ln w="9525">
-            <a:solidFill>
-              <a:srgbClr val="FF0000"/>
-            </a:solidFill>
-            <a:miter lim="800000"/>
-            <a:headEnd/>
-            <a:tailEnd type="triangle" w="med" len="med"/>
-          </a:ln>
-          <a:effectLst/>
-        </p:spPr>
-        <p:txBody>
-          <a:bodyPr wrap="none"/>
-          <a:lstStyle/>
-          <a:p>
-            <a:endParaRPr lang="en-US"/>
-          </a:p>
-        </p:txBody>
-      </p:sp>
-      <p:sp>
-        <p:nvSpPr>
-          <p:cNvPr id="110612" name="Line 20"/>
-          <p:cNvSpPr>
-            <a:spLocks noChangeShapeType="1"/>
-          </p:cNvSpPr>
-          <p:nvPr/>
-        </p:nvSpPr>
-        <p:spPr bwMode="auto">
-          <a:xfrm>
-            <a:off x="4419600" y="4724400"/>
-            <a:ext cx="749300" cy="0"/>
-          </a:xfrm>
-          <a:prstGeom prst="line">
-            <a:avLst/>
-          </a:prstGeom>
-          <a:noFill/>
-          <a:ln w="9525">
-            <a:solidFill>
-              <a:srgbClr val="FF0000"/>
-            </a:solidFill>
-            <a:miter lim="800000"/>
-            <a:headEnd/>
-            <a:tailEnd type="triangle" w="med" len="med"/>
-          </a:ln>
-          <a:effectLst/>
-        </p:spPr>
-        <p:txBody>
-          <a:bodyPr wrap="none"/>
-          <a:lstStyle/>
-          <a:p>
-            <a:endParaRPr lang="en-US"/>
-          </a:p>
-        </p:txBody>
-      </p:sp>
-      <p:sp>
-        <p:nvSpPr>
-          <p:cNvPr id="110613" name="Text Box 21"/>
-          <p:cNvSpPr txBox="1">
+          <p:cNvPr id="15" name="Oval 14"/>
+          <p:cNvSpPr>
             <a:spLocks noChangeArrowheads="1"/>
           </p:cNvSpPr>
           <p:nvPr/>
         </p:nvSpPr>
         <p:spPr bwMode="auto">
           <a:xfrm>
-            <a:off x="4556125" y="4962525"/>
-            <a:ext cx="319088" cy="336550"/>
-          </a:xfrm>
-          <a:prstGeom prst="rect">
-            <a:avLst/>
-          </a:prstGeom>
-          <a:noFill/>
-          <a:ln w="9525">
-            <a:noFill/>
-            <a:miter lim="800000"/>
-            <a:headEnd/>
-            <a:tailEnd/>
-          </a:ln>
-          <a:effectLst/>
-        </p:spPr>
-        <p:txBody>
-          <a:bodyPr wrap="none">
-            <a:spAutoFit/>
-          </a:bodyPr>
-          <a:lstStyle/>
-          <a:p>
-            <a:r>
-              <a:rPr lang="en-US">
-                <a:solidFill>
-                  <a:srgbClr val="FF0000"/>
-                </a:solidFill>
-              </a:rPr>
-              <a:t>E</a:t>
-            </a:r>
-          </a:p>
-        </p:txBody>
-      </p:sp>
-      <p:sp>
-        <p:nvSpPr>
-          <p:cNvPr id="110614" name="Line 22"/>
-          <p:cNvSpPr>
-            <a:spLocks noChangeShapeType="1"/>
-          </p:cNvSpPr>
-          <p:nvPr/>
-        </p:nvSpPr>
-        <p:spPr bwMode="auto">
-          <a:xfrm flipH="1" flipV="1">
-            <a:off x="5473700" y="3695700"/>
-            <a:ext cx="12700" cy="558800"/>
-          </a:xfrm>
-          <a:prstGeom prst="line">
+            <a:off x="6821774" y="3118579"/>
+            <a:ext cx="203200" cy="2184400"/>
+          </a:xfrm>
+          <a:prstGeom prst="ellipse">
             <a:avLst/>
           </a:prstGeom>
           <a:noFill/>
@@ -14687,6 +17257,73 @@
             <a:prstDash val="dash"/>
             <a:miter lim="800000"/>
             <a:headEnd/>
+            <a:tailEnd/>
+          </a:ln>
+          <a:effectLst/>
+        </p:spPr>
+        <p:txBody>
+          <a:bodyPr wrap="none" anchor="ctr"/>
+          <a:lstStyle/>
+          <a:p>
+            <a:endParaRPr lang="en-US"/>
+          </a:p>
+        </p:txBody>
+      </p:sp>
+      <p:sp>
+        <p:nvSpPr>
+          <p:cNvPr id="16" name="Freeform 15"/>
+          <p:cNvSpPr>
+            <a:spLocks/>
+          </p:cNvSpPr>
+          <p:nvPr/>
+        </p:nvSpPr>
+        <p:spPr bwMode="auto">
+          <a:xfrm>
+            <a:off x="6110574" y="4280629"/>
+            <a:ext cx="303213" cy="209550"/>
+          </a:xfrm>
+          <a:custGeom>
+            <a:avLst/>
+            <a:gdLst/>
+            <a:ahLst/>
+            <a:cxnLst>
+              <a:cxn ang="0">
+                <a:pos x="0" y="12"/>
+              </a:cxn>
+              <a:cxn ang="0">
+                <a:pos x="160" y="20"/>
+              </a:cxn>
+              <a:cxn ang="0">
+                <a:pos x="184" y="132"/>
+              </a:cxn>
+            </a:cxnLst>
+            <a:rect l="0" t="0" r="r" b="b"/>
+            <a:pathLst>
+              <a:path w="191" h="132">
+                <a:moveTo>
+                  <a:pt x="0" y="12"/>
+                </a:moveTo>
+                <a:cubicBezTo>
+                  <a:pt x="64" y="6"/>
+                  <a:pt x="129" y="0"/>
+                  <a:pt x="160" y="20"/>
+                </a:cubicBezTo>
+                <a:cubicBezTo>
+                  <a:pt x="191" y="40"/>
+                  <a:pt x="175" y="112"/>
+                  <a:pt x="184" y="132"/>
+                </a:cubicBezTo>
+              </a:path>
+            </a:pathLst>
+          </a:custGeom>
+          <a:noFill/>
+          <a:ln w="9525" cap="flat" cmpd="sng">
+            <a:solidFill>
+              <a:schemeClr val="tx1"/>
+            </a:solidFill>
+            <a:prstDash val="solid"/>
+            <a:miter lim="800000"/>
+            <a:headEnd type="none" w="med" len="med"/>
             <a:tailEnd type="triangle" w="med" len="med"/>
           </a:ln>
           <a:effectLst/>
@@ -14701,39 +17338,68 @@
       </p:sp>
       <p:sp>
         <p:nvSpPr>
-          <p:cNvPr id="110615" name="Text Box 23"/>
-          <p:cNvSpPr txBox="1">
-            <a:spLocks noChangeArrowheads="1"/>
-          </p:cNvSpPr>
-          <p:nvPr/>
-        </p:nvSpPr>
-        <p:spPr bwMode="auto">
-          <a:xfrm>
-            <a:off x="5559425" y="3705225"/>
-            <a:ext cx="330200" cy="336550"/>
-          </a:xfrm>
-          <a:prstGeom prst="rect">
-            <a:avLst/>
-          </a:prstGeom>
+          <p:cNvPr id="17" name="Freeform 16"/>
+          <p:cNvSpPr>
+            <a:spLocks/>
+          </p:cNvSpPr>
+          <p:nvPr/>
+        </p:nvSpPr>
+        <p:spPr bwMode="auto">
+          <a:xfrm flipV="1">
+            <a:off x="6123274" y="3810729"/>
+            <a:ext cx="303213" cy="209550"/>
+          </a:xfrm>
+          <a:custGeom>
+            <a:avLst/>
+            <a:gdLst/>
+            <a:ahLst/>
+            <a:cxnLst>
+              <a:cxn ang="0">
+                <a:pos x="0" y="12"/>
+              </a:cxn>
+              <a:cxn ang="0">
+                <a:pos x="160" y="20"/>
+              </a:cxn>
+              <a:cxn ang="0">
+                <a:pos x="184" y="132"/>
+              </a:cxn>
+            </a:cxnLst>
+            <a:rect l="0" t="0" r="r" b="b"/>
+            <a:pathLst>
+              <a:path w="191" h="132">
+                <a:moveTo>
+                  <a:pt x="0" y="12"/>
+                </a:moveTo>
+                <a:cubicBezTo>
+                  <a:pt x="64" y="6"/>
+                  <a:pt x="129" y="0"/>
+                  <a:pt x="160" y="20"/>
+                </a:cubicBezTo>
+                <a:cubicBezTo>
+                  <a:pt x="191" y="40"/>
+                  <a:pt x="175" y="112"/>
+                  <a:pt x="184" y="132"/>
+                </a:cubicBezTo>
+              </a:path>
+            </a:pathLst>
+          </a:custGeom>
           <a:noFill/>
-          <a:ln w="9525">
-            <a:noFill/>
-            <a:miter lim="800000"/>
-            <a:headEnd/>
-            <a:tailEnd/>
-          </a:ln>
-          <a:effectLst/>
-        </p:spPr>
-        <p:txBody>
-          <a:bodyPr wrap="none">
-            <a:spAutoFit/>
-          </a:bodyPr>
-          <a:lstStyle/>
-          <a:p>
-            <a:r>
-              <a:rPr lang="en-US"/>
-              <a:t>R</a:t>
-            </a:r>
+          <a:ln w="9525" cap="flat" cmpd="sng">
+            <a:solidFill>
+              <a:schemeClr val="tx1"/>
+            </a:solidFill>
+            <a:prstDash val="solid"/>
+            <a:miter lim="800000"/>
+            <a:headEnd type="none" w="med" len="med"/>
+            <a:tailEnd type="triangle" w="med" len="med"/>
+          </a:ln>
+          <a:effectLst/>
+        </p:spPr>
+        <p:txBody>
+          <a:bodyPr wrap="none"/>
+          <a:lstStyle/>
+          <a:p>
+            <a:endParaRPr lang="en-US"/>
           </a:p>
         </p:txBody>
       </p:sp>
@@ -14764,53 +17430,9 @@
       </p:grpSpPr>
       <p:sp>
         <p:nvSpPr>
-          <p:cNvPr id="14" name="Date Placeholder 3"/>
+          <p:cNvPr id="2" name="Title 1"/>
           <p:cNvSpPr>
             <a:spLocks noGrp="1"/>
-          </p:cNvSpPr>
-          <p:nvPr>
-            <p:ph type="dt" sz="half" idx="10"/>
-          </p:nvPr>
-        </p:nvSpPr>
-        <p:spPr/>
-        <p:txBody>
-          <a:bodyPr/>
-          <a:lstStyle/>
-          <a:p>
-            <a:r>
-              <a:rPr lang="en-US"/>
-              <a:t>Winter 2008</a:t>
-            </a:r>
-          </a:p>
-        </p:txBody>
-      </p:sp>
-      <p:sp>
-        <p:nvSpPr>
-          <p:cNvPr id="15" name="Footer Placeholder 4"/>
-          <p:cNvSpPr>
-            <a:spLocks noGrp="1"/>
-          </p:cNvSpPr>
-          <p:nvPr>
-            <p:ph type="ftr" sz="quarter" idx="11"/>
-          </p:nvPr>
-        </p:nvSpPr>
-        <p:spPr/>
-        <p:txBody>
-          <a:bodyPr/>
-          <a:lstStyle/>
-          <a:p>
-            <a:r>
-              <a:rPr lang="en-US"/>
-              <a:t>R. Todd Lines</a:t>
-            </a:r>
-          </a:p>
-        </p:txBody>
-      </p:sp>
-      <p:sp>
-        <p:nvSpPr>
-          <p:cNvPr id="111618" name="Rectangle 2"/>
-          <p:cNvSpPr>
-            <a:spLocks noGrp="1" noChangeArrowheads="1"/>
           </p:cNvSpPr>
           <p:nvPr>
             <p:ph type="title"/>
@@ -14822,15 +17444,122 @@
           <a:lstStyle/>
           <a:p>
             <a:r>
-              <a:rPr lang="en-US"/>
-              <a:t>Displacement Current</a:t>
-            </a:r>
-          </a:p>
-        </p:txBody>
-      </p:sp>
-      <p:sp>
-        <p:nvSpPr>
-          <p:cNvPr id="111620" name="Rectangle 4"/>
+              <a:rPr lang="en-US" dirty="0"/>
+              <a:t>Question 223.48.3</a:t>
+            </a:r>
+          </a:p>
+        </p:txBody>
+      </p:sp>
+      <p:sp>
+        <p:nvSpPr>
+          <p:cNvPr id="3" name="Content Placeholder 2"/>
+          <p:cNvSpPr>
+            <a:spLocks noGrp="1"/>
+          </p:cNvSpPr>
+          <p:nvPr>
+            <p:ph idx="1"/>
+          </p:nvPr>
+        </p:nvSpPr>
+        <p:spPr>
+          <a:xfrm>
+            <a:off x="457200" y="1600200"/>
+            <a:ext cx="4504544" cy="4525963"/>
+          </a:xfrm>
+        </p:spPr>
+        <p:txBody>
+          <a:bodyPr>
+            <a:normAutofit fontScale="85000" lnSpcReduction="20000"/>
+          </a:bodyPr>
+          <a:lstStyle/>
+          <a:p>
+            <a:pPr>
+              <a:buNone/>
+            </a:pPr>
+            <a:r>
+              <a:rPr lang="en-US" dirty="0"/>
+              <a:t>Maxwell defined the “displacement current,” but what is it?</a:t>
+            </a:r>
+          </a:p>
+          <a:p>
+            <a:pPr>
+              <a:buNone/>
+            </a:pPr>
+            <a:endParaRPr lang="en-US" dirty="0"/>
+          </a:p>
+          <a:p>
+            <a:pPr marL="514350" indent="-514350">
+              <a:buFont typeface="+mj-lt"/>
+              <a:buAutoNum type="alphaLcParenR"/>
+            </a:pPr>
+            <a:r>
+              <a:rPr lang="en-US" dirty="0"/>
+              <a:t>A flow of charge across the capacitor</a:t>
+            </a:r>
+          </a:p>
+          <a:p>
+            <a:pPr marL="514350" indent="-514350">
+              <a:buFont typeface="+mj-lt"/>
+              <a:buAutoNum type="alphaLcParenR"/>
+            </a:pPr>
+            <a:r>
+              <a:rPr lang="en-US" dirty="0"/>
+              <a:t>A flow of charge bypassing the capacitor </a:t>
+            </a:r>
+          </a:p>
+          <a:p>
+            <a:pPr marL="514350" indent="-514350">
+              <a:buFont typeface="+mj-lt"/>
+              <a:buAutoNum type="alphaLcParenR"/>
+            </a:pPr>
+            <a:r>
+              <a:rPr lang="en-US" dirty="0"/>
+              <a:t>An electric field</a:t>
+            </a:r>
+          </a:p>
+          <a:p>
+            <a:pPr marL="514350" indent="-514350">
+              <a:buFont typeface="+mj-lt"/>
+              <a:buAutoNum type="alphaLcParenR"/>
+            </a:pPr>
+            <a:r>
+              <a:rPr lang="en-US" dirty="0"/>
+              <a:t>A change in the electric flux</a:t>
+            </a:r>
+          </a:p>
+        </p:txBody>
+      </p:sp>
+      <p:sp>
+        <p:nvSpPr>
+          <p:cNvPr id="4" name="Slide Number Placeholder 3"/>
+          <p:cNvSpPr>
+            <a:spLocks noGrp="1"/>
+          </p:cNvSpPr>
+          <p:nvPr>
+            <p:ph type="sldNum" sz="quarter" idx="12"/>
+          </p:nvPr>
+        </p:nvSpPr>
+        <p:spPr/>
+        <p:txBody>
+          <a:bodyPr/>
+          <a:lstStyle/>
+          <a:p>
+            <a:pPr>
+              <a:defRPr/>
+            </a:pPr>
+            <a:fld id="{64137B81-8888-4253-92EC-0AED2A590749}" type="slidenum">
+              <a:rPr lang="en-US" smtClean="0"/>
+              <a:pPr>
+                <a:defRPr/>
+              </a:pPr>
+              <a:t>9</a:t>
+            </a:fld>
+            <a:endParaRPr lang="en-US"/>
+          </a:p>
+        </p:txBody>
+      </p:sp>
+      <p:sp>
+        <p:nvSpPr>
+          <p:cNvPr id="5" name="Rectangle 4"/>
           <p:cNvSpPr>
             <a:spLocks noChangeArrowheads="1"/>
           </p:cNvSpPr>
@@ -14838,7 +17567,7 @@
         </p:nvSpPr>
         <p:spPr bwMode="auto">
           <a:xfrm>
-            <a:off x="4330700" y="3663950"/>
+            <a:off x="6504274" y="3544029"/>
             <a:ext cx="88900" cy="1193800"/>
           </a:xfrm>
           <a:prstGeom prst="rect">
@@ -14865,7 +17594,7 @@
       </p:sp>
       <p:sp>
         <p:nvSpPr>
-          <p:cNvPr id="111621" name="Rectangle 5"/>
+          <p:cNvPr id="6" name="Rectangle 5"/>
           <p:cNvSpPr>
             <a:spLocks noChangeArrowheads="1"/>
           </p:cNvSpPr>
@@ -14873,7 +17602,7 @@
         </p:nvSpPr>
         <p:spPr bwMode="auto">
           <a:xfrm>
-            <a:off x="5194300" y="3663950"/>
+            <a:off x="7367874" y="3544029"/>
             <a:ext cx="88900" cy="1193800"/>
           </a:xfrm>
           <a:prstGeom prst="rect">
@@ -14900,7 +17629,7 @@
       </p:sp>
       <p:sp>
         <p:nvSpPr>
-          <p:cNvPr id="111622" name="Rectangle 6"/>
+          <p:cNvPr id="7" name="Rectangle 6"/>
           <p:cNvSpPr>
             <a:spLocks noChangeArrowheads="1"/>
           </p:cNvSpPr>
@@ -14908,7 +17637,7 @@
         </p:nvSpPr>
         <p:spPr bwMode="auto">
           <a:xfrm rot="-5400000">
-            <a:off x="5867400" y="3613150"/>
+            <a:off x="8040974" y="3493229"/>
             <a:ext cx="88900" cy="1295400"/>
           </a:xfrm>
           <a:prstGeom prst="rect">
@@ -14935,7 +17664,7 @@
       </p:sp>
       <p:sp>
         <p:nvSpPr>
-          <p:cNvPr id="111623" name="Rectangle 7"/>
+          <p:cNvPr id="8" name="Rectangle 7"/>
           <p:cNvSpPr>
             <a:spLocks noChangeArrowheads="1"/>
           </p:cNvSpPr>
@@ -14943,7 +17672,7 @@
         </p:nvSpPr>
         <p:spPr bwMode="auto">
           <a:xfrm rot="-5400000">
-            <a:off x="3587750" y="3530600"/>
+            <a:off x="5761324" y="3410679"/>
             <a:ext cx="88900" cy="1460500"/>
           </a:xfrm>
           <a:prstGeom prst="rect">
@@ -14970,7 +17699,7 @@
       </p:sp>
       <p:sp>
         <p:nvSpPr>
-          <p:cNvPr id="111624" name="Oval 8"/>
+          <p:cNvPr id="9" name="Oval 8"/>
           <p:cNvSpPr>
             <a:spLocks noChangeArrowheads="1"/>
           </p:cNvSpPr>
@@ -14978,7 +17707,7 @@
         </p:nvSpPr>
         <p:spPr bwMode="auto">
           <a:xfrm>
-            <a:off x="3187700" y="3206750"/>
+            <a:off x="5361274" y="3086829"/>
             <a:ext cx="88900" cy="88900"/>
           </a:xfrm>
           <a:prstGeom prst="ellipse">
@@ -15005,7 +17734,7 @@
       </p:sp>
       <p:sp>
         <p:nvSpPr>
-          <p:cNvPr id="111625" name="Text Box 9"/>
+          <p:cNvPr id="10" name="Text Box 9"/>
           <p:cNvSpPr txBox="1">
             <a:spLocks noChangeArrowheads="1"/>
           </p:cNvSpPr>
@@ -15013,8 +17742,8 @@
         </p:nvSpPr>
         <p:spPr bwMode="auto">
           <a:xfrm>
-            <a:off x="3298825" y="3082925"/>
-            <a:ext cx="396875" cy="336550"/>
+            <a:off x="5472399" y="2963004"/>
+            <a:ext cx="478696" cy="369332"/>
           </a:xfrm>
           <a:prstGeom prst="rect">
             <a:avLst/>
@@ -15029,17 +17758,17 @@
           <a:effectLst/>
         </p:spPr>
         <p:txBody>
-          <a:bodyPr>
+          <a:bodyPr wrap="square">
             <a:spAutoFit/>
           </a:bodyPr>
           <a:lstStyle/>
           <a:p>
             <a:r>
-              <a:rPr lang="en-US"/>
+              <a:rPr lang="en-US" dirty="0"/>
               <a:t>P</a:t>
             </a:r>
             <a:r>
-              <a:rPr lang="en-US" baseline="-25000"/>
+              <a:rPr lang="en-US" baseline="-25000" dirty="0"/>
               <a:t>1</a:t>
             </a:r>
           </a:p>
@@ -15047,7 +17776,7 @@
       </p:sp>
       <p:sp>
         <p:nvSpPr>
-          <p:cNvPr id="111626" name="Oval 10"/>
+          <p:cNvPr id="11" name="Oval 10"/>
           <p:cNvSpPr>
             <a:spLocks noChangeArrowheads="1"/>
           </p:cNvSpPr>
@@ -15055,7 +17784,7 @@
         </p:nvSpPr>
         <p:spPr bwMode="auto">
           <a:xfrm>
-            <a:off x="4699000" y="3206750"/>
+            <a:off x="6872574" y="3086829"/>
             <a:ext cx="88900" cy="88900"/>
           </a:xfrm>
           <a:prstGeom prst="ellipse">
@@ -15082,7 +17811,7 @@
       </p:sp>
       <p:sp>
         <p:nvSpPr>
-          <p:cNvPr id="111627" name="Text Box 11"/>
+          <p:cNvPr id="12" name="Text Box 11"/>
           <p:cNvSpPr txBox="1">
             <a:spLocks noChangeArrowheads="1"/>
           </p:cNvSpPr>
@@ -15090,8 +17819,8 @@
         </p:nvSpPr>
         <p:spPr bwMode="auto">
           <a:xfrm>
-            <a:off x="4810125" y="3082925"/>
-            <a:ext cx="396875" cy="336550"/>
+            <a:off x="6983699" y="2963004"/>
+            <a:ext cx="556353" cy="369332"/>
           </a:xfrm>
           <a:prstGeom prst="rect">
             <a:avLst/>
@@ -15106,17 +17835,17 @@
           <a:effectLst/>
         </p:spPr>
         <p:txBody>
-          <a:bodyPr>
+          <a:bodyPr wrap="square">
             <a:spAutoFit/>
           </a:bodyPr>
           <a:lstStyle/>
           <a:p>
             <a:r>
-              <a:rPr lang="en-US"/>
+              <a:rPr lang="en-US" dirty="0"/>
               <a:t>P</a:t>
             </a:r>
             <a:r>
-              <a:rPr lang="en-US" baseline="-25000"/>
+              <a:rPr lang="en-US" baseline="-25000" dirty="0"/>
               <a:t>2</a:t>
             </a:r>
           </a:p>
@@ -15124,7 +17853,7 @@
       </p:sp>
       <p:sp>
         <p:nvSpPr>
-          <p:cNvPr id="111628" name="Text Box 12"/>
+          <p:cNvPr id="13" name="Text Box 12"/>
           <p:cNvSpPr txBox="1">
             <a:spLocks noChangeArrowheads="1"/>
           </p:cNvSpPr>
@@ -15132,7 +17861,7 @@
         </p:nvSpPr>
         <p:spPr bwMode="auto">
           <a:xfrm>
-            <a:off x="3705225" y="4557713"/>
+            <a:off x="5561299" y="4412392"/>
             <a:ext cx="252413" cy="336550"/>
           </a:xfrm>
           <a:prstGeom prst="rect">
@@ -15164,7 +17893,7 @@
       </p:sp>
       <p:sp>
         <p:nvSpPr>
-          <p:cNvPr id="111629" name="Line 13"/>
+          <p:cNvPr id="14" name="Line 13"/>
           <p:cNvSpPr>
             <a:spLocks noChangeShapeType="1"/>
           </p:cNvSpPr>
@@ -15172,7 +17901,7 @@
         </p:nvSpPr>
         <p:spPr bwMode="auto">
           <a:xfrm>
-            <a:off x="3657600" y="4495800"/>
+            <a:off x="5462874" y="4375879"/>
             <a:ext cx="393700" cy="0"/>
           </a:xfrm>
           <a:prstGeom prst="line">
@@ -15199,7 +17928,7 @@
       </p:sp>
       <p:sp>
         <p:nvSpPr>
-          <p:cNvPr id="111638" name="Oval 22"/>
+          <p:cNvPr id="15" name="Oval 14"/>
           <p:cNvSpPr>
             <a:spLocks noChangeArrowheads="1"/>
           </p:cNvSpPr>
@@ -15207,7 +17936,7 @@
         </p:nvSpPr>
         <p:spPr bwMode="auto">
           <a:xfrm>
-            <a:off x="3111500" y="3187700"/>
+            <a:off x="6821774" y="3118579"/>
             <a:ext cx="203200" cy="2184400"/>
           </a:xfrm>
           <a:prstGeom prst="ellipse">
@@ -15227,6 +17956,140 @@
         </p:spPr>
         <p:txBody>
           <a:bodyPr wrap="none" anchor="ctr"/>
+          <a:lstStyle/>
+          <a:p>
+            <a:endParaRPr lang="en-US"/>
+          </a:p>
+        </p:txBody>
+      </p:sp>
+      <p:sp>
+        <p:nvSpPr>
+          <p:cNvPr id="16" name="Freeform 15"/>
+          <p:cNvSpPr>
+            <a:spLocks/>
+          </p:cNvSpPr>
+          <p:nvPr/>
+        </p:nvSpPr>
+        <p:spPr bwMode="auto">
+          <a:xfrm>
+            <a:off x="6110574" y="4280629"/>
+            <a:ext cx="303213" cy="209550"/>
+          </a:xfrm>
+          <a:custGeom>
+            <a:avLst/>
+            <a:gdLst/>
+            <a:ahLst/>
+            <a:cxnLst>
+              <a:cxn ang="0">
+                <a:pos x="0" y="12"/>
+              </a:cxn>
+              <a:cxn ang="0">
+                <a:pos x="160" y="20"/>
+              </a:cxn>
+              <a:cxn ang="0">
+                <a:pos x="184" y="132"/>
+              </a:cxn>
+            </a:cxnLst>
+            <a:rect l="0" t="0" r="r" b="b"/>
+            <a:pathLst>
+              <a:path w="191" h="132">
+                <a:moveTo>
+                  <a:pt x="0" y="12"/>
+                </a:moveTo>
+                <a:cubicBezTo>
+                  <a:pt x="64" y="6"/>
+                  <a:pt x="129" y="0"/>
+                  <a:pt x="160" y="20"/>
+                </a:cubicBezTo>
+                <a:cubicBezTo>
+                  <a:pt x="191" y="40"/>
+                  <a:pt x="175" y="112"/>
+                  <a:pt x="184" y="132"/>
+                </a:cubicBezTo>
+              </a:path>
+            </a:pathLst>
+          </a:custGeom>
+          <a:noFill/>
+          <a:ln w="9525" cap="flat" cmpd="sng">
+            <a:solidFill>
+              <a:schemeClr val="tx1"/>
+            </a:solidFill>
+            <a:prstDash val="solid"/>
+            <a:miter lim="800000"/>
+            <a:headEnd type="none" w="med" len="med"/>
+            <a:tailEnd type="triangle" w="med" len="med"/>
+          </a:ln>
+          <a:effectLst/>
+        </p:spPr>
+        <p:txBody>
+          <a:bodyPr wrap="none"/>
+          <a:lstStyle/>
+          <a:p>
+            <a:endParaRPr lang="en-US"/>
+          </a:p>
+        </p:txBody>
+      </p:sp>
+      <p:sp>
+        <p:nvSpPr>
+          <p:cNvPr id="17" name="Freeform 16"/>
+          <p:cNvSpPr>
+            <a:spLocks/>
+          </p:cNvSpPr>
+          <p:nvPr/>
+        </p:nvSpPr>
+        <p:spPr bwMode="auto">
+          <a:xfrm flipV="1">
+            <a:off x="6123274" y="3810729"/>
+            <a:ext cx="303213" cy="209550"/>
+          </a:xfrm>
+          <a:custGeom>
+            <a:avLst/>
+            <a:gdLst/>
+            <a:ahLst/>
+            <a:cxnLst>
+              <a:cxn ang="0">
+                <a:pos x="0" y="12"/>
+              </a:cxn>
+              <a:cxn ang="0">
+                <a:pos x="160" y="20"/>
+              </a:cxn>
+              <a:cxn ang="0">
+                <a:pos x="184" y="132"/>
+              </a:cxn>
+            </a:cxnLst>
+            <a:rect l="0" t="0" r="r" b="b"/>
+            <a:pathLst>
+              <a:path w="191" h="132">
+                <a:moveTo>
+                  <a:pt x="0" y="12"/>
+                </a:moveTo>
+                <a:cubicBezTo>
+                  <a:pt x="64" y="6"/>
+                  <a:pt x="129" y="0"/>
+                  <a:pt x="160" y="20"/>
+                </a:cubicBezTo>
+                <a:cubicBezTo>
+                  <a:pt x="191" y="40"/>
+                  <a:pt x="175" y="112"/>
+                  <a:pt x="184" y="132"/>
+                </a:cubicBezTo>
+              </a:path>
+            </a:pathLst>
+          </a:custGeom>
+          <a:noFill/>
+          <a:ln w="9525" cap="flat" cmpd="sng">
+            <a:solidFill>
+              <a:schemeClr val="tx1"/>
+            </a:solidFill>
+            <a:prstDash val="solid"/>
+            <a:miter lim="800000"/>
+            <a:headEnd type="none" w="med" len="med"/>
+            <a:tailEnd type="triangle" w="med" len="med"/>
+          </a:ln>
+          <a:effectLst/>
+        </p:spPr>
+        <p:txBody>
+          <a:bodyPr wrap="none"/>
           <a:lstStyle/>
           <a:p>
             <a:endParaRPr lang="en-US"/>
